--- a/Docs/Advance programming PPT.pptx
+++ b/Docs/Advance programming PPT.pptx
@@ -6,11 +6,17 @@
   </p:sldMasterIdLst>
   <p:sldIdLst>
     <p:sldId id="256" r:id="rId2"/>
-    <p:sldId id="257" r:id="rId3"/>
-    <p:sldId id="259" r:id="rId4"/>
-    <p:sldId id="258" r:id="rId5"/>
-    <p:sldId id="260" r:id="rId6"/>
-    <p:sldId id="261" r:id="rId7"/>
+    <p:sldId id="262" r:id="rId3"/>
+    <p:sldId id="263" r:id="rId4"/>
+    <p:sldId id="264" r:id="rId5"/>
+    <p:sldId id="265" r:id="rId6"/>
+    <p:sldId id="266" r:id="rId7"/>
+    <p:sldId id="267" r:id="rId8"/>
+    <p:sldId id="257" r:id="rId9"/>
+    <p:sldId id="259" r:id="rId10"/>
+    <p:sldId id="258" r:id="rId11"/>
+    <p:sldId id="260" r:id="rId12"/>
+    <p:sldId id="261" r:id="rId13"/>
   </p:sldIdLst>
   <p:sldSz cx="12192000" cy="6858000"/>
   <p:notesSz cx="6858000" cy="9144000"/>
@@ -109,6 +115,11 @@
       </a:defRPr>
     </a:lvl9pPr>
   </p:defaultTextStyle>
+  <p:extLst>
+    <p:ext uri="{EFAFB233-063F-42B5-8137-9DF3F51BA10A}">
+      <p15:sldGuideLst xmlns:p15="http://schemas.microsoft.com/office/powerpoint/2012/main"/>
+    </p:ext>
+  </p:extLst>
 </p:presentation>
 </file>
 
@@ -448,7 +459,7 @@
             <a:fld id="{5923F103-BC34-4FE4-A40E-EDDEECFDA5D0}" type="datetimeFigureOut">
               <a:rPr lang="en-US" dirty="0"/>
               <a:pPr/>
-              <a:t>4/2/2018</a:t>
+              <a:t>4/3/2018</a:t>
             </a:fld>
             <a:endParaRPr lang="en-US" dirty="0"/>
           </a:p>
@@ -1536,7 +1547,7 @@
           <a:p>
             <a:fld id="{923A1CC3-2375-41D4-9E03-427CAF2A4C1A}" type="datetimeFigureOut">
               <a:rPr lang="en-US" dirty="0"/>
-              <a:t>4/2/2018</a:t>
+              <a:t>4/3/2018</a:t>
             </a:fld>
             <a:endParaRPr lang="en-US" dirty="0"/>
           </a:p>
@@ -2516,7 +2527,7 @@
           <a:p>
             <a:fld id="{AFF16868-8199-4C2C-A5B1-63AEE139F88E}" type="datetimeFigureOut">
               <a:rPr lang="en-US" dirty="0"/>
-              <a:t>4/2/2018</a:t>
+              <a:t>4/3/2018</a:t>
             </a:fld>
             <a:endParaRPr lang="en-US" dirty="0"/>
           </a:p>
@@ -3650,7 +3661,7 @@
           <a:p>
             <a:fld id="{AAD9FF7F-6988-44CC-821B-644E70CD2F73}" type="datetimeFigureOut">
               <a:rPr lang="en-US" dirty="0"/>
-              <a:t>4/2/2018</a:t>
+              <a:t>4/3/2018</a:t>
             </a:fld>
             <a:endParaRPr lang="en-US" dirty="0"/>
           </a:p>
@@ -4683,7 +4694,7 @@
           <a:p>
             <a:fld id="{5C12C299-16B2-4475-990D-751901EACC14}" type="datetimeFigureOut">
               <a:rPr lang="en-US" dirty="0"/>
-              <a:t>4/2/2018</a:t>
+              <a:t>4/3/2018</a:t>
             </a:fld>
             <a:endParaRPr lang="en-US" dirty="0"/>
           </a:p>
@@ -5343,7 +5354,7 @@
           <a:p>
             <a:fld id="{9FE86839-B9D8-4651-8783-F325ECE74E65}" type="datetimeFigureOut">
               <a:rPr lang="en-US" dirty="0"/>
-              <a:t>4/2/2018</a:t>
+              <a:t>4/3/2018</a:t>
             </a:fld>
             <a:endParaRPr lang="en-US" dirty="0"/>
           </a:p>
@@ -6204,7 +6215,7 @@
           <a:p>
             <a:fld id="{FD484F64-32F6-45C5-931F-ADC1662401D0}" type="datetimeFigureOut">
               <a:rPr lang="en-US" dirty="0"/>
-              <a:t>4/2/2018</a:t>
+              <a:t>4/3/2018</a:t>
             </a:fld>
             <a:endParaRPr lang="en-US" dirty="0"/>
           </a:p>
@@ -6394,7 +6405,7 @@
           <a:p>
             <a:fld id="{53086D93-FCAC-47E0-A2EE-787E62CA814C}" type="datetimeFigureOut">
               <a:rPr lang="en-US" dirty="0"/>
-              <a:t>4/2/2018</a:t>
+              <a:t>4/3/2018</a:t>
             </a:fld>
             <a:endParaRPr lang="en-US" dirty="0"/>
           </a:p>
@@ -7366,7 +7377,7 @@
           <a:p>
             <a:fld id="{CDA879A6-0FD0-4734-A311-86BFCA472E6E}" type="datetimeFigureOut">
               <a:rPr lang="en-US" dirty="0"/>
-              <a:t>4/2/2018</a:t>
+              <a:t>4/3/2018</a:t>
             </a:fld>
             <a:endParaRPr lang="en-US" dirty="0"/>
           </a:p>
@@ -7577,7 +7588,7 @@
           <a:p>
             <a:fld id="{19C9CA7B-DFD4-44B5-8C60-D14B8CD1FB59}" type="datetimeFigureOut">
               <a:rPr lang="en-US" dirty="0"/>
-              <a:t>4/2/2018</a:t>
+              <a:t>4/3/2018</a:t>
             </a:fld>
             <a:endParaRPr lang="en-US" dirty="0"/>
           </a:p>
@@ -8611,7 +8622,7 @@
           <a:p>
             <a:fld id="{F34E6425-0181-43F2-84FC-787E803FD2F8}" type="datetimeFigureOut">
               <a:rPr lang="en-US" dirty="0"/>
-              <a:t>4/2/2018</a:t>
+              <a:t>4/3/2018</a:t>
             </a:fld>
             <a:endParaRPr lang="en-US" dirty="0"/>
           </a:p>
@@ -8883,7 +8894,7 @@
           <a:p>
             <a:fld id="{3BDB8791-F1B0-41E7-B7FD-A781E65C4266}" type="datetimeFigureOut">
               <a:rPr lang="en-US" dirty="0"/>
-              <a:t>4/2/2018</a:t>
+              <a:t>4/3/2018</a:t>
             </a:fld>
             <a:endParaRPr lang="en-US" dirty="0"/>
           </a:p>
@@ -9293,7 +9304,7 @@
           <a:p>
             <a:fld id="{5FDD63B2-E120-4ED8-B27B-C685F510A5FE}" type="datetimeFigureOut">
               <a:rPr lang="en-US" dirty="0"/>
-              <a:t>4/2/2018</a:t>
+              <a:t>4/3/2018</a:t>
             </a:fld>
             <a:endParaRPr lang="en-US" dirty="0"/>
           </a:p>
@@ -9420,7 +9431,7 @@
           <a:p>
             <a:fld id="{7AA18ACC-A947-437B-A130-35BD54FDF1E9}" type="datetimeFigureOut">
               <a:rPr lang="en-US" dirty="0"/>
-              <a:t>4/2/2018</a:t>
+              <a:t>4/3/2018</a:t>
             </a:fld>
             <a:endParaRPr lang="en-US" dirty="0"/>
           </a:p>
@@ -9515,7 +9526,7 @@
           <a:p>
             <a:fld id="{7C8D7E02-BCB8-4D50-A234-369438C08659}" type="datetimeFigureOut">
               <a:rPr lang="en-US" dirty="0"/>
-              <a:t>4/2/2018</a:t>
+              <a:t>4/3/2018</a:t>
             </a:fld>
             <a:endParaRPr lang="en-US" dirty="0"/>
           </a:p>
@@ -10596,7 +10607,7 @@
           <a:p>
             <a:fld id="{76E86A4C-8E40-4F87-A4F0-01A0687C5742}" type="datetimeFigureOut">
               <a:rPr lang="en-US" dirty="0"/>
-              <a:t>4/2/2018</a:t>
+              <a:t>4/3/2018</a:t>
             </a:fld>
             <a:endParaRPr lang="en-US" dirty="0"/>
           </a:p>
@@ -11704,7 +11715,7 @@
           <a:p>
             <a:fld id="{35E72C73-2D91-4E12-BA25-F0AA0C03599B}" type="datetimeFigureOut">
               <a:rPr lang="en-US" dirty="0"/>
-              <a:t>4/2/2018</a:t>
+              <a:t>4/3/2018</a:t>
             </a:fld>
             <a:endParaRPr lang="en-US" dirty="0"/>
           </a:p>
@@ -12701,7 +12712,7 @@
           <a:p>
             <a:fld id="{2BE451C3-0FF4-47C4-B829-773ADF60F88C}" type="datetimeFigureOut">
               <a:rPr lang="en-US" dirty="0"/>
-              <a:t>4/2/2018</a:t>
+              <a:t>4/3/2018</a:t>
             </a:fld>
             <a:endParaRPr lang="en-US" dirty="0"/>
           </a:p>
@@ -13408,7 +13419,3304 @@
 </p:sld>
 </file>
 
+<file path=ppt/slides/slide10.xml><?xml version="1.0" encoding="utf-8"?>
+<p:sld xmlns:a="http://schemas.openxmlformats.org/drawingml/2006/main" xmlns:r="http://schemas.openxmlformats.org/officeDocument/2006/relationships" xmlns:p="http://schemas.openxmlformats.org/presentationml/2006/main">
+  <p:cSld>
+    <p:spTree>
+      <p:nvGrpSpPr>
+        <p:cNvPr id="1" name=""/>
+        <p:cNvGrpSpPr/>
+        <p:nvPr/>
+      </p:nvGrpSpPr>
+      <p:grpSpPr>
+        <a:xfrm>
+          <a:off x="0" y="0"/>
+          <a:ext cx="0" cy="0"/>
+          <a:chOff x="0" y="0"/>
+          <a:chExt cx="0" cy="0"/>
+        </a:xfrm>
+      </p:grpSpPr>
+      <p:sp>
+        <p:nvSpPr>
+          <p:cNvPr id="2" name="标题 1">
+            <a:extLst>
+              <a:ext uri="{FF2B5EF4-FFF2-40B4-BE49-F238E27FC236}">
+                <a16:creationId xmlns:a16="http://schemas.microsoft.com/office/drawing/2014/main" id="{005D994C-7889-4729-93B3-81A64F33073C}"/>
+              </a:ext>
+            </a:extLst>
+          </p:cNvPr>
+          <p:cNvSpPr>
+            <a:spLocks noGrp="1"/>
+          </p:cNvSpPr>
+          <p:nvPr>
+            <p:ph type="title"/>
+          </p:nvPr>
+        </p:nvSpPr>
+        <p:spPr/>
+        <p:txBody>
+          <a:bodyPr/>
+          <a:lstStyle/>
+          <a:p>
+            <a:pPr algn="ctr"/>
+            <a:r>
+              <a:rPr lang="en-US" altLang="zh-CN" dirty="0"/>
+              <a:t>Solution 2</a:t>
+            </a:r>
+            <a:endParaRPr lang="zh-CN" altLang="en-US" dirty="0"/>
+          </a:p>
+        </p:txBody>
+      </p:sp>
+      <p:sp>
+        <p:nvSpPr>
+          <p:cNvPr id="3" name="内容占位符 2">
+            <a:extLst>
+              <a:ext uri="{FF2B5EF4-FFF2-40B4-BE49-F238E27FC236}">
+                <a16:creationId xmlns:a16="http://schemas.microsoft.com/office/drawing/2014/main" id="{79229DC0-61D0-42B7-AA10-67AB29ED690A}"/>
+              </a:ext>
+            </a:extLst>
+          </p:cNvPr>
+          <p:cNvSpPr>
+            <a:spLocks noGrp="1"/>
+          </p:cNvSpPr>
+          <p:nvPr>
+            <p:ph idx="1"/>
+          </p:nvPr>
+        </p:nvSpPr>
+        <p:spPr>
+          <a:xfrm>
+            <a:off x="1154954" y="2603500"/>
+            <a:ext cx="9641383" cy="3416300"/>
+          </a:xfrm>
+        </p:spPr>
+        <p:txBody>
+          <a:bodyPr>
+            <a:normAutofit/>
+          </a:bodyPr>
+          <a:lstStyle/>
+          <a:p>
+            <a:pPr marL="0" indent="0">
+              <a:buNone/>
+            </a:pPr>
+            <a:r>
+              <a:rPr lang="en-US" altLang="zh-CN" sz="2400" dirty="0"/>
+              <a:t>Example:</a:t>
+            </a:r>
+          </a:p>
+          <a:p>
+            <a:pPr marL="0" indent="0">
+              <a:buNone/>
+            </a:pPr>
+            <a:r>
+              <a:rPr lang="en-US" altLang="zh-CN" sz="2400" dirty="0"/>
+              <a:t>23!</a:t>
+            </a:r>
+          </a:p>
+          <a:p>
+            <a:pPr marL="0" indent="0">
+              <a:buNone/>
+            </a:pPr>
+            <a:r>
+              <a:rPr lang="en-US" altLang="zh-CN" sz="2400" dirty="0"/>
+              <a:t>1*2*3*4*5*6*7*8</a:t>
+            </a:r>
+            <a:r>
+              <a:rPr lang="zh-CN" altLang="en-US" sz="2400" dirty="0"/>
+              <a:t>*</a:t>
+            </a:r>
+            <a:r>
+              <a:rPr lang="en-US" altLang="zh-CN" sz="2400" dirty="0"/>
+              <a:t>9</a:t>
+            </a:r>
+            <a:r>
+              <a:rPr lang="zh-CN" altLang="en-US" sz="2400" dirty="0"/>
+              <a:t>*</a:t>
+            </a:r>
+            <a:r>
+              <a:rPr lang="en-US" altLang="zh-CN" sz="2400" dirty="0"/>
+              <a:t>10</a:t>
+            </a:r>
+            <a:r>
+              <a:rPr lang="zh-CN" altLang="en-US" sz="2400" dirty="0"/>
+              <a:t>*</a:t>
+            </a:r>
+            <a:r>
+              <a:rPr lang="en-US" altLang="zh-CN" sz="2400" dirty="0"/>
+              <a:t>11</a:t>
+            </a:r>
+            <a:r>
+              <a:rPr lang="zh-CN" altLang="en-US" sz="2400" dirty="0"/>
+              <a:t>*</a:t>
+            </a:r>
+            <a:r>
+              <a:rPr lang="en-US" altLang="zh-CN" sz="2400" dirty="0"/>
+              <a:t>12</a:t>
+            </a:r>
+            <a:r>
+              <a:rPr lang="zh-CN" altLang="en-US" sz="2400" dirty="0"/>
+              <a:t>*</a:t>
+            </a:r>
+            <a:r>
+              <a:rPr lang="en-US" altLang="zh-CN" sz="2400" dirty="0"/>
+              <a:t>13</a:t>
+            </a:r>
+            <a:r>
+              <a:rPr lang="zh-CN" altLang="en-US" sz="2400" dirty="0"/>
+              <a:t>*</a:t>
+            </a:r>
+            <a:r>
+              <a:rPr lang="en-US" altLang="zh-CN" sz="2400" dirty="0"/>
+              <a:t>14</a:t>
+            </a:r>
+            <a:r>
+              <a:rPr lang="zh-CN" altLang="en-US" sz="2400" dirty="0"/>
+              <a:t>*</a:t>
+            </a:r>
+            <a:r>
+              <a:rPr lang="en-US" altLang="zh-CN" sz="2400" dirty="0"/>
+              <a:t>15</a:t>
+            </a:r>
+            <a:r>
+              <a:rPr lang="zh-CN" altLang="en-US" sz="2400" dirty="0"/>
+              <a:t>*</a:t>
+            </a:r>
+            <a:r>
+              <a:rPr lang="en-US" altLang="zh-CN" sz="2400" dirty="0"/>
+              <a:t>16</a:t>
+            </a:r>
+            <a:r>
+              <a:rPr lang="zh-CN" altLang="en-US" sz="2400" dirty="0"/>
+              <a:t>*</a:t>
+            </a:r>
+            <a:r>
+              <a:rPr lang="en-US" altLang="zh-CN" sz="2400" dirty="0"/>
+              <a:t>17</a:t>
+            </a:r>
+            <a:r>
+              <a:rPr lang="zh-CN" altLang="en-US" sz="2400" dirty="0"/>
+              <a:t>*</a:t>
+            </a:r>
+            <a:r>
+              <a:rPr lang="en-US" altLang="zh-CN" sz="2400" dirty="0"/>
+              <a:t>18</a:t>
+            </a:r>
+            <a:r>
+              <a:rPr lang="zh-CN" altLang="en-US" sz="2400" dirty="0"/>
+              <a:t>*</a:t>
+            </a:r>
+            <a:r>
+              <a:rPr lang="en-US" altLang="zh-CN" sz="2400" dirty="0"/>
+              <a:t>19</a:t>
+            </a:r>
+            <a:r>
+              <a:rPr lang="zh-CN" altLang="en-US" sz="2400" dirty="0"/>
+              <a:t>*</a:t>
+            </a:r>
+            <a:r>
+              <a:rPr lang="en-US" altLang="zh-CN" sz="2400" dirty="0"/>
+              <a:t>20</a:t>
+            </a:r>
+            <a:r>
+              <a:rPr lang="zh-CN" altLang="en-US" sz="2400" dirty="0"/>
+              <a:t>*</a:t>
+            </a:r>
+            <a:r>
+              <a:rPr lang="en-US" altLang="zh-CN" sz="2400" dirty="0"/>
+              <a:t>21</a:t>
+            </a:r>
+            <a:r>
+              <a:rPr lang="zh-CN" altLang="en-US" sz="2400" dirty="0"/>
+              <a:t>*</a:t>
+            </a:r>
+            <a:r>
+              <a:rPr lang="en-US" altLang="zh-CN" sz="2400" dirty="0"/>
+              <a:t>22</a:t>
+            </a:r>
+            <a:r>
+              <a:rPr lang="zh-CN" altLang="en-US" sz="2400" dirty="0"/>
+              <a:t>*</a:t>
+            </a:r>
+            <a:r>
+              <a:rPr lang="en-US" altLang="zh-CN" sz="2400" dirty="0"/>
+              <a:t>23</a:t>
+            </a:r>
+          </a:p>
+          <a:p>
+            <a:pPr marL="0" indent="0">
+              <a:buNone/>
+            </a:pPr>
+            <a:r>
+              <a:rPr lang="en-US" altLang="zh-CN" sz="2400" dirty="0"/>
+              <a:t>1*2*3*4*</a:t>
+            </a:r>
+            <a:r>
+              <a:rPr lang="en-US" altLang="zh-CN" sz="2400" dirty="0">
+                <a:highlight>
+                  <a:srgbClr val="FF0000"/>
+                </a:highlight>
+              </a:rPr>
+              <a:t>5</a:t>
+            </a:r>
+            <a:r>
+              <a:rPr lang="en-US" altLang="zh-CN" sz="2400" dirty="0"/>
+              <a:t>*6*7*8</a:t>
+            </a:r>
+            <a:r>
+              <a:rPr lang="zh-CN" altLang="en-US" sz="2400" dirty="0"/>
+              <a:t>*</a:t>
+            </a:r>
+            <a:r>
+              <a:rPr lang="en-US" altLang="zh-CN" sz="2400" dirty="0"/>
+              <a:t>9</a:t>
+            </a:r>
+            <a:r>
+              <a:rPr lang="zh-CN" altLang="en-US" sz="2400" dirty="0"/>
+              <a:t>*</a:t>
+            </a:r>
+            <a:r>
+              <a:rPr lang="en-US" altLang="zh-CN" sz="2400" dirty="0">
+                <a:highlight>
+                  <a:srgbClr val="FF0000"/>
+                </a:highlight>
+              </a:rPr>
+              <a:t>10</a:t>
+            </a:r>
+            <a:r>
+              <a:rPr lang="zh-CN" altLang="en-US" sz="2400" dirty="0"/>
+              <a:t>*</a:t>
+            </a:r>
+            <a:r>
+              <a:rPr lang="en-US" altLang="zh-CN" sz="2400" dirty="0"/>
+              <a:t>11</a:t>
+            </a:r>
+            <a:r>
+              <a:rPr lang="zh-CN" altLang="en-US" sz="2400" dirty="0"/>
+              <a:t>*</a:t>
+            </a:r>
+            <a:r>
+              <a:rPr lang="en-US" altLang="zh-CN" sz="2400" dirty="0"/>
+              <a:t>12</a:t>
+            </a:r>
+            <a:r>
+              <a:rPr lang="zh-CN" altLang="en-US" sz="2400" dirty="0"/>
+              <a:t>*</a:t>
+            </a:r>
+            <a:r>
+              <a:rPr lang="en-US" altLang="zh-CN" sz="2400" dirty="0"/>
+              <a:t>13</a:t>
+            </a:r>
+            <a:r>
+              <a:rPr lang="zh-CN" altLang="en-US" sz="2400" dirty="0"/>
+              <a:t>*</a:t>
+            </a:r>
+            <a:r>
+              <a:rPr lang="en-US" altLang="zh-CN" sz="2400" dirty="0"/>
+              <a:t>14</a:t>
+            </a:r>
+            <a:r>
+              <a:rPr lang="zh-CN" altLang="en-US" sz="2400" dirty="0"/>
+              <a:t>*</a:t>
+            </a:r>
+            <a:r>
+              <a:rPr lang="en-US" altLang="zh-CN" sz="2400" dirty="0">
+                <a:highlight>
+                  <a:srgbClr val="FF0000"/>
+                </a:highlight>
+              </a:rPr>
+              <a:t>15</a:t>
+            </a:r>
+            <a:r>
+              <a:rPr lang="zh-CN" altLang="en-US" sz="2400" dirty="0"/>
+              <a:t>*</a:t>
+            </a:r>
+            <a:r>
+              <a:rPr lang="en-US" altLang="zh-CN" sz="2400" dirty="0"/>
+              <a:t>16</a:t>
+            </a:r>
+            <a:r>
+              <a:rPr lang="zh-CN" altLang="en-US" sz="2400" dirty="0"/>
+              <a:t>*</a:t>
+            </a:r>
+            <a:r>
+              <a:rPr lang="en-US" altLang="zh-CN" sz="2400" dirty="0"/>
+              <a:t>17</a:t>
+            </a:r>
+            <a:r>
+              <a:rPr lang="zh-CN" altLang="en-US" sz="2400" dirty="0"/>
+              <a:t>*</a:t>
+            </a:r>
+            <a:r>
+              <a:rPr lang="en-US" altLang="zh-CN" sz="2400" dirty="0"/>
+              <a:t>18</a:t>
+            </a:r>
+            <a:r>
+              <a:rPr lang="zh-CN" altLang="en-US" sz="2400" dirty="0"/>
+              <a:t>*</a:t>
+            </a:r>
+            <a:r>
+              <a:rPr lang="en-US" altLang="zh-CN" sz="2400" dirty="0"/>
+              <a:t>19</a:t>
+            </a:r>
+            <a:r>
+              <a:rPr lang="zh-CN" altLang="en-US" sz="2400" dirty="0"/>
+              <a:t>*</a:t>
+            </a:r>
+            <a:r>
+              <a:rPr lang="en-US" altLang="zh-CN" sz="2400" dirty="0">
+                <a:highlight>
+                  <a:srgbClr val="FF0000"/>
+                </a:highlight>
+              </a:rPr>
+              <a:t>20</a:t>
+            </a:r>
+            <a:r>
+              <a:rPr lang="zh-CN" altLang="en-US" sz="2400" dirty="0"/>
+              <a:t>*</a:t>
+            </a:r>
+            <a:r>
+              <a:rPr lang="en-US" altLang="zh-CN" sz="2400" dirty="0"/>
+              <a:t>21</a:t>
+            </a:r>
+            <a:r>
+              <a:rPr lang="zh-CN" altLang="en-US" sz="2400" dirty="0"/>
+              <a:t>*</a:t>
+            </a:r>
+            <a:r>
+              <a:rPr lang="en-US" altLang="zh-CN" sz="2400" dirty="0"/>
+              <a:t>22</a:t>
+            </a:r>
+            <a:r>
+              <a:rPr lang="zh-CN" altLang="en-US" sz="2400" dirty="0"/>
+              <a:t>*</a:t>
+            </a:r>
+            <a:r>
+              <a:rPr lang="en-US" altLang="zh-CN" sz="2400" dirty="0"/>
+              <a:t>23</a:t>
+            </a:r>
+          </a:p>
+          <a:p>
+            <a:pPr marL="0" indent="0">
+              <a:buNone/>
+            </a:pPr>
+            <a:r>
+              <a:rPr lang="en-US" altLang="zh-CN" sz="2400" dirty="0"/>
+              <a:t>              5               2</a:t>
+            </a:r>
+            <a:r>
+              <a:rPr lang="zh-CN" altLang="en-US" sz="2400" dirty="0"/>
+              <a:t>*</a:t>
+            </a:r>
+            <a:r>
+              <a:rPr lang="en-US" altLang="zh-CN" sz="2400" dirty="0"/>
+              <a:t>5                      3</a:t>
+            </a:r>
+            <a:r>
+              <a:rPr lang="zh-CN" altLang="en-US" sz="2400" dirty="0"/>
+              <a:t>*</a:t>
+            </a:r>
+            <a:r>
+              <a:rPr lang="en-US" altLang="zh-CN" sz="2400" dirty="0"/>
+              <a:t>5                     2</a:t>
+            </a:r>
+            <a:r>
+              <a:rPr lang="zh-CN" altLang="en-US" sz="2400" dirty="0"/>
+              <a:t>*</a:t>
+            </a:r>
+            <a:r>
+              <a:rPr lang="en-US" altLang="zh-CN" sz="2400" dirty="0"/>
+              <a:t>2</a:t>
+            </a:r>
+            <a:r>
+              <a:rPr lang="zh-CN" altLang="en-US" sz="2400" dirty="0"/>
+              <a:t>*</a:t>
+            </a:r>
+            <a:r>
+              <a:rPr lang="en-US" altLang="zh-CN" sz="2400" dirty="0"/>
+              <a:t>5</a:t>
+            </a:r>
+          </a:p>
+          <a:p>
+            <a:pPr marL="0" indent="0">
+              <a:buNone/>
+            </a:pPr>
+            <a:endParaRPr lang="en-US" altLang="zh-CN" sz="2400" dirty="0"/>
+          </a:p>
+          <a:p>
+            <a:pPr marL="0" indent="0">
+              <a:buNone/>
+            </a:pPr>
+            <a:r>
+              <a:rPr lang="en-US" altLang="zh-CN" sz="2400" dirty="0"/>
+              <a:t>Simple solution is calculate floor(n/5)</a:t>
+            </a:r>
+          </a:p>
+        </p:txBody>
+      </p:sp>
+    </p:spTree>
+    <p:extLst>
+      <p:ext uri="{BB962C8B-B14F-4D97-AF65-F5344CB8AC3E}">
+        <p14:creationId xmlns:p14="http://schemas.microsoft.com/office/powerpoint/2010/main" val="2365964779"/>
+      </p:ext>
+    </p:extLst>
+  </p:cSld>
+  <p:clrMapOvr>
+    <a:masterClrMapping/>
+  </p:clrMapOvr>
+</p:sld>
+</file>
+
+<file path=ppt/slides/slide11.xml><?xml version="1.0" encoding="utf-8"?>
+<p:sld xmlns:a="http://schemas.openxmlformats.org/drawingml/2006/main" xmlns:r="http://schemas.openxmlformats.org/officeDocument/2006/relationships" xmlns:p="http://schemas.openxmlformats.org/presentationml/2006/main">
+  <p:cSld>
+    <p:spTree>
+      <p:nvGrpSpPr>
+        <p:cNvPr id="1" name=""/>
+        <p:cNvGrpSpPr/>
+        <p:nvPr/>
+      </p:nvGrpSpPr>
+      <p:grpSpPr>
+        <a:xfrm>
+          <a:off x="0" y="0"/>
+          <a:ext cx="0" cy="0"/>
+          <a:chOff x="0" y="0"/>
+          <a:chExt cx="0" cy="0"/>
+        </a:xfrm>
+      </p:grpSpPr>
+      <p:sp>
+        <p:nvSpPr>
+          <p:cNvPr id="2" name="标题 1">
+            <a:extLst>
+              <a:ext uri="{FF2B5EF4-FFF2-40B4-BE49-F238E27FC236}">
+                <a16:creationId xmlns:a16="http://schemas.microsoft.com/office/drawing/2014/main" id="{A09AB635-D708-42CC-BF70-5265AABE3517}"/>
+              </a:ext>
+            </a:extLst>
+          </p:cNvPr>
+          <p:cNvSpPr>
+            <a:spLocks noGrp="1"/>
+          </p:cNvSpPr>
+          <p:nvPr>
+            <p:ph type="title"/>
+          </p:nvPr>
+        </p:nvSpPr>
+        <p:spPr/>
+        <p:txBody>
+          <a:bodyPr/>
+          <a:lstStyle/>
+          <a:p>
+            <a:pPr algn="ctr"/>
+            <a:r>
+              <a:rPr lang="en-US" altLang="zh-CN" dirty="0"/>
+              <a:t>Solution 2</a:t>
+            </a:r>
+            <a:endParaRPr lang="zh-CN" altLang="en-US" dirty="0"/>
+          </a:p>
+        </p:txBody>
+      </p:sp>
+      <p:sp>
+        <p:nvSpPr>
+          <p:cNvPr id="3" name="内容占位符 2">
+            <a:extLst>
+              <a:ext uri="{FF2B5EF4-FFF2-40B4-BE49-F238E27FC236}">
+                <a16:creationId xmlns:a16="http://schemas.microsoft.com/office/drawing/2014/main" id="{E2BC1BCC-0D75-4719-96FA-63D8F48D0CD1}"/>
+              </a:ext>
+            </a:extLst>
+          </p:cNvPr>
+          <p:cNvSpPr>
+            <a:spLocks noGrp="1"/>
+          </p:cNvSpPr>
+          <p:nvPr>
+            <p:ph idx="1"/>
+          </p:nvPr>
+        </p:nvSpPr>
+        <p:spPr>
+          <a:xfrm>
+            <a:off x="866235" y="2787984"/>
+            <a:ext cx="10459530" cy="3416300"/>
+          </a:xfrm>
+        </p:spPr>
+        <p:txBody>
+          <a:bodyPr>
+            <a:normAutofit/>
+          </a:bodyPr>
+          <a:lstStyle/>
+          <a:p>
+            <a:pPr marL="0" indent="0">
+              <a:buNone/>
+            </a:pPr>
+            <a:r>
+              <a:rPr lang="en-US" altLang="zh-CN" sz="2400" dirty="0"/>
+              <a:t>How about numbers that greater than 25!, 125!, 625! ….?</a:t>
+            </a:r>
+          </a:p>
+          <a:p>
+            <a:pPr marL="0" indent="0">
+              <a:buNone/>
+            </a:pPr>
+            <a:r>
+              <a:rPr lang="en-US" altLang="zh-CN" sz="2400" dirty="0"/>
+              <a:t>25!</a:t>
+            </a:r>
+          </a:p>
+          <a:p>
+            <a:pPr marL="0" indent="0">
+              <a:buNone/>
+            </a:pPr>
+            <a:r>
+              <a:rPr lang="en-US" altLang="zh-CN" sz="2400" dirty="0"/>
+              <a:t>1*2*3*4*</a:t>
+            </a:r>
+            <a:r>
+              <a:rPr lang="en-US" altLang="zh-CN" sz="2400" dirty="0">
+                <a:highlight>
+                  <a:srgbClr val="FF0000"/>
+                </a:highlight>
+              </a:rPr>
+              <a:t>5</a:t>
+            </a:r>
+            <a:r>
+              <a:rPr lang="en-US" altLang="zh-CN" sz="2400" dirty="0"/>
+              <a:t>*6*7*8</a:t>
+            </a:r>
+            <a:r>
+              <a:rPr lang="zh-CN" altLang="en-US" sz="2400" dirty="0"/>
+              <a:t>*</a:t>
+            </a:r>
+            <a:r>
+              <a:rPr lang="en-US" altLang="zh-CN" sz="2400" dirty="0"/>
+              <a:t>9</a:t>
+            </a:r>
+            <a:r>
+              <a:rPr lang="zh-CN" altLang="en-US" sz="2400" dirty="0"/>
+              <a:t>*</a:t>
+            </a:r>
+            <a:r>
+              <a:rPr lang="en-US" altLang="zh-CN" sz="2400" dirty="0">
+                <a:highlight>
+                  <a:srgbClr val="FF0000"/>
+                </a:highlight>
+              </a:rPr>
+              <a:t>10</a:t>
+            </a:r>
+            <a:r>
+              <a:rPr lang="zh-CN" altLang="en-US" sz="2400" dirty="0"/>
+              <a:t>*</a:t>
+            </a:r>
+            <a:r>
+              <a:rPr lang="en-US" altLang="zh-CN" sz="2400" dirty="0"/>
+              <a:t>11</a:t>
+            </a:r>
+            <a:r>
+              <a:rPr lang="zh-CN" altLang="en-US" sz="2400" dirty="0"/>
+              <a:t>*</a:t>
+            </a:r>
+            <a:r>
+              <a:rPr lang="en-US" altLang="zh-CN" sz="2400" dirty="0"/>
+              <a:t>12</a:t>
+            </a:r>
+            <a:r>
+              <a:rPr lang="zh-CN" altLang="en-US" sz="2400" dirty="0"/>
+              <a:t>*</a:t>
+            </a:r>
+            <a:r>
+              <a:rPr lang="en-US" altLang="zh-CN" sz="2400" dirty="0"/>
+              <a:t>13</a:t>
+            </a:r>
+            <a:r>
+              <a:rPr lang="zh-CN" altLang="en-US" sz="2400" dirty="0"/>
+              <a:t>*</a:t>
+            </a:r>
+            <a:r>
+              <a:rPr lang="en-US" altLang="zh-CN" sz="2400" dirty="0"/>
+              <a:t>14</a:t>
+            </a:r>
+            <a:r>
+              <a:rPr lang="zh-CN" altLang="en-US" sz="2400" dirty="0"/>
+              <a:t>*</a:t>
+            </a:r>
+            <a:r>
+              <a:rPr lang="en-US" altLang="zh-CN" sz="2400" dirty="0">
+                <a:highlight>
+                  <a:srgbClr val="FF0000"/>
+                </a:highlight>
+              </a:rPr>
+              <a:t>15</a:t>
+            </a:r>
+            <a:r>
+              <a:rPr lang="zh-CN" altLang="en-US" sz="2400" dirty="0"/>
+              <a:t>*</a:t>
+            </a:r>
+            <a:r>
+              <a:rPr lang="en-US" altLang="zh-CN" sz="2400" dirty="0"/>
+              <a:t>16</a:t>
+            </a:r>
+            <a:r>
+              <a:rPr lang="zh-CN" altLang="en-US" sz="2400" dirty="0"/>
+              <a:t>*</a:t>
+            </a:r>
+            <a:r>
+              <a:rPr lang="en-US" altLang="zh-CN" sz="2400" dirty="0"/>
+              <a:t>17</a:t>
+            </a:r>
+            <a:r>
+              <a:rPr lang="zh-CN" altLang="en-US" sz="2400" dirty="0"/>
+              <a:t>*</a:t>
+            </a:r>
+            <a:r>
+              <a:rPr lang="en-US" altLang="zh-CN" sz="2400" dirty="0"/>
+              <a:t>18</a:t>
+            </a:r>
+            <a:r>
+              <a:rPr lang="zh-CN" altLang="en-US" sz="2400" dirty="0"/>
+              <a:t>*</a:t>
+            </a:r>
+            <a:r>
+              <a:rPr lang="en-US" altLang="zh-CN" sz="2400" dirty="0"/>
+              <a:t>19</a:t>
+            </a:r>
+            <a:r>
+              <a:rPr lang="zh-CN" altLang="en-US" sz="2400" dirty="0"/>
+              <a:t>*</a:t>
+            </a:r>
+            <a:r>
+              <a:rPr lang="en-US" altLang="zh-CN" sz="2400" dirty="0">
+                <a:highlight>
+                  <a:srgbClr val="FF0000"/>
+                </a:highlight>
+              </a:rPr>
+              <a:t>20</a:t>
+            </a:r>
+            <a:r>
+              <a:rPr lang="zh-CN" altLang="en-US" sz="2400" dirty="0"/>
+              <a:t>*</a:t>
+            </a:r>
+            <a:r>
+              <a:rPr lang="en-US" altLang="zh-CN" sz="2400" dirty="0"/>
+              <a:t>21</a:t>
+            </a:r>
+            <a:r>
+              <a:rPr lang="zh-CN" altLang="en-US" sz="2400" dirty="0"/>
+              <a:t>*</a:t>
+            </a:r>
+            <a:r>
+              <a:rPr lang="en-US" altLang="zh-CN" sz="2400" dirty="0"/>
+              <a:t>22</a:t>
+            </a:r>
+            <a:r>
+              <a:rPr lang="zh-CN" altLang="en-US" sz="2400" dirty="0"/>
+              <a:t>*</a:t>
+            </a:r>
+            <a:r>
+              <a:rPr lang="en-US" altLang="zh-CN" sz="2400" dirty="0"/>
+              <a:t>23*24*</a:t>
+            </a:r>
+            <a:r>
+              <a:rPr lang="en-US" altLang="zh-CN" sz="2400" dirty="0">
+                <a:highlight>
+                  <a:srgbClr val="FF0000"/>
+                </a:highlight>
+              </a:rPr>
+              <a:t>25</a:t>
+            </a:r>
+          </a:p>
+          <a:p>
+            <a:pPr marL="0" indent="0">
+              <a:buNone/>
+            </a:pPr>
+            <a:r>
+              <a:rPr lang="en-US" altLang="zh-CN" sz="2400" dirty="0"/>
+              <a:t>              5               2</a:t>
+            </a:r>
+            <a:r>
+              <a:rPr lang="zh-CN" altLang="en-US" sz="2400" dirty="0"/>
+              <a:t>*</a:t>
+            </a:r>
+            <a:r>
+              <a:rPr lang="en-US" altLang="zh-CN" sz="2400" dirty="0"/>
+              <a:t>5                      3</a:t>
+            </a:r>
+            <a:r>
+              <a:rPr lang="zh-CN" altLang="en-US" sz="2400" dirty="0"/>
+              <a:t>*</a:t>
+            </a:r>
+            <a:r>
+              <a:rPr lang="en-US" altLang="zh-CN" sz="2400" dirty="0"/>
+              <a:t>5                     2</a:t>
+            </a:r>
+            <a:r>
+              <a:rPr lang="zh-CN" altLang="en-US" sz="2400" dirty="0"/>
+              <a:t>*</a:t>
+            </a:r>
+            <a:r>
+              <a:rPr lang="en-US" altLang="zh-CN" sz="2400" dirty="0"/>
+              <a:t>2</a:t>
+            </a:r>
+            <a:r>
+              <a:rPr lang="zh-CN" altLang="en-US" sz="2400" dirty="0"/>
+              <a:t>*</a:t>
+            </a:r>
+            <a:r>
+              <a:rPr lang="en-US" altLang="zh-CN" sz="2400" dirty="0"/>
+              <a:t>5                    5*5</a:t>
+            </a:r>
+          </a:p>
+          <a:p>
+            <a:pPr marL="0" indent="0">
+              <a:buNone/>
+            </a:pPr>
+            <a:endParaRPr lang="en-US" altLang="zh-CN" sz="2400" dirty="0"/>
+          </a:p>
+          <a:p>
+            <a:pPr marL="0" indent="0">
+              <a:buNone/>
+            </a:pPr>
+            <a:r>
+              <a:rPr lang="en-US" altLang="zh-CN" sz="2400" dirty="0"/>
+              <a:t>Floor(25/5) equals 5, but we have 6 factors of “5”</a:t>
+            </a:r>
+          </a:p>
+          <a:p>
+            <a:pPr marL="0" indent="0">
+              <a:buNone/>
+            </a:pPr>
+            <a:endParaRPr lang="en-US" altLang="zh-CN" sz="2400" dirty="0"/>
+          </a:p>
+        </p:txBody>
+      </p:sp>
+    </p:spTree>
+    <p:extLst>
+      <p:ext uri="{BB962C8B-B14F-4D97-AF65-F5344CB8AC3E}">
+        <p14:creationId xmlns:p14="http://schemas.microsoft.com/office/powerpoint/2010/main" val="3870459286"/>
+      </p:ext>
+    </p:extLst>
+  </p:cSld>
+  <p:clrMapOvr>
+    <a:masterClrMapping/>
+  </p:clrMapOvr>
+</p:sld>
+</file>
+
+<file path=ppt/slides/slide12.xml><?xml version="1.0" encoding="utf-8"?>
+<p:sld xmlns:a="http://schemas.openxmlformats.org/drawingml/2006/main" xmlns:r="http://schemas.openxmlformats.org/officeDocument/2006/relationships" xmlns:p="http://schemas.openxmlformats.org/presentationml/2006/main">
+  <p:cSld>
+    <p:spTree>
+      <p:nvGrpSpPr>
+        <p:cNvPr id="1" name=""/>
+        <p:cNvGrpSpPr/>
+        <p:nvPr/>
+      </p:nvGrpSpPr>
+      <p:grpSpPr>
+        <a:xfrm>
+          <a:off x="0" y="0"/>
+          <a:ext cx="0" cy="0"/>
+          <a:chOff x="0" y="0"/>
+          <a:chExt cx="0" cy="0"/>
+        </a:xfrm>
+      </p:grpSpPr>
+      <p:sp>
+        <p:nvSpPr>
+          <p:cNvPr id="2" name="标题 1">
+            <a:extLst>
+              <a:ext uri="{FF2B5EF4-FFF2-40B4-BE49-F238E27FC236}">
+                <a16:creationId xmlns:a16="http://schemas.microsoft.com/office/drawing/2014/main" id="{EA7BD9A9-A5C4-48FD-8D07-BEACE0FBD8C4}"/>
+              </a:ext>
+            </a:extLst>
+          </p:cNvPr>
+          <p:cNvSpPr>
+            <a:spLocks noGrp="1"/>
+          </p:cNvSpPr>
+          <p:nvPr>
+            <p:ph type="title"/>
+          </p:nvPr>
+        </p:nvSpPr>
+        <p:spPr/>
+        <p:txBody>
+          <a:bodyPr/>
+          <a:lstStyle/>
+          <a:p>
+            <a:pPr algn="ctr"/>
+            <a:r>
+              <a:rPr lang="en-US" altLang="zh-CN" dirty="0"/>
+              <a:t>Solution 2</a:t>
+            </a:r>
+            <a:endParaRPr lang="zh-CN" altLang="en-US" dirty="0"/>
+          </a:p>
+        </p:txBody>
+      </p:sp>
+      <p:sp>
+        <p:nvSpPr>
+          <p:cNvPr id="3" name="内容占位符 2">
+            <a:extLst>
+              <a:ext uri="{FF2B5EF4-FFF2-40B4-BE49-F238E27FC236}">
+                <a16:creationId xmlns:a16="http://schemas.microsoft.com/office/drawing/2014/main" id="{1CDEF632-0B04-4724-B81B-F4B06745B97A}"/>
+              </a:ext>
+            </a:extLst>
+          </p:cNvPr>
+          <p:cNvSpPr>
+            <a:spLocks noGrp="1"/>
+          </p:cNvSpPr>
+          <p:nvPr>
+            <p:ph idx="1"/>
+          </p:nvPr>
+        </p:nvSpPr>
+        <p:spPr>
+          <a:xfrm>
+            <a:off x="1154953" y="2603500"/>
+            <a:ext cx="9890035" cy="3416300"/>
+          </a:xfrm>
+        </p:spPr>
+        <p:txBody>
+          <a:bodyPr>
+            <a:normAutofit/>
+          </a:bodyPr>
+          <a:lstStyle/>
+          <a:p>
+            <a:pPr marL="0" indent="0">
+              <a:buNone/>
+            </a:pPr>
+            <a:r>
+              <a:rPr lang="en-US" altLang="zh-CN" sz="2400" dirty="0" err="1"/>
+              <a:t>int</a:t>
+            </a:r>
+            <a:r>
+              <a:rPr lang="en-US" altLang="zh-CN" sz="2400" dirty="0"/>
+              <a:t> count = 0;</a:t>
+            </a:r>
+          </a:p>
+          <a:p>
+            <a:pPr marL="0" indent="0">
+              <a:buNone/>
+            </a:pPr>
+            <a:endParaRPr lang="en-US" altLang="zh-CN" dirty="0"/>
+          </a:p>
+          <a:p>
+            <a:pPr marL="0" indent="0">
+              <a:buNone/>
+            </a:pPr>
+            <a:r>
+              <a:rPr lang="en-US" altLang="zh-CN" sz="2400" dirty="0"/>
+              <a:t>for (</a:t>
+            </a:r>
+            <a:r>
+              <a:rPr lang="en-US" altLang="zh-CN" sz="2400" dirty="0" err="1"/>
+              <a:t>int</a:t>
+            </a:r>
+            <a:r>
+              <a:rPr lang="en-US" altLang="zh-CN" sz="2400" dirty="0"/>
+              <a:t> </a:t>
+            </a:r>
+            <a:r>
+              <a:rPr lang="en-US" altLang="zh-CN" sz="2400" dirty="0" err="1"/>
+              <a:t>i</a:t>
+            </a:r>
+            <a:r>
+              <a:rPr lang="en-US" altLang="zh-CN" sz="2400" dirty="0"/>
+              <a:t> = 5; n/</a:t>
+            </a:r>
+            <a:r>
+              <a:rPr lang="en-US" altLang="zh-CN" sz="2400" dirty="0" err="1"/>
+              <a:t>i</a:t>
+            </a:r>
+            <a:r>
+              <a:rPr lang="en-US" altLang="zh-CN" sz="2400" dirty="0"/>
+              <a:t> &gt;= 1; </a:t>
+            </a:r>
+            <a:r>
+              <a:rPr lang="en-US" altLang="zh-CN" sz="2400" dirty="0" err="1"/>
+              <a:t>i</a:t>
+            </a:r>
+            <a:r>
+              <a:rPr lang="en-US" altLang="zh-CN" sz="2400" dirty="0"/>
+              <a:t> *=5){</a:t>
+            </a:r>
+          </a:p>
+          <a:p>
+            <a:pPr marL="0" indent="0">
+              <a:buNone/>
+            </a:pPr>
+            <a:r>
+              <a:rPr lang="en-US" altLang="zh-CN" sz="2400" dirty="0"/>
+              <a:t>     count += n/</a:t>
+            </a:r>
+            <a:r>
+              <a:rPr lang="en-US" altLang="zh-CN" sz="2400" dirty="0" err="1"/>
+              <a:t>i</a:t>
+            </a:r>
+            <a:endParaRPr lang="en-US" altLang="zh-CN" sz="2400" dirty="0"/>
+          </a:p>
+          <a:p>
+            <a:pPr marL="0" indent="0">
+              <a:buNone/>
+            </a:pPr>
+            <a:r>
+              <a:rPr lang="en-US" altLang="zh-CN" sz="2400" dirty="0"/>
+              <a:t>}</a:t>
+            </a:r>
+          </a:p>
+          <a:p>
+            <a:pPr marL="0" indent="0">
+              <a:buNone/>
+            </a:pPr>
+            <a:endParaRPr lang="en-US" altLang="zh-CN" sz="2400" dirty="0"/>
+          </a:p>
+          <a:p>
+            <a:pPr marL="0" indent="0">
+              <a:buNone/>
+            </a:pPr>
+            <a:r>
+              <a:rPr lang="en-US" altLang="zh-CN" sz="2400" dirty="0"/>
+              <a:t>First divided by 5, then remove all single 5, then divided by 25…..</a:t>
+            </a:r>
+            <a:endParaRPr lang="zh-CN" altLang="en-US" sz="2400" dirty="0"/>
+          </a:p>
+        </p:txBody>
+      </p:sp>
+    </p:spTree>
+    <p:extLst>
+      <p:ext uri="{BB962C8B-B14F-4D97-AF65-F5344CB8AC3E}">
+        <p14:creationId xmlns:p14="http://schemas.microsoft.com/office/powerpoint/2010/main" val="238392153"/>
+      </p:ext>
+    </p:extLst>
+  </p:cSld>
+  <p:clrMapOvr>
+    <a:masterClrMapping/>
+  </p:clrMapOvr>
+</p:sld>
+</file>
+
 <file path=ppt/slides/slide2.xml><?xml version="1.0" encoding="utf-8"?>
+<p:sld xmlns:a="http://schemas.openxmlformats.org/drawingml/2006/main" xmlns:r="http://schemas.openxmlformats.org/officeDocument/2006/relationships" xmlns:p="http://schemas.openxmlformats.org/presentationml/2006/main">
+  <p:cSld>
+    <p:spTree>
+      <p:nvGrpSpPr>
+        <p:cNvPr id="1" name=""/>
+        <p:cNvGrpSpPr/>
+        <p:nvPr/>
+      </p:nvGrpSpPr>
+      <p:grpSpPr>
+        <a:xfrm>
+          <a:off x="0" y="0"/>
+          <a:ext cx="0" cy="0"/>
+          <a:chOff x="0" y="0"/>
+          <a:chExt cx="0" cy="0"/>
+        </a:xfrm>
+      </p:grpSpPr>
+      <p:sp>
+        <p:nvSpPr>
+          <p:cNvPr id="2" name="Title 1">
+            <a:extLst>
+              <a:ext uri="{FF2B5EF4-FFF2-40B4-BE49-F238E27FC236}">
+                <a16:creationId xmlns:a16="http://schemas.microsoft.com/office/drawing/2014/main" id="{9F42E0D7-5F7E-4E22-84A0-D3100C38B4F4}"/>
+              </a:ext>
+            </a:extLst>
+          </p:cNvPr>
+          <p:cNvSpPr>
+            <a:spLocks noGrp="1"/>
+          </p:cNvSpPr>
+          <p:nvPr>
+            <p:ph type="title"/>
+          </p:nvPr>
+        </p:nvSpPr>
+        <p:spPr/>
+        <p:txBody>
+          <a:bodyPr/>
+          <a:lstStyle/>
+          <a:p>
+            <a:r>
+              <a:rPr lang="en-CA" dirty="0"/>
+              <a:t>Method 1</a:t>
+            </a:r>
+          </a:p>
+        </p:txBody>
+      </p:sp>
+      <p:sp>
+        <p:nvSpPr>
+          <p:cNvPr id="3" name="Content Placeholder 2">
+            <a:extLst>
+              <a:ext uri="{FF2B5EF4-FFF2-40B4-BE49-F238E27FC236}">
+                <a16:creationId xmlns:a16="http://schemas.microsoft.com/office/drawing/2014/main" id="{E0D34C59-B38A-4B03-81A0-1ADAED643950}"/>
+              </a:ext>
+            </a:extLst>
+          </p:cNvPr>
+          <p:cNvSpPr>
+            <a:spLocks noGrp="1"/>
+          </p:cNvSpPr>
+          <p:nvPr>
+            <p:ph idx="1"/>
+          </p:nvPr>
+        </p:nvSpPr>
+        <p:spPr/>
+        <p:txBody>
+          <a:bodyPr/>
+          <a:lstStyle/>
+          <a:p>
+            <a:r>
+              <a:rPr lang="en-CA" dirty="0"/>
+              <a:t>Step 1: Calculate </a:t>
+            </a:r>
+            <a:r>
+              <a:rPr lang="en-CA" i="1" dirty="0"/>
+              <a:t>n</a:t>
+            </a:r>
+            <a:r>
+              <a:rPr lang="en-CA" dirty="0"/>
+              <a:t>!</a:t>
+            </a:r>
+          </a:p>
+          <a:p>
+            <a:pPr marL="0" indent="0">
+              <a:buNone/>
+            </a:pPr>
+            <a:r>
+              <a:rPr lang="en-CA" dirty="0"/>
+              <a:t>	(1) What is</a:t>
+            </a:r>
+            <a:r>
+              <a:rPr lang="en-CA" i="1" dirty="0"/>
+              <a:t> n</a:t>
+            </a:r>
+            <a:r>
+              <a:rPr lang="en-CA" dirty="0"/>
+              <a:t>!(n factorial)?</a:t>
+            </a:r>
+          </a:p>
+          <a:p>
+            <a:pPr marL="0" indent="0">
+              <a:buNone/>
+            </a:pPr>
+            <a:r>
+              <a:rPr lang="en-CA" dirty="0"/>
+              <a:t>	     is the product of all positive integer less than or equal to </a:t>
+            </a:r>
+            <a:r>
+              <a:rPr lang="en-CA" i="1" dirty="0"/>
+              <a:t>n.</a:t>
+            </a:r>
+          </a:p>
+          <a:p>
+            <a:pPr marL="0" indent="0">
+              <a:buNone/>
+            </a:pPr>
+            <a:endParaRPr lang="en-CA" i="1" dirty="0"/>
+          </a:p>
+          <a:p>
+            <a:pPr marL="0" indent="0">
+              <a:buNone/>
+            </a:pPr>
+            <a:r>
+              <a:rPr lang="en-CA" i="1" dirty="0"/>
+              <a:t>	</a:t>
+            </a:r>
+            <a:r>
+              <a:rPr lang="en-CA" dirty="0"/>
+              <a:t>     For example: </a:t>
+            </a:r>
+          </a:p>
+          <a:p>
+            <a:pPr marL="0" indent="0">
+              <a:buNone/>
+            </a:pPr>
+            <a:r>
+              <a:rPr lang="en-CA" dirty="0"/>
+              <a:t>	      5! = 5 * 4 * 3 * 2 * 1.</a:t>
+            </a:r>
+          </a:p>
+          <a:p>
+            <a:pPr marL="0" indent="0">
+              <a:buNone/>
+            </a:pPr>
+            <a:r>
+              <a:rPr lang="en-CA" dirty="0"/>
+              <a:t>	      2000! = 2000 * 1999 * 1998 *……4 * 3 * 2 * 1.</a:t>
+            </a:r>
+          </a:p>
+          <a:p>
+            <a:pPr marL="0" indent="0">
+              <a:buNone/>
+            </a:pPr>
+            <a:endParaRPr lang="en-CA" dirty="0"/>
+          </a:p>
+        </p:txBody>
+      </p:sp>
+    </p:spTree>
+    <p:extLst>
+      <p:ext uri="{BB962C8B-B14F-4D97-AF65-F5344CB8AC3E}">
+        <p14:creationId xmlns:p14="http://schemas.microsoft.com/office/powerpoint/2010/main" val="2794886225"/>
+      </p:ext>
+    </p:extLst>
+  </p:cSld>
+  <p:clrMapOvr>
+    <a:masterClrMapping/>
+  </p:clrMapOvr>
+</p:sld>
+</file>
+
+<file path=ppt/slides/slide3.xml><?xml version="1.0" encoding="utf-8"?>
+<p:sld xmlns:a="http://schemas.openxmlformats.org/drawingml/2006/main" xmlns:r="http://schemas.openxmlformats.org/officeDocument/2006/relationships" xmlns:p="http://schemas.openxmlformats.org/presentationml/2006/main">
+  <p:cSld>
+    <p:spTree>
+      <p:nvGrpSpPr>
+        <p:cNvPr id="1" name=""/>
+        <p:cNvGrpSpPr/>
+        <p:nvPr/>
+      </p:nvGrpSpPr>
+      <p:grpSpPr>
+        <a:xfrm>
+          <a:off x="0" y="0"/>
+          <a:ext cx="0" cy="0"/>
+          <a:chOff x="0" y="0"/>
+          <a:chExt cx="0" cy="0"/>
+        </a:xfrm>
+      </p:grpSpPr>
+      <p:sp>
+        <p:nvSpPr>
+          <p:cNvPr id="3" name="Content Placeholder 2">
+            <a:extLst>
+              <a:ext uri="{FF2B5EF4-FFF2-40B4-BE49-F238E27FC236}">
+                <a16:creationId xmlns:a16="http://schemas.microsoft.com/office/drawing/2014/main" id="{D9F7C964-8D31-478F-8828-640828708F82}"/>
+              </a:ext>
+            </a:extLst>
+          </p:cNvPr>
+          <p:cNvSpPr>
+            <a:spLocks noGrp="1"/>
+          </p:cNvSpPr>
+          <p:nvPr>
+            <p:ph idx="1"/>
+          </p:nvPr>
+        </p:nvSpPr>
+        <p:spPr>
+          <a:xfrm>
+            <a:off x="838200" y="484909"/>
+            <a:ext cx="10515600" cy="5692054"/>
+          </a:xfrm>
+        </p:spPr>
+        <p:txBody>
+          <a:bodyPr>
+            <a:normAutofit fontScale="85000" lnSpcReduction="20000"/>
+          </a:bodyPr>
+          <a:lstStyle/>
+          <a:p>
+            <a:pPr marL="0" indent="0">
+              <a:buNone/>
+            </a:pPr>
+            <a:r>
+              <a:rPr lang="en-CA" dirty="0">
+                <a:solidFill>
+                  <a:schemeClr val="tx1">
+                    <a:lumMod val="95000"/>
+                    <a:lumOff val="5000"/>
+                  </a:schemeClr>
+                </a:solidFill>
+              </a:rPr>
+              <a:t>          </a:t>
+            </a:r>
+          </a:p>
+          <a:p>
+            <a:pPr marL="0" indent="0">
+              <a:buNone/>
+            </a:pPr>
+            <a:endParaRPr lang="en-CA" dirty="0">
+              <a:solidFill>
+                <a:schemeClr val="tx1">
+                  <a:lumMod val="95000"/>
+                  <a:lumOff val="5000"/>
+                </a:schemeClr>
+              </a:solidFill>
+            </a:endParaRPr>
+          </a:p>
+          <a:p>
+            <a:pPr marL="0" indent="0">
+              <a:buNone/>
+            </a:pPr>
+            <a:endParaRPr lang="en-CA" dirty="0">
+              <a:solidFill>
+                <a:schemeClr val="tx1">
+                  <a:lumMod val="95000"/>
+                  <a:lumOff val="5000"/>
+                </a:schemeClr>
+              </a:solidFill>
+            </a:endParaRPr>
+          </a:p>
+          <a:p>
+            <a:pPr marL="0" indent="0">
+              <a:buNone/>
+            </a:pPr>
+            <a:endParaRPr lang="en-CA" dirty="0">
+              <a:solidFill>
+                <a:schemeClr val="tx1">
+                  <a:lumMod val="95000"/>
+                  <a:lumOff val="5000"/>
+                </a:schemeClr>
+              </a:solidFill>
+            </a:endParaRPr>
+          </a:p>
+          <a:p>
+            <a:pPr marL="0" indent="0">
+              <a:buNone/>
+            </a:pPr>
+            <a:endParaRPr lang="en-CA" dirty="0">
+              <a:solidFill>
+                <a:schemeClr val="tx1">
+                  <a:lumMod val="95000"/>
+                  <a:lumOff val="5000"/>
+                </a:schemeClr>
+              </a:solidFill>
+            </a:endParaRPr>
+          </a:p>
+          <a:p>
+            <a:pPr marL="0" indent="0">
+              <a:buNone/>
+            </a:pPr>
+            <a:endParaRPr lang="en-CA" dirty="0">
+              <a:solidFill>
+                <a:schemeClr val="tx1">
+                  <a:lumMod val="95000"/>
+                  <a:lumOff val="5000"/>
+                </a:schemeClr>
+              </a:solidFill>
+            </a:endParaRPr>
+          </a:p>
+          <a:p>
+            <a:pPr marL="0" indent="0">
+              <a:buNone/>
+            </a:pPr>
+            <a:r>
+              <a:rPr lang="en-CA" dirty="0">
+                <a:solidFill>
+                  <a:schemeClr val="tx1">
+                    <a:lumMod val="95000"/>
+                    <a:lumOff val="5000"/>
+                  </a:schemeClr>
+                </a:solidFill>
+              </a:rPr>
+              <a:t>         (2) How to calculate </a:t>
+            </a:r>
+            <a:r>
+              <a:rPr lang="en-CA" i="1" dirty="0">
+                <a:solidFill>
+                  <a:schemeClr val="tx1">
+                    <a:lumMod val="95000"/>
+                    <a:lumOff val="5000"/>
+                  </a:schemeClr>
+                </a:solidFill>
+              </a:rPr>
+              <a:t>n</a:t>
+            </a:r>
+            <a:r>
+              <a:rPr lang="en-CA" dirty="0">
+                <a:solidFill>
+                  <a:schemeClr val="tx1">
+                    <a:lumMod val="95000"/>
+                    <a:lumOff val="5000"/>
+                  </a:schemeClr>
+                </a:solidFill>
+              </a:rPr>
+              <a:t>! in code?</a:t>
+            </a:r>
+          </a:p>
+          <a:p>
+            <a:pPr marL="0" indent="0">
+              <a:buNone/>
+            </a:pPr>
+            <a:r>
+              <a:rPr lang="en-CA" dirty="0">
+                <a:solidFill>
+                  <a:schemeClr val="tx1">
+                    <a:lumMod val="95000"/>
+                    <a:lumOff val="5000"/>
+                  </a:schemeClr>
+                </a:solidFill>
+              </a:rPr>
+              <a:t>                </a:t>
+            </a:r>
+          </a:p>
+          <a:p>
+            <a:pPr marL="0" indent="0">
+              <a:buNone/>
+            </a:pPr>
+            <a:r>
+              <a:rPr lang="en-CA" dirty="0">
+                <a:solidFill>
+                  <a:schemeClr val="tx1">
+                    <a:lumMod val="95000"/>
+                    <a:lumOff val="5000"/>
+                  </a:schemeClr>
+                </a:solidFill>
+              </a:rPr>
+              <a:t>   	     Simple and Fast way is using recursion.</a:t>
+            </a:r>
+          </a:p>
+          <a:p>
+            <a:pPr marL="0" indent="0">
+              <a:buNone/>
+            </a:pPr>
+            <a:r>
+              <a:rPr lang="en-CA" dirty="0">
+                <a:solidFill>
+                  <a:schemeClr val="tx1">
+                    <a:lumMod val="95000"/>
+                    <a:lumOff val="5000"/>
+                  </a:schemeClr>
+                </a:solidFill>
+              </a:rPr>
+              <a:t>	 </a:t>
+            </a:r>
+            <a:r>
+              <a:rPr lang="en-CA" dirty="0" err="1">
+                <a:solidFill>
+                  <a:schemeClr val="tx1">
+                    <a:lumMod val="95000"/>
+                    <a:lumOff val="5000"/>
+                  </a:schemeClr>
+                </a:solidFill>
+              </a:rPr>
+              <a:t>int</a:t>
+            </a:r>
+            <a:r>
+              <a:rPr lang="en-CA" dirty="0">
+                <a:solidFill>
+                  <a:schemeClr val="tx1">
+                    <a:lumMod val="95000"/>
+                    <a:lumOff val="5000"/>
+                  </a:schemeClr>
+                </a:solidFill>
+              </a:rPr>
+              <a:t> factorial(</a:t>
+            </a:r>
+            <a:r>
+              <a:rPr lang="en-CA" dirty="0" err="1">
+                <a:solidFill>
+                  <a:schemeClr val="tx1">
+                    <a:lumMod val="95000"/>
+                    <a:lumOff val="5000"/>
+                  </a:schemeClr>
+                </a:solidFill>
+              </a:rPr>
+              <a:t>int</a:t>
+            </a:r>
+            <a:r>
+              <a:rPr lang="en-CA" dirty="0">
+                <a:solidFill>
+                  <a:schemeClr val="tx1">
+                    <a:lumMod val="95000"/>
+                    <a:lumOff val="5000"/>
+                  </a:schemeClr>
+                </a:solidFill>
+              </a:rPr>
+              <a:t> </a:t>
+            </a:r>
+            <a:r>
+              <a:rPr lang="en-CA" dirty="0" err="1">
+                <a:solidFill>
+                  <a:schemeClr val="tx1">
+                    <a:lumMod val="95000"/>
+                    <a:lumOff val="5000"/>
+                  </a:schemeClr>
+                </a:solidFill>
+              </a:rPr>
+              <a:t>num</a:t>
+            </a:r>
+            <a:r>
+              <a:rPr lang="en-CA" dirty="0">
+                <a:solidFill>
+                  <a:schemeClr val="tx1">
+                    <a:lumMod val="95000"/>
+                    <a:lumOff val="5000"/>
+                  </a:schemeClr>
+                </a:solidFill>
+              </a:rPr>
+              <a:t>) {</a:t>
+            </a:r>
+          </a:p>
+          <a:p>
+            <a:endParaRPr lang="en-CA" dirty="0">
+              <a:solidFill>
+                <a:schemeClr val="tx1">
+                  <a:lumMod val="95000"/>
+                  <a:lumOff val="5000"/>
+                </a:schemeClr>
+              </a:solidFill>
+            </a:endParaRPr>
+          </a:p>
+          <a:p>
+            <a:pPr marL="0" indent="0">
+              <a:buNone/>
+            </a:pPr>
+            <a:r>
+              <a:rPr lang="en-CA" dirty="0">
+                <a:solidFill>
+                  <a:schemeClr val="tx1">
+                    <a:lumMod val="95000"/>
+                    <a:lumOff val="5000"/>
+                  </a:schemeClr>
+                </a:solidFill>
+              </a:rPr>
+              <a:t>              if (</a:t>
+            </a:r>
+            <a:r>
+              <a:rPr lang="en-CA" dirty="0" err="1">
+                <a:solidFill>
+                  <a:schemeClr val="tx1">
+                    <a:lumMod val="95000"/>
+                    <a:lumOff val="5000"/>
+                  </a:schemeClr>
+                </a:solidFill>
+              </a:rPr>
+              <a:t>num</a:t>
+            </a:r>
+            <a:r>
+              <a:rPr lang="en-CA" dirty="0">
+                <a:solidFill>
+                  <a:schemeClr val="tx1">
+                    <a:lumMod val="95000"/>
+                    <a:lumOff val="5000"/>
+                  </a:schemeClr>
+                </a:solidFill>
+              </a:rPr>
+              <a:t> == 1)</a:t>
+            </a:r>
+          </a:p>
+          <a:p>
+            <a:pPr marL="0" indent="0">
+              <a:buNone/>
+            </a:pPr>
+            <a:r>
+              <a:rPr lang="en-CA" dirty="0">
+                <a:solidFill>
+                  <a:schemeClr val="tx1">
+                    <a:lumMod val="95000"/>
+                    <a:lumOff val="5000"/>
+                  </a:schemeClr>
+                </a:solidFill>
+              </a:rPr>
+              <a:t>             {</a:t>
+            </a:r>
+          </a:p>
+          <a:p>
+            <a:pPr marL="0" indent="0">
+              <a:buNone/>
+            </a:pPr>
+            <a:r>
+              <a:rPr lang="en-CA" dirty="0">
+                <a:solidFill>
+                  <a:schemeClr val="tx1">
+                    <a:lumMod val="95000"/>
+                    <a:lumOff val="5000"/>
+                  </a:schemeClr>
+                </a:solidFill>
+              </a:rPr>
+              <a:t>                     return 1;</a:t>
+            </a:r>
+          </a:p>
+          <a:p>
+            <a:pPr marL="0" indent="0">
+              <a:buNone/>
+            </a:pPr>
+            <a:r>
+              <a:rPr lang="en-CA" dirty="0">
+                <a:solidFill>
+                  <a:schemeClr val="tx1">
+                    <a:lumMod val="95000"/>
+                    <a:lumOff val="5000"/>
+                  </a:schemeClr>
+                </a:solidFill>
+              </a:rPr>
+              <a:t>              }</a:t>
+            </a:r>
+          </a:p>
+          <a:p>
+            <a:endParaRPr lang="en-CA" dirty="0">
+              <a:solidFill>
+                <a:schemeClr val="tx1">
+                  <a:lumMod val="95000"/>
+                  <a:lumOff val="5000"/>
+                </a:schemeClr>
+              </a:solidFill>
+            </a:endParaRPr>
+          </a:p>
+          <a:p>
+            <a:pPr marL="0" indent="0">
+              <a:buNone/>
+            </a:pPr>
+            <a:r>
+              <a:rPr lang="en-CA" dirty="0">
+                <a:solidFill>
+                  <a:schemeClr val="tx1">
+                    <a:lumMod val="95000"/>
+                    <a:lumOff val="5000"/>
+                  </a:schemeClr>
+                </a:solidFill>
+              </a:rPr>
+              <a:t>               return </a:t>
+            </a:r>
+            <a:r>
+              <a:rPr lang="en-CA" dirty="0" err="1">
+                <a:solidFill>
+                  <a:schemeClr val="tx1">
+                    <a:lumMod val="95000"/>
+                    <a:lumOff val="5000"/>
+                  </a:schemeClr>
+                </a:solidFill>
+              </a:rPr>
+              <a:t>num</a:t>
+            </a:r>
+            <a:r>
+              <a:rPr lang="en-CA" dirty="0">
+                <a:solidFill>
+                  <a:schemeClr val="tx1">
+                    <a:lumMod val="95000"/>
+                    <a:lumOff val="5000"/>
+                  </a:schemeClr>
+                </a:solidFill>
+              </a:rPr>
+              <a:t> * factorial(num-1);</a:t>
+            </a:r>
+          </a:p>
+          <a:p>
+            <a:pPr marL="0" indent="0">
+              <a:buNone/>
+            </a:pPr>
+            <a:r>
+              <a:rPr lang="en-CA" dirty="0">
+                <a:solidFill>
+                  <a:schemeClr val="tx1">
+                    <a:lumMod val="95000"/>
+                    <a:lumOff val="5000"/>
+                  </a:schemeClr>
+                </a:solidFill>
+              </a:rPr>
+              <a:t>             } </a:t>
+            </a:r>
+          </a:p>
+        </p:txBody>
+      </p:sp>
+    </p:spTree>
+    <p:extLst>
+      <p:ext uri="{BB962C8B-B14F-4D97-AF65-F5344CB8AC3E}">
+        <p14:creationId xmlns:p14="http://schemas.microsoft.com/office/powerpoint/2010/main" val="3645393098"/>
+      </p:ext>
+    </p:extLst>
+  </p:cSld>
+  <p:clrMapOvr>
+    <a:masterClrMapping/>
+  </p:clrMapOvr>
+</p:sld>
+</file>
+
+<file path=ppt/slides/slide4.xml><?xml version="1.0" encoding="utf-8"?>
+<p:sld xmlns:a="http://schemas.openxmlformats.org/drawingml/2006/main" xmlns:r="http://schemas.openxmlformats.org/officeDocument/2006/relationships" xmlns:p="http://schemas.openxmlformats.org/presentationml/2006/main">
+  <p:cSld>
+    <p:spTree>
+      <p:nvGrpSpPr>
+        <p:cNvPr id="1" name=""/>
+        <p:cNvGrpSpPr/>
+        <p:nvPr/>
+      </p:nvGrpSpPr>
+      <p:grpSpPr>
+        <a:xfrm>
+          <a:off x="0" y="0"/>
+          <a:ext cx="0" cy="0"/>
+          <a:chOff x="0" y="0"/>
+          <a:chExt cx="0" cy="0"/>
+        </a:xfrm>
+      </p:grpSpPr>
+      <p:sp>
+        <p:nvSpPr>
+          <p:cNvPr id="3" name="Content Placeholder 2">
+            <a:extLst>
+              <a:ext uri="{FF2B5EF4-FFF2-40B4-BE49-F238E27FC236}">
+                <a16:creationId xmlns:a16="http://schemas.microsoft.com/office/drawing/2014/main" id="{3F8C49DC-890F-4236-AF4B-5FAB365C4024}"/>
+              </a:ext>
+            </a:extLst>
+          </p:cNvPr>
+          <p:cNvSpPr>
+            <a:spLocks noGrp="1"/>
+          </p:cNvSpPr>
+          <p:nvPr>
+            <p:ph idx="1"/>
+          </p:nvPr>
+        </p:nvSpPr>
+        <p:spPr>
+          <a:xfrm>
+            <a:off x="838200" y="719091"/>
+            <a:ext cx="10515600" cy="5457872"/>
+          </a:xfrm>
+        </p:spPr>
+        <p:txBody>
+          <a:bodyPr>
+            <a:normAutofit fontScale="92500" lnSpcReduction="10000"/>
+          </a:bodyPr>
+          <a:lstStyle/>
+          <a:p>
+            <a:r>
+              <a:rPr lang="en-CA" dirty="0">
+                <a:solidFill>
+                  <a:schemeClr val="tx1">
+                    <a:lumMod val="95000"/>
+                    <a:lumOff val="5000"/>
+                  </a:schemeClr>
+                </a:solidFill>
+              </a:rPr>
+              <a:t>Step 2: </a:t>
+            </a:r>
+            <a:r>
+              <a:rPr lang="en-US" dirty="0">
+                <a:solidFill>
+                  <a:schemeClr val="tx1">
+                    <a:lumMod val="95000"/>
+                    <a:lumOff val="5000"/>
+                  </a:schemeClr>
+                </a:solidFill>
+              </a:rPr>
+              <a:t>Calculate the number of trailing zeros in </a:t>
+            </a:r>
+            <a:r>
+              <a:rPr lang="en-US" i="1" dirty="0">
+                <a:solidFill>
+                  <a:schemeClr val="tx1">
+                    <a:lumMod val="95000"/>
+                    <a:lumOff val="5000"/>
+                  </a:schemeClr>
+                </a:solidFill>
+              </a:rPr>
+              <a:t>n!</a:t>
+            </a:r>
+            <a:r>
+              <a:rPr lang="en-US" dirty="0">
+                <a:solidFill>
+                  <a:schemeClr val="tx1">
+                    <a:lumMod val="95000"/>
+                    <a:lumOff val="5000"/>
+                  </a:schemeClr>
+                </a:solidFill>
+              </a:rPr>
+              <a:t> </a:t>
+            </a:r>
+            <a:r>
+              <a:rPr lang="en-CA" dirty="0">
+                <a:solidFill>
+                  <a:schemeClr val="tx1">
+                    <a:lumMod val="95000"/>
+                    <a:lumOff val="5000"/>
+                  </a:schemeClr>
+                </a:solidFill>
+              </a:rPr>
+              <a:t> </a:t>
+            </a:r>
+          </a:p>
+          <a:p>
+            <a:pPr marL="0" indent="0">
+              <a:buNone/>
+            </a:pPr>
+            <a:r>
+              <a:rPr lang="en-CA" dirty="0">
+                <a:solidFill>
+                  <a:schemeClr val="tx1">
+                    <a:lumMod val="95000"/>
+                    <a:lumOff val="5000"/>
+                  </a:schemeClr>
+                </a:solidFill>
+              </a:rPr>
+              <a:t>    	(1)We need to find the rule</a:t>
+            </a:r>
+          </a:p>
+          <a:p>
+            <a:pPr marL="0" indent="0">
+              <a:buNone/>
+            </a:pPr>
+            <a:r>
+              <a:rPr lang="en-CA" dirty="0">
+                <a:solidFill>
+                  <a:schemeClr val="tx1">
+                    <a:lumMod val="95000"/>
+                    <a:lumOff val="5000"/>
+                  </a:schemeClr>
+                </a:solidFill>
+              </a:rPr>
+              <a:t>		For example:</a:t>
+            </a:r>
+          </a:p>
+          <a:p>
+            <a:pPr marL="0" indent="0">
+              <a:buNone/>
+            </a:pPr>
+            <a:r>
+              <a:rPr lang="en-CA" dirty="0">
+                <a:solidFill>
+                  <a:schemeClr val="tx1">
+                    <a:lumMod val="95000"/>
+                    <a:lumOff val="5000"/>
+                  </a:schemeClr>
+                </a:solidFill>
+              </a:rPr>
+              <a:t>		        1 / 10 = 0……1</a:t>
+            </a:r>
+          </a:p>
+          <a:p>
+            <a:pPr marL="0" indent="0">
+              <a:buNone/>
+            </a:pPr>
+            <a:r>
+              <a:rPr lang="en-CA" dirty="0">
+                <a:solidFill>
+                  <a:schemeClr val="tx1">
+                    <a:lumMod val="95000"/>
+                    <a:lumOff val="5000"/>
+                  </a:schemeClr>
+                </a:solidFill>
+              </a:rPr>
+              <a:t>		        10 / 10 = 1……0</a:t>
+            </a:r>
+          </a:p>
+          <a:p>
+            <a:pPr marL="0" indent="0">
+              <a:buNone/>
+            </a:pPr>
+            <a:r>
+              <a:rPr lang="en-CA" dirty="0">
+                <a:solidFill>
+                  <a:schemeClr val="tx1">
+                    <a:lumMod val="95000"/>
+                    <a:lumOff val="5000"/>
+                  </a:schemeClr>
+                </a:solidFill>
+              </a:rPr>
+              <a:t>		        12 / 10 = 1……2</a:t>
+            </a:r>
+          </a:p>
+          <a:p>
+            <a:pPr marL="0" indent="0">
+              <a:buNone/>
+            </a:pPr>
+            <a:r>
+              <a:rPr lang="en-CA" dirty="0">
+                <a:solidFill>
+                  <a:schemeClr val="tx1">
+                    <a:lumMod val="95000"/>
+                    <a:lumOff val="5000"/>
+                  </a:schemeClr>
+                </a:solidFill>
+              </a:rPr>
+              <a:t>		        20 / 10 = 2……0</a:t>
+            </a:r>
+          </a:p>
+          <a:p>
+            <a:pPr marL="0" indent="0">
+              <a:buNone/>
+            </a:pPr>
+            <a:r>
+              <a:rPr lang="en-CA" dirty="0">
+                <a:solidFill>
+                  <a:schemeClr val="tx1">
+                    <a:lumMod val="95000"/>
+                    <a:lumOff val="5000"/>
+                  </a:schemeClr>
+                </a:solidFill>
+              </a:rPr>
+              <a:t>		        50 / 10 = 5……0</a:t>
+            </a:r>
+          </a:p>
+          <a:p>
+            <a:pPr marL="0" indent="0">
+              <a:buNone/>
+            </a:pPr>
+            <a:r>
+              <a:rPr lang="en-CA" dirty="0">
+                <a:solidFill>
+                  <a:schemeClr val="tx1">
+                    <a:lumMod val="95000"/>
+                    <a:lumOff val="5000"/>
+                  </a:schemeClr>
+                </a:solidFill>
+              </a:rPr>
+              <a:t>		        35 / 10 = 3……5</a:t>
+            </a:r>
+          </a:p>
+          <a:p>
+            <a:pPr marL="0" indent="0">
+              <a:buNone/>
+            </a:pPr>
+            <a:r>
+              <a:rPr lang="en-CA" dirty="0">
+                <a:solidFill>
+                  <a:schemeClr val="tx1">
+                    <a:lumMod val="95000"/>
+                    <a:lumOff val="5000"/>
+                  </a:schemeClr>
+                </a:solidFill>
+              </a:rPr>
+              <a:t>		        99 / 10 = 9……9</a:t>
+            </a:r>
+          </a:p>
+          <a:p>
+            <a:pPr marL="0" indent="0">
+              <a:buNone/>
+            </a:pPr>
+            <a:r>
+              <a:rPr lang="en-CA" dirty="0">
+                <a:solidFill>
+                  <a:schemeClr val="tx1">
+                    <a:lumMod val="95000"/>
+                    <a:lumOff val="5000"/>
+                  </a:schemeClr>
+                </a:solidFill>
+              </a:rPr>
+              <a:t>			….</a:t>
+            </a:r>
+          </a:p>
+          <a:p>
+            <a:pPr marL="0" indent="0">
+              <a:buNone/>
+            </a:pPr>
+            <a:r>
+              <a:rPr lang="en-CA" dirty="0">
+                <a:solidFill>
+                  <a:schemeClr val="tx1">
+                    <a:lumMod val="95000"/>
+                    <a:lumOff val="5000"/>
+                  </a:schemeClr>
+                </a:solidFill>
+              </a:rPr>
+              <a:t>		How about 100?</a:t>
+            </a:r>
+          </a:p>
+          <a:p>
+            <a:pPr marL="0" indent="0">
+              <a:buNone/>
+            </a:pPr>
+            <a:r>
+              <a:rPr lang="en-CA" dirty="0">
+                <a:solidFill>
+                  <a:schemeClr val="tx1">
+                    <a:lumMod val="95000"/>
+                    <a:lumOff val="5000"/>
+                  </a:schemeClr>
+                </a:solidFill>
+              </a:rPr>
+              <a:t>		        100 / 10 = 10……0,    10 / 10 = 1……0, </a:t>
+            </a:r>
+          </a:p>
+          <a:p>
+            <a:pPr marL="0" indent="0">
+              <a:buNone/>
+            </a:pPr>
+            <a:r>
+              <a:rPr lang="en-CA" dirty="0">
+                <a:solidFill>
+                  <a:schemeClr val="tx1">
+                    <a:lumMod val="95000"/>
+                    <a:lumOff val="5000"/>
+                  </a:schemeClr>
+                </a:solidFill>
+              </a:rPr>
+              <a:t>		        1 /  10 = 0……1</a:t>
+            </a:r>
+          </a:p>
+          <a:p>
+            <a:pPr marL="0" indent="0">
+              <a:buNone/>
+            </a:pPr>
+            <a:r>
+              <a:rPr lang="en-CA" dirty="0">
+                <a:solidFill>
+                  <a:schemeClr val="tx1">
+                    <a:lumMod val="95000"/>
+                    <a:lumOff val="5000"/>
+                  </a:schemeClr>
+                </a:solidFill>
+              </a:rPr>
+              <a:t>		        so the number of trailing zeros in 100 is 2.</a:t>
+            </a:r>
+          </a:p>
+        </p:txBody>
+      </p:sp>
+    </p:spTree>
+    <p:extLst>
+      <p:ext uri="{BB962C8B-B14F-4D97-AF65-F5344CB8AC3E}">
+        <p14:creationId xmlns:p14="http://schemas.microsoft.com/office/powerpoint/2010/main" val="2622273926"/>
+      </p:ext>
+    </p:extLst>
+  </p:cSld>
+  <p:clrMapOvr>
+    <a:masterClrMapping/>
+  </p:clrMapOvr>
+</p:sld>
+</file>
+
+<file path=ppt/slides/slide5.xml><?xml version="1.0" encoding="utf-8"?>
+<p:sld xmlns:a="http://schemas.openxmlformats.org/drawingml/2006/main" xmlns:r="http://schemas.openxmlformats.org/officeDocument/2006/relationships" xmlns:p="http://schemas.openxmlformats.org/presentationml/2006/main">
+  <p:cSld>
+    <p:spTree>
+      <p:nvGrpSpPr>
+        <p:cNvPr id="1" name=""/>
+        <p:cNvGrpSpPr/>
+        <p:nvPr/>
+      </p:nvGrpSpPr>
+      <p:grpSpPr>
+        <a:xfrm>
+          <a:off x="0" y="0"/>
+          <a:ext cx="0" cy="0"/>
+          <a:chOff x="0" y="0"/>
+          <a:chExt cx="0" cy="0"/>
+        </a:xfrm>
+      </p:grpSpPr>
+      <p:sp>
+        <p:nvSpPr>
+          <p:cNvPr id="3" name="Content Placeholder 2">
+            <a:extLst>
+              <a:ext uri="{FF2B5EF4-FFF2-40B4-BE49-F238E27FC236}">
+                <a16:creationId xmlns:a16="http://schemas.microsoft.com/office/drawing/2014/main" id="{6366FC69-B94D-4857-992F-D356E0A1196E}"/>
+              </a:ext>
+            </a:extLst>
+          </p:cNvPr>
+          <p:cNvSpPr>
+            <a:spLocks noGrp="1"/>
+          </p:cNvSpPr>
+          <p:nvPr>
+            <p:ph idx="1"/>
+          </p:nvPr>
+        </p:nvSpPr>
+        <p:spPr>
+          <a:xfrm>
+            <a:off x="838200" y="429491"/>
+            <a:ext cx="10515600" cy="5747472"/>
+          </a:xfrm>
+        </p:spPr>
+        <p:txBody>
+          <a:bodyPr>
+            <a:normAutofit/>
+          </a:bodyPr>
+          <a:lstStyle/>
+          <a:p>
+            <a:pPr marL="0" indent="0">
+              <a:buNone/>
+            </a:pPr>
+            <a:r>
+              <a:rPr lang="en-CA" dirty="0"/>
+              <a:t>	</a:t>
+            </a:r>
+            <a:r>
+              <a:rPr lang="en-CA" dirty="0">
+                <a:solidFill>
+                  <a:schemeClr val="tx1">
+                    <a:lumMod val="95000"/>
+                    <a:lumOff val="5000"/>
+                  </a:schemeClr>
+                </a:solidFill>
+              </a:rPr>
+              <a:t>      (2)Now lets go to </a:t>
+            </a:r>
+            <a:r>
+              <a:rPr lang="en-CA" i="1" dirty="0">
+                <a:solidFill>
+                  <a:schemeClr val="tx1">
+                    <a:lumMod val="95000"/>
+                    <a:lumOff val="5000"/>
+                  </a:schemeClr>
+                </a:solidFill>
+              </a:rPr>
+              <a:t>n</a:t>
+            </a:r>
+            <a:r>
+              <a:rPr lang="en-CA" dirty="0">
+                <a:solidFill>
+                  <a:schemeClr val="tx1">
+                    <a:lumMod val="95000"/>
+                    <a:lumOff val="5000"/>
+                  </a:schemeClr>
+                </a:solidFill>
+              </a:rPr>
+              <a:t>!</a:t>
+            </a:r>
+          </a:p>
+          <a:p>
+            <a:pPr marL="0" indent="0">
+              <a:buNone/>
+            </a:pPr>
+            <a:r>
+              <a:rPr lang="en-CA" dirty="0">
+                <a:solidFill>
+                  <a:schemeClr val="tx1">
+                    <a:lumMod val="95000"/>
+                    <a:lumOff val="5000"/>
+                  </a:schemeClr>
+                </a:solidFill>
+              </a:rPr>
+              <a:t>		For Example: </a:t>
+            </a:r>
+          </a:p>
+          <a:p>
+            <a:pPr marL="0" indent="0">
+              <a:buNone/>
+            </a:pPr>
+            <a:r>
+              <a:rPr lang="en-CA" dirty="0">
+                <a:solidFill>
+                  <a:schemeClr val="tx1">
+                    <a:lumMod val="95000"/>
+                    <a:lumOff val="5000"/>
+                  </a:schemeClr>
+                </a:solidFill>
+              </a:rPr>
+              <a:t>			5! = 120</a:t>
+            </a:r>
+          </a:p>
+          <a:p>
+            <a:pPr marL="0" indent="0">
+              <a:buNone/>
+            </a:pPr>
+            <a:r>
+              <a:rPr lang="en-CA" dirty="0">
+                <a:solidFill>
+                  <a:schemeClr val="tx1">
+                    <a:lumMod val="95000"/>
+                    <a:lumOff val="5000"/>
+                  </a:schemeClr>
+                </a:solidFill>
+              </a:rPr>
+              <a:t>			120 / 10 = 12……0</a:t>
+            </a:r>
+          </a:p>
+          <a:p>
+            <a:pPr marL="0" indent="0">
+              <a:buNone/>
+            </a:pPr>
+            <a:r>
+              <a:rPr lang="en-CA" dirty="0">
+                <a:solidFill>
+                  <a:schemeClr val="tx1">
+                    <a:lumMod val="95000"/>
+                    <a:lumOff val="5000"/>
+                  </a:schemeClr>
+                </a:solidFill>
+              </a:rPr>
+              <a:t>			12 / 10 =  1……2</a:t>
+            </a:r>
+          </a:p>
+          <a:p>
+            <a:pPr marL="0" indent="0">
+              <a:buNone/>
+            </a:pPr>
+            <a:r>
+              <a:rPr lang="en-CA" dirty="0">
+                <a:solidFill>
+                  <a:schemeClr val="tx1">
+                    <a:lumMod val="95000"/>
+                    <a:lumOff val="5000"/>
+                  </a:schemeClr>
+                </a:solidFill>
+              </a:rPr>
+              <a:t>			so the number of trailing zeros in </a:t>
+            </a:r>
+            <a:r>
+              <a:rPr lang="en-CA" i="1" dirty="0">
+                <a:solidFill>
+                  <a:schemeClr val="tx1">
+                    <a:lumMod val="95000"/>
+                    <a:lumOff val="5000"/>
+                  </a:schemeClr>
+                </a:solidFill>
+              </a:rPr>
+              <a:t>n</a:t>
+            </a:r>
+            <a:r>
+              <a:rPr lang="en-CA" dirty="0">
+                <a:solidFill>
+                  <a:schemeClr val="tx1">
+                    <a:lumMod val="95000"/>
+                    <a:lumOff val="5000"/>
+                  </a:schemeClr>
+                </a:solidFill>
+              </a:rPr>
+              <a:t>! is 1.</a:t>
+            </a:r>
+          </a:p>
+          <a:p>
+            <a:pPr marL="0" indent="0">
+              <a:buNone/>
+            </a:pPr>
+            <a:r>
+              <a:rPr lang="en-CA" dirty="0">
+                <a:solidFill>
+                  <a:schemeClr val="tx1">
+                    <a:lumMod val="95000"/>
+                    <a:lumOff val="5000"/>
+                  </a:schemeClr>
+                </a:solidFill>
+              </a:rPr>
+              <a:t>			</a:t>
+            </a:r>
+          </a:p>
+          <a:p>
+            <a:pPr marL="0" indent="0">
+              <a:buNone/>
+            </a:pPr>
+            <a:r>
+              <a:rPr lang="en-CA" dirty="0">
+                <a:solidFill>
+                  <a:schemeClr val="tx1">
+                    <a:lumMod val="95000"/>
+                    <a:lumOff val="5000"/>
+                  </a:schemeClr>
+                </a:solidFill>
+              </a:rPr>
+              <a:t>			10! = 3628800</a:t>
+            </a:r>
+          </a:p>
+          <a:p>
+            <a:pPr marL="0" indent="0">
+              <a:buNone/>
+            </a:pPr>
+            <a:r>
+              <a:rPr lang="en-CA" dirty="0">
+                <a:solidFill>
+                  <a:schemeClr val="tx1">
+                    <a:lumMod val="95000"/>
+                    <a:lumOff val="5000"/>
+                  </a:schemeClr>
+                </a:solidFill>
+              </a:rPr>
+              <a:t>			3628800 / 10 = 362880……0</a:t>
+            </a:r>
+          </a:p>
+          <a:p>
+            <a:pPr marL="0" indent="0">
+              <a:buNone/>
+            </a:pPr>
+            <a:r>
+              <a:rPr lang="en-CA" dirty="0">
+                <a:solidFill>
+                  <a:schemeClr val="tx1">
+                    <a:lumMod val="95000"/>
+                    <a:lumOff val="5000"/>
+                  </a:schemeClr>
+                </a:solidFill>
+              </a:rPr>
+              <a:t>			362880 / 10 = 36288……0</a:t>
+            </a:r>
+          </a:p>
+          <a:p>
+            <a:pPr marL="0" indent="0">
+              <a:buNone/>
+            </a:pPr>
+            <a:r>
+              <a:rPr lang="en-CA" dirty="0">
+                <a:solidFill>
+                  <a:schemeClr val="tx1">
+                    <a:lumMod val="95000"/>
+                    <a:lumOff val="5000"/>
+                  </a:schemeClr>
+                </a:solidFill>
+              </a:rPr>
+              <a:t>			36288 / 10 = 3628……8</a:t>
+            </a:r>
+          </a:p>
+          <a:p>
+            <a:pPr marL="0" indent="0">
+              <a:buNone/>
+            </a:pPr>
+            <a:r>
+              <a:rPr lang="en-CA" dirty="0">
+                <a:solidFill>
+                  <a:schemeClr val="tx1">
+                    <a:lumMod val="95000"/>
+                    <a:lumOff val="5000"/>
+                  </a:schemeClr>
+                </a:solidFill>
+              </a:rPr>
+              <a:t>			so the number of trailing zeros in </a:t>
+            </a:r>
+            <a:r>
+              <a:rPr lang="en-CA" i="1" dirty="0">
+                <a:solidFill>
+                  <a:schemeClr val="tx1">
+                    <a:lumMod val="95000"/>
+                    <a:lumOff val="5000"/>
+                  </a:schemeClr>
+                </a:solidFill>
+              </a:rPr>
+              <a:t>n</a:t>
+            </a:r>
+            <a:r>
+              <a:rPr lang="en-CA" dirty="0">
+                <a:solidFill>
+                  <a:schemeClr val="tx1">
+                    <a:lumMod val="95000"/>
+                    <a:lumOff val="5000"/>
+                  </a:schemeClr>
+                </a:solidFill>
+              </a:rPr>
+              <a:t>! is 2.</a:t>
+            </a:r>
+          </a:p>
+          <a:p>
+            <a:pPr marL="0" indent="0">
+              <a:buNone/>
+            </a:pPr>
+            <a:endParaRPr lang="en-CA" dirty="0"/>
+          </a:p>
+        </p:txBody>
+      </p:sp>
+    </p:spTree>
+    <p:extLst>
+      <p:ext uri="{BB962C8B-B14F-4D97-AF65-F5344CB8AC3E}">
+        <p14:creationId xmlns:p14="http://schemas.microsoft.com/office/powerpoint/2010/main" val="1601006802"/>
+      </p:ext>
+    </p:extLst>
+  </p:cSld>
+  <p:clrMapOvr>
+    <a:masterClrMapping/>
+  </p:clrMapOvr>
+</p:sld>
+</file>
+
+<file path=ppt/slides/slide6.xml><?xml version="1.0" encoding="utf-8"?>
+<p:sld xmlns:a="http://schemas.openxmlformats.org/drawingml/2006/main" xmlns:r="http://schemas.openxmlformats.org/officeDocument/2006/relationships" xmlns:p="http://schemas.openxmlformats.org/presentationml/2006/main">
+  <p:cSld>
+    <p:spTree>
+      <p:nvGrpSpPr>
+        <p:cNvPr id="1" name=""/>
+        <p:cNvGrpSpPr/>
+        <p:nvPr/>
+      </p:nvGrpSpPr>
+      <p:grpSpPr>
+        <a:xfrm>
+          <a:off x="0" y="0"/>
+          <a:ext cx="0" cy="0"/>
+          <a:chOff x="0" y="0"/>
+          <a:chExt cx="0" cy="0"/>
+        </a:xfrm>
+      </p:grpSpPr>
+      <p:sp>
+        <p:nvSpPr>
+          <p:cNvPr id="3" name="Content Placeholder 2">
+            <a:extLst>
+              <a:ext uri="{FF2B5EF4-FFF2-40B4-BE49-F238E27FC236}">
+                <a16:creationId xmlns:a16="http://schemas.microsoft.com/office/drawing/2014/main" id="{54A8397C-BFB0-4596-92A7-B558C103DE75}"/>
+              </a:ext>
+            </a:extLst>
+          </p:cNvPr>
+          <p:cNvSpPr>
+            <a:spLocks noGrp="1"/>
+          </p:cNvSpPr>
+          <p:nvPr>
+            <p:ph idx="1"/>
+          </p:nvPr>
+        </p:nvSpPr>
+        <p:spPr>
+          <a:xfrm>
+            <a:off x="838200" y="470517"/>
+            <a:ext cx="10515600" cy="5706446"/>
+          </a:xfrm>
+        </p:spPr>
+        <p:txBody>
+          <a:bodyPr>
+            <a:normAutofit/>
+          </a:bodyPr>
+          <a:lstStyle/>
+          <a:p>
+            <a:pPr marL="0" indent="0">
+              <a:buNone/>
+            </a:pPr>
+            <a:r>
+              <a:rPr lang="en-CA" dirty="0"/>
+              <a:t>	</a:t>
+            </a:r>
+            <a:r>
+              <a:rPr lang="en-CA" dirty="0">
+                <a:solidFill>
+                  <a:schemeClr val="tx1">
+                    <a:lumMod val="95000"/>
+                    <a:lumOff val="5000"/>
+                  </a:schemeClr>
+                </a:solidFill>
+              </a:rPr>
+              <a:t>(3) How to </a:t>
+            </a:r>
+            <a:r>
+              <a:rPr lang="en-US" dirty="0">
+                <a:solidFill>
+                  <a:schemeClr val="tx1">
+                    <a:lumMod val="95000"/>
+                    <a:lumOff val="5000"/>
+                  </a:schemeClr>
+                </a:solidFill>
+              </a:rPr>
+              <a:t>calculate the number of trailing zeros in </a:t>
+            </a:r>
+            <a:r>
+              <a:rPr lang="en-US" i="1" dirty="0">
+                <a:solidFill>
+                  <a:schemeClr val="tx1">
+                    <a:lumMod val="95000"/>
+                    <a:lumOff val="5000"/>
+                  </a:schemeClr>
+                </a:solidFill>
+              </a:rPr>
+              <a:t>n!</a:t>
+            </a:r>
+            <a:r>
+              <a:rPr lang="en-US" dirty="0">
+                <a:solidFill>
+                  <a:schemeClr val="tx1">
+                    <a:lumMod val="95000"/>
+                    <a:lumOff val="5000"/>
+                  </a:schemeClr>
+                </a:solidFill>
+              </a:rPr>
+              <a:t> </a:t>
+            </a:r>
+            <a:r>
+              <a:rPr lang="en-CA" dirty="0">
+                <a:solidFill>
+                  <a:schemeClr val="tx1">
+                    <a:lumMod val="95000"/>
+                    <a:lumOff val="5000"/>
+                  </a:schemeClr>
+                </a:solidFill>
+              </a:rPr>
+              <a:t>by code?</a:t>
+            </a:r>
+          </a:p>
+          <a:p>
+            <a:pPr marL="0" indent="0">
+              <a:buNone/>
+            </a:pPr>
+            <a:r>
+              <a:rPr lang="en-CA" dirty="0">
+                <a:solidFill>
+                  <a:schemeClr val="tx1">
+                    <a:lumMod val="95000"/>
+                    <a:lumOff val="5000"/>
+                  </a:schemeClr>
+                </a:solidFill>
+              </a:rPr>
+              <a:t>	</a:t>
+            </a:r>
+          </a:p>
+          <a:p>
+            <a:pPr marL="0" indent="0">
+              <a:buNone/>
+            </a:pPr>
+            <a:r>
+              <a:rPr lang="en-CA" dirty="0">
+                <a:solidFill>
+                  <a:schemeClr val="tx1">
+                    <a:lumMod val="95000"/>
+                    <a:lumOff val="5000"/>
+                  </a:schemeClr>
+                </a:solidFill>
+              </a:rPr>
+              <a:t>	We can use loop or recursion.</a:t>
+            </a:r>
+          </a:p>
+          <a:p>
+            <a:pPr marL="0" indent="0">
+              <a:buNone/>
+            </a:pPr>
+            <a:r>
+              <a:rPr lang="en-CA" dirty="0">
+                <a:solidFill>
+                  <a:schemeClr val="tx1">
+                    <a:lumMod val="95000"/>
+                    <a:lumOff val="5000"/>
+                  </a:schemeClr>
+                </a:solidFill>
+              </a:rPr>
+              <a:t>		 set </a:t>
+            </a:r>
+            <a:r>
+              <a:rPr lang="en-CA" dirty="0" err="1">
+                <a:solidFill>
+                  <a:schemeClr val="tx1">
+                    <a:lumMod val="95000"/>
+                    <a:lumOff val="5000"/>
+                  </a:schemeClr>
+                </a:solidFill>
+              </a:rPr>
+              <a:t>thefactorialNum</a:t>
+            </a:r>
+            <a:r>
+              <a:rPr lang="en-CA" dirty="0">
+                <a:solidFill>
+                  <a:schemeClr val="tx1">
+                    <a:lumMod val="95000"/>
+                    <a:lumOff val="5000"/>
+                  </a:schemeClr>
+                </a:solidFill>
+              </a:rPr>
+              <a:t> to factorial(n)</a:t>
+            </a:r>
+          </a:p>
+          <a:p>
+            <a:pPr marL="0" indent="0">
+              <a:buNone/>
+            </a:pPr>
+            <a:r>
+              <a:rPr lang="en-CA" dirty="0">
+                <a:solidFill>
+                  <a:schemeClr val="tx1">
+                    <a:lumMod val="95000"/>
+                    <a:lumOff val="5000"/>
+                  </a:schemeClr>
+                </a:solidFill>
+              </a:rPr>
+              <a:t>		 set count to 0</a:t>
+            </a:r>
+          </a:p>
+          <a:p>
+            <a:pPr marL="0" indent="0">
+              <a:buNone/>
+            </a:pPr>
+            <a:r>
+              <a:rPr lang="en-CA" dirty="0">
+                <a:solidFill>
+                  <a:schemeClr val="tx1">
+                    <a:lumMod val="95000"/>
+                    <a:lumOff val="5000"/>
+                  </a:schemeClr>
+                </a:solidFill>
+              </a:rPr>
+              <a:t>		 set Reminder to 0</a:t>
+            </a:r>
+          </a:p>
+          <a:p>
+            <a:pPr marL="0" indent="0">
+              <a:buNone/>
+            </a:pPr>
+            <a:r>
+              <a:rPr lang="en-CA" dirty="0">
+                <a:solidFill>
+                  <a:schemeClr val="tx1">
+                    <a:lumMod val="95000"/>
+                    <a:lumOff val="5000"/>
+                  </a:schemeClr>
+                </a:solidFill>
+              </a:rPr>
+              <a:t>		 while Reminder is equal to 0</a:t>
+            </a:r>
+          </a:p>
+          <a:p>
+            <a:pPr marL="0" indent="0">
+              <a:buNone/>
+            </a:pPr>
+            <a:r>
+              <a:rPr lang="en-CA" dirty="0">
+                <a:solidFill>
+                  <a:schemeClr val="tx1">
+                    <a:lumMod val="95000"/>
+                    <a:lumOff val="5000"/>
+                  </a:schemeClr>
+                </a:solidFill>
+              </a:rPr>
+              <a:t>		    set Reminder equal to the reminder of </a:t>
+            </a:r>
+            <a:r>
+              <a:rPr lang="en-CA" dirty="0" err="1">
+                <a:solidFill>
+                  <a:schemeClr val="tx1">
+                    <a:lumMod val="95000"/>
+                    <a:lumOff val="5000"/>
+                  </a:schemeClr>
+                </a:solidFill>
+              </a:rPr>
+              <a:t>thefactorialNum</a:t>
+            </a:r>
+            <a:r>
+              <a:rPr lang="en-CA" dirty="0">
+                <a:solidFill>
+                  <a:schemeClr val="tx1">
+                    <a:lumMod val="95000"/>
+                    <a:lumOff val="5000"/>
+                  </a:schemeClr>
+                </a:solidFill>
+              </a:rPr>
+              <a:t> divided by 10</a:t>
+            </a:r>
+          </a:p>
+          <a:p>
+            <a:pPr marL="0" indent="0">
+              <a:buNone/>
+            </a:pPr>
+            <a:r>
+              <a:rPr lang="en-CA" dirty="0">
+                <a:solidFill>
+                  <a:schemeClr val="tx1">
+                    <a:lumMod val="95000"/>
+                    <a:lumOff val="5000"/>
+                  </a:schemeClr>
+                </a:solidFill>
+              </a:rPr>
+              <a:t>		    if  Reminder is equal to 0</a:t>
+            </a:r>
+          </a:p>
+          <a:p>
+            <a:pPr marL="0" indent="0">
+              <a:buNone/>
+            </a:pPr>
+            <a:r>
+              <a:rPr lang="en-CA" dirty="0">
+                <a:solidFill>
+                  <a:schemeClr val="tx1">
+                    <a:lumMod val="95000"/>
+                    <a:lumOff val="5000"/>
+                  </a:schemeClr>
+                </a:solidFill>
+              </a:rPr>
+              <a:t>		        add one to the count 	</a:t>
+            </a:r>
+          </a:p>
+          <a:p>
+            <a:pPr marL="0" indent="0">
+              <a:buNone/>
+            </a:pPr>
+            <a:r>
+              <a:rPr lang="en-CA" dirty="0">
+                <a:solidFill>
+                  <a:schemeClr val="tx1">
+                    <a:lumMod val="95000"/>
+                    <a:lumOff val="5000"/>
+                  </a:schemeClr>
+                </a:solidFill>
+              </a:rPr>
+              <a:t>		        set </a:t>
+            </a:r>
+            <a:r>
+              <a:rPr lang="en-CA" dirty="0" err="1">
+                <a:solidFill>
+                  <a:schemeClr val="tx1">
+                    <a:lumMod val="95000"/>
+                    <a:lumOff val="5000"/>
+                  </a:schemeClr>
+                </a:solidFill>
+              </a:rPr>
+              <a:t>thefactorialNum</a:t>
+            </a:r>
+            <a:r>
+              <a:rPr lang="en-CA" dirty="0">
+                <a:solidFill>
+                  <a:schemeClr val="tx1">
+                    <a:lumMod val="95000"/>
+                    <a:lumOff val="5000"/>
+                  </a:schemeClr>
+                </a:solidFill>
+              </a:rPr>
+              <a:t> to </a:t>
+            </a:r>
+            <a:r>
+              <a:rPr lang="en-CA" dirty="0" err="1">
+                <a:solidFill>
+                  <a:schemeClr val="tx1">
+                    <a:lumMod val="95000"/>
+                    <a:lumOff val="5000"/>
+                  </a:schemeClr>
+                </a:solidFill>
+              </a:rPr>
+              <a:t>thefactorialNum</a:t>
+            </a:r>
+            <a:r>
+              <a:rPr lang="en-CA" dirty="0">
+                <a:solidFill>
+                  <a:schemeClr val="tx1">
+                    <a:lumMod val="95000"/>
+                    <a:lumOff val="5000"/>
+                  </a:schemeClr>
+                </a:solidFill>
+              </a:rPr>
+              <a:t> divided by 10</a:t>
+            </a:r>
+          </a:p>
+          <a:p>
+            <a:pPr marL="0" indent="0">
+              <a:buNone/>
+            </a:pPr>
+            <a:r>
+              <a:rPr lang="en-CA" dirty="0">
+                <a:solidFill>
+                  <a:schemeClr val="tx1">
+                    <a:lumMod val="95000"/>
+                    <a:lumOff val="5000"/>
+                  </a:schemeClr>
+                </a:solidFill>
+              </a:rPr>
+              <a:t>		return count</a:t>
+            </a:r>
+          </a:p>
+          <a:p>
+            <a:pPr marL="0" indent="0">
+              <a:buNone/>
+            </a:pPr>
+            <a:r>
+              <a:rPr lang="en-CA" dirty="0">
+                <a:solidFill>
+                  <a:schemeClr val="tx1">
+                    <a:lumMod val="95000"/>
+                    <a:lumOff val="5000"/>
+                  </a:schemeClr>
+                </a:solidFill>
+              </a:rPr>
+              <a:t>		</a:t>
+            </a:r>
+          </a:p>
+        </p:txBody>
+      </p:sp>
+    </p:spTree>
+    <p:extLst>
+      <p:ext uri="{BB962C8B-B14F-4D97-AF65-F5344CB8AC3E}">
+        <p14:creationId xmlns:p14="http://schemas.microsoft.com/office/powerpoint/2010/main" val="1731640892"/>
+      </p:ext>
+    </p:extLst>
+  </p:cSld>
+  <p:clrMapOvr>
+    <a:masterClrMapping/>
+  </p:clrMapOvr>
+</p:sld>
+</file>
+
+<file path=ppt/slides/slide7.xml><?xml version="1.0" encoding="utf-8"?>
+<p:sld xmlns:a="http://schemas.openxmlformats.org/drawingml/2006/main" xmlns:r="http://schemas.openxmlformats.org/officeDocument/2006/relationships" xmlns:p="http://schemas.openxmlformats.org/presentationml/2006/main">
+  <p:cSld>
+    <p:spTree>
+      <p:nvGrpSpPr>
+        <p:cNvPr id="1" name=""/>
+        <p:cNvGrpSpPr/>
+        <p:nvPr/>
+      </p:nvGrpSpPr>
+      <p:grpSpPr>
+        <a:xfrm>
+          <a:off x="0" y="0"/>
+          <a:ext cx="0" cy="0"/>
+          <a:chOff x="0" y="0"/>
+          <a:chExt cx="0" cy="0"/>
+        </a:xfrm>
+      </p:grpSpPr>
+      <p:sp>
+        <p:nvSpPr>
+          <p:cNvPr id="3" name="Content Placeholder 2">
+            <a:extLst>
+              <a:ext uri="{FF2B5EF4-FFF2-40B4-BE49-F238E27FC236}">
+                <a16:creationId xmlns:a16="http://schemas.microsoft.com/office/drawing/2014/main" id="{5FDA56AC-8321-443A-8B9E-BF807CEFAB9F}"/>
+              </a:ext>
+            </a:extLst>
+          </p:cNvPr>
+          <p:cNvSpPr>
+            <a:spLocks noGrp="1"/>
+          </p:cNvSpPr>
+          <p:nvPr>
+            <p:ph idx="1"/>
+          </p:nvPr>
+        </p:nvSpPr>
+        <p:spPr>
+          <a:xfrm>
+            <a:off x="838200" y="559293"/>
+            <a:ext cx="10515600" cy="5617670"/>
+          </a:xfrm>
+        </p:spPr>
+        <p:txBody>
+          <a:bodyPr>
+            <a:normAutofit fontScale="85000" lnSpcReduction="20000"/>
+          </a:bodyPr>
+          <a:lstStyle/>
+          <a:p>
+            <a:pPr marL="0" indent="0">
+              <a:buNone/>
+            </a:pPr>
+            <a:r>
+              <a:rPr lang="en-CA" dirty="0"/>
+              <a:t>	</a:t>
+            </a:r>
+            <a:r>
+              <a:rPr lang="en-CA" dirty="0" err="1">
+                <a:solidFill>
+                  <a:schemeClr val="tx1">
+                    <a:lumMod val="95000"/>
+                    <a:lumOff val="5000"/>
+                  </a:schemeClr>
+                </a:solidFill>
+              </a:rPr>
+              <a:t>int</a:t>
+            </a:r>
+            <a:r>
+              <a:rPr lang="en-CA" dirty="0">
+                <a:solidFill>
+                  <a:schemeClr val="tx1">
+                    <a:lumMod val="95000"/>
+                    <a:lumOff val="5000"/>
+                  </a:schemeClr>
+                </a:solidFill>
+              </a:rPr>
+              <a:t> </a:t>
+            </a:r>
+            <a:r>
+              <a:rPr lang="en-CA" dirty="0" err="1">
+                <a:solidFill>
+                  <a:schemeClr val="tx1">
+                    <a:lumMod val="95000"/>
+                    <a:lumOff val="5000"/>
+                  </a:schemeClr>
+                </a:solidFill>
+              </a:rPr>
+              <a:t>NumOfTrailngZero</a:t>
+            </a:r>
+            <a:r>
+              <a:rPr lang="en-CA" dirty="0">
+                <a:solidFill>
+                  <a:schemeClr val="tx1">
+                    <a:lumMod val="95000"/>
+                    <a:lumOff val="5000"/>
+                  </a:schemeClr>
+                </a:solidFill>
+              </a:rPr>
+              <a:t>(</a:t>
+            </a:r>
+            <a:r>
+              <a:rPr lang="en-CA" dirty="0" err="1">
+                <a:solidFill>
+                  <a:schemeClr val="tx1">
+                    <a:lumMod val="95000"/>
+                    <a:lumOff val="5000"/>
+                  </a:schemeClr>
+                </a:solidFill>
+              </a:rPr>
+              <a:t>int</a:t>
+            </a:r>
+            <a:r>
+              <a:rPr lang="en-CA" dirty="0">
+                <a:solidFill>
+                  <a:schemeClr val="tx1">
+                    <a:lumMod val="95000"/>
+                    <a:lumOff val="5000"/>
+                  </a:schemeClr>
+                </a:solidFill>
+              </a:rPr>
+              <a:t> </a:t>
+            </a:r>
+            <a:r>
+              <a:rPr lang="en-CA" dirty="0" err="1">
+                <a:solidFill>
+                  <a:schemeClr val="tx1">
+                    <a:lumMod val="95000"/>
+                    <a:lumOff val="5000"/>
+                  </a:schemeClr>
+                </a:solidFill>
+              </a:rPr>
+              <a:t>thefactorial</a:t>
+            </a:r>
+            <a:r>
+              <a:rPr lang="en-CA" dirty="0">
+                <a:solidFill>
+                  <a:schemeClr val="tx1">
+                    <a:lumMod val="95000"/>
+                    <a:lumOff val="5000"/>
+                  </a:schemeClr>
+                </a:solidFill>
+              </a:rPr>
+              <a:t>) {</a:t>
+            </a:r>
+          </a:p>
+          <a:p>
+            <a:pPr marL="0" indent="0">
+              <a:buNone/>
+            </a:pPr>
+            <a:r>
+              <a:rPr lang="en-CA" dirty="0">
+                <a:solidFill>
+                  <a:schemeClr val="tx1">
+                    <a:lumMod val="95000"/>
+                    <a:lumOff val="5000"/>
+                  </a:schemeClr>
+                </a:solidFill>
+              </a:rPr>
+              <a:t>	    </a:t>
+            </a:r>
+            <a:r>
+              <a:rPr lang="en-CA" dirty="0" err="1">
+                <a:solidFill>
+                  <a:schemeClr val="tx1">
+                    <a:lumMod val="95000"/>
+                    <a:lumOff val="5000"/>
+                  </a:schemeClr>
+                </a:solidFill>
+              </a:rPr>
+              <a:t>int</a:t>
+            </a:r>
+            <a:r>
+              <a:rPr lang="en-CA" dirty="0">
+                <a:solidFill>
+                  <a:schemeClr val="tx1">
+                    <a:lumMod val="95000"/>
+                    <a:lumOff val="5000"/>
+                  </a:schemeClr>
+                </a:solidFill>
+              </a:rPr>
+              <a:t> </a:t>
+            </a:r>
+            <a:r>
+              <a:rPr lang="en-CA" dirty="0" err="1">
+                <a:solidFill>
+                  <a:schemeClr val="tx1">
+                    <a:lumMod val="95000"/>
+                    <a:lumOff val="5000"/>
+                  </a:schemeClr>
+                </a:solidFill>
+              </a:rPr>
+              <a:t>thefactorialNum</a:t>
+            </a:r>
+            <a:r>
+              <a:rPr lang="en-CA" dirty="0">
+                <a:solidFill>
+                  <a:schemeClr val="tx1">
+                    <a:lumMod val="95000"/>
+                    <a:lumOff val="5000"/>
+                  </a:schemeClr>
+                </a:solidFill>
+              </a:rPr>
+              <a:t> = factorial(</a:t>
+            </a:r>
+            <a:r>
+              <a:rPr lang="en-CA" dirty="0" err="1">
+                <a:solidFill>
+                  <a:schemeClr val="tx1">
+                    <a:lumMod val="95000"/>
+                    <a:lumOff val="5000"/>
+                  </a:schemeClr>
+                </a:solidFill>
+              </a:rPr>
+              <a:t>thefactorial</a:t>
+            </a:r>
+            <a:r>
+              <a:rPr lang="en-CA" dirty="0">
+                <a:solidFill>
+                  <a:schemeClr val="tx1">
+                    <a:lumMod val="95000"/>
+                    <a:lumOff val="5000"/>
+                  </a:schemeClr>
+                </a:solidFill>
+              </a:rPr>
+              <a:t>);</a:t>
+            </a:r>
+          </a:p>
+          <a:p>
+            <a:endParaRPr lang="en-CA" dirty="0">
+              <a:solidFill>
+                <a:schemeClr val="tx1">
+                  <a:lumMod val="95000"/>
+                  <a:lumOff val="5000"/>
+                </a:schemeClr>
+              </a:solidFill>
+            </a:endParaRPr>
+          </a:p>
+          <a:p>
+            <a:pPr marL="0" indent="0">
+              <a:buNone/>
+            </a:pPr>
+            <a:r>
+              <a:rPr lang="en-CA" dirty="0">
+                <a:solidFill>
+                  <a:schemeClr val="tx1">
+                    <a:lumMod val="95000"/>
+                    <a:lumOff val="5000"/>
+                  </a:schemeClr>
+                </a:solidFill>
+              </a:rPr>
+              <a:t>	    </a:t>
+            </a:r>
+            <a:r>
+              <a:rPr lang="en-CA" dirty="0" err="1">
+                <a:solidFill>
+                  <a:schemeClr val="tx1">
+                    <a:lumMod val="95000"/>
+                    <a:lumOff val="5000"/>
+                  </a:schemeClr>
+                </a:solidFill>
+              </a:rPr>
+              <a:t>int</a:t>
+            </a:r>
+            <a:r>
+              <a:rPr lang="en-CA" dirty="0">
+                <a:solidFill>
+                  <a:schemeClr val="tx1">
+                    <a:lumMod val="95000"/>
+                    <a:lumOff val="5000"/>
+                  </a:schemeClr>
+                </a:solidFill>
+              </a:rPr>
+              <a:t> count = 0;</a:t>
+            </a:r>
+          </a:p>
+          <a:p>
+            <a:pPr marL="0" indent="0">
+              <a:buNone/>
+            </a:pPr>
+            <a:r>
+              <a:rPr lang="en-CA" dirty="0">
+                <a:solidFill>
+                  <a:schemeClr val="tx1">
+                    <a:lumMod val="95000"/>
+                    <a:lumOff val="5000"/>
+                  </a:schemeClr>
+                </a:solidFill>
+              </a:rPr>
+              <a:t>	    </a:t>
+            </a:r>
+            <a:r>
+              <a:rPr lang="en-CA" dirty="0" err="1">
+                <a:solidFill>
+                  <a:schemeClr val="tx1">
+                    <a:lumMod val="95000"/>
+                    <a:lumOff val="5000"/>
+                  </a:schemeClr>
+                </a:solidFill>
+              </a:rPr>
+              <a:t>int</a:t>
+            </a:r>
+            <a:r>
+              <a:rPr lang="en-CA" dirty="0">
+                <a:solidFill>
+                  <a:schemeClr val="tx1">
+                    <a:lumMod val="95000"/>
+                    <a:lumOff val="5000"/>
+                  </a:schemeClr>
+                </a:solidFill>
+              </a:rPr>
+              <a:t> </a:t>
+            </a:r>
+            <a:r>
+              <a:rPr lang="en-CA" dirty="0" err="1">
+                <a:solidFill>
+                  <a:schemeClr val="tx1">
+                    <a:lumMod val="95000"/>
+                    <a:lumOff val="5000"/>
+                  </a:schemeClr>
+                </a:solidFill>
+              </a:rPr>
+              <a:t>TheReminder</a:t>
+            </a:r>
+            <a:r>
+              <a:rPr lang="en-CA" dirty="0">
+                <a:solidFill>
+                  <a:schemeClr val="tx1">
+                    <a:lumMod val="95000"/>
+                    <a:lumOff val="5000"/>
+                  </a:schemeClr>
+                </a:solidFill>
+              </a:rPr>
+              <a:t> = 0;</a:t>
+            </a:r>
+          </a:p>
+          <a:p>
+            <a:pPr marL="0" indent="0">
+              <a:buNone/>
+            </a:pPr>
+            <a:r>
+              <a:rPr lang="en-CA" dirty="0">
+                <a:solidFill>
+                  <a:schemeClr val="tx1">
+                    <a:lumMod val="95000"/>
+                    <a:lumOff val="5000"/>
+                  </a:schemeClr>
+                </a:solidFill>
+              </a:rPr>
+              <a:t>	    while (</a:t>
+            </a:r>
+            <a:r>
+              <a:rPr lang="en-CA" dirty="0" err="1">
+                <a:solidFill>
+                  <a:schemeClr val="tx1">
+                    <a:lumMod val="95000"/>
+                    <a:lumOff val="5000"/>
+                  </a:schemeClr>
+                </a:solidFill>
+              </a:rPr>
+              <a:t>TheReminder</a:t>
+            </a:r>
+            <a:r>
+              <a:rPr lang="en-CA" dirty="0">
+                <a:solidFill>
+                  <a:schemeClr val="tx1">
+                    <a:lumMod val="95000"/>
+                    <a:lumOff val="5000"/>
+                  </a:schemeClr>
+                </a:solidFill>
+              </a:rPr>
+              <a:t> == 0)</a:t>
+            </a:r>
+          </a:p>
+          <a:p>
+            <a:pPr marL="0" indent="0">
+              <a:buNone/>
+            </a:pPr>
+            <a:r>
+              <a:rPr lang="en-CA" dirty="0">
+                <a:solidFill>
+                  <a:schemeClr val="tx1">
+                    <a:lumMod val="95000"/>
+                    <a:lumOff val="5000"/>
+                  </a:schemeClr>
+                </a:solidFill>
+              </a:rPr>
+              <a:t>	    {</a:t>
+            </a:r>
+          </a:p>
+          <a:p>
+            <a:pPr marL="0" indent="0">
+              <a:buNone/>
+            </a:pPr>
+            <a:r>
+              <a:rPr lang="en-CA" dirty="0">
+                <a:solidFill>
+                  <a:schemeClr val="tx1">
+                    <a:lumMod val="95000"/>
+                    <a:lumOff val="5000"/>
+                  </a:schemeClr>
+                </a:solidFill>
+              </a:rPr>
+              <a:t>	    </a:t>
+            </a:r>
+            <a:r>
+              <a:rPr lang="en-CA" dirty="0" err="1">
+                <a:solidFill>
+                  <a:schemeClr val="tx1">
+                    <a:lumMod val="95000"/>
+                    <a:lumOff val="5000"/>
+                  </a:schemeClr>
+                </a:solidFill>
+              </a:rPr>
+              <a:t>TheReminder</a:t>
+            </a:r>
+            <a:r>
+              <a:rPr lang="en-CA" dirty="0">
+                <a:solidFill>
+                  <a:schemeClr val="tx1">
+                    <a:lumMod val="95000"/>
+                    <a:lumOff val="5000"/>
+                  </a:schemeClr>
+                </a:solidFill>
+              </a:rPr>
+              <a:t> = </a:t>
+            </a:r>
+            <a:r>
+              <a:rPr lang="en-CA" dirty="0" err="1">
+                <a:solidFill>
+                  <a:schemeClr val="tx1">
+                    <a:lumMod val="95000"/>
+                    <a:lumOff val="5000"/>
+                  </a:schemeClr>
+                </a:solidFill>
+              </a:rPr>
+              <a:t>thefactorialNum</a:t>
+            </a:r>
+            <a:r>
+              <a:rPr lang="en-CA" dirty="0">
+                <a:solidFill>
+                  <a:schemeClr val="tx1">
+                    <a:lumMod val="95000"/>
+                    <a:lumOff val="5000"/>
+                  </a:schemeClr>
+                </a:solidFill>
+              </a:rPr>
+              <a:t> % 10;</a:t>
+            </a:r>
+          </a:p>
+          <a:p>
+            <a:pPr marL="0" indent="0">
+              <a:buNone/>
+            </a:pPr>
+            <a:endParaRPr lang="en-CA" dirty="0">
+              <a:solidFill>
+                <a:schemeClr val="tx1">
+                  <a:lumMod val="95000"/>
+                  <a:lumOff val="5000"/>
+                </a:schemeClr>
+              </a:solidFill>
+            </a:endParaRPr>
+          </a:p>
+          <a:p>
+            <a:pPr marL="0" indent="0">
+              <a:buNone/>
+            </a:pPr>
+            <a:r>
+              <a:rPr lang="en-CA" dirty="0">
+                <a:solidFill>
+                  <a:schemeClr val="tx1">
+                    <a:lumMod val="95000"/>
+                    <a:lumOff val="5000"/>
+                  </a:schemeClr>
+                </a:solidFill>
+              </a:rPr>
+              <a:t>	        if (</a:t>
+            </a:r>
+            <a:r>
+              <a:rPr lang="en-CA" dirty="0" err="1">
+                <a:solidFill>
+                  <a:schemeClr val="tx1">
+                    <a:lumMod val="95000"/>
+                    <a:lumOff val="5000"/>
+                  </a:schemeClr>
+                </a:solidFill>
+              </a:rPr>
+              <a:t>TheReminder</a:t>
+            </a:r>
+            <a:r>
+              <a:rPr lang="en-CA" dirty="0">
+                <a:solidFill>
+                  <a:schemeClr val="tx1">
+                    <a:lumMod val="95000"/>
+                    <a:lumOff val="5000"/>
+                  </a:schemeClr>
+                </a:solidFill>
+              </a:rPr>
+              <a:t> == 0)</a:t>
+            </a:r>
+          </a:p>
+          <a:p>
+            <a:pPr marL="0" indent="0">
+              <a:buNone/>
+            </a:pPr>
+            <a:r>
+              <a:rPr lang="en-CA" dirty="0">
+                <a:solidFill>
+                  <a:schemeClr val="tx1">
+                    <a:lumMod val="95000"/>
+                    <a:lumOff val="5000"/>
+                  </a:schemeClr>
+                </a:solidFill>
+              </a:rPr>
+              <a:t>	        {</a:t>
+            </a:r>
+          </a:p>
+          <a:p>
+            <a:pPr marL="0" indent="0">
+              <a:buNone/>
+            </a:pPr>
+            <a:r>
+              <a:rPr lang="en-CA" dirty="0">
+                <a:solidFill>
+                  <a:schemeClr val="tx1">
+                    <a:lumMod val="95000"/>
+                    <a:lumOff val="5000"/>
+                  </a:schemeClr>
+                </a:solidFill>
+              </a:rPr>
+              <a:t>	        count++;</a:t>
+            </a:r>
+          </a:p>
+          <a:p>
+            <a:pPr marL="0" indent="0">
+              <a:buNone/>
+            </a:pPr>
+            <a:r>
+              <a:rPr lang="en-CA" dirty="0">
+                <a:solidFill>
+                  <a:schemeClr val="tx1">
+                    <a:lumMod val="95000"/>
+                    <a:lumOff val="5000"/>
+                  </a:schemeClr>
+                </a:solidFill>
+              </a:rPr>
+              <a:t>	        </a:t>
+            </a:r>
+            <a:r>
+              <a:rPr lang="en-CA" dirty="0" err="1">
+                <a:solidFill>
+                  <a:schemeClr val="tx1">
+                    <a:lumMod val="95000"/>
+                    <a:lumOff val="5000"/>
+                  </a:schemeClr>
+                </a:solidFill>
+              </a:rPr>
+              <a:t>thefactorialNum</a:t>
+            </a:r>
+            <a:r>
+              <a:rPr lang="en-CA" dirty="0">
+                <a:solidFill>
+                  <a:schemeClr val="tx1">
+                    <a:lumMod val="95000"/>
+                    <a:lumOff val="5000"/>
+                  </a:schemeClr>
+                </a:solidFill>
+              </a:rPr>
+              <a:t> /= 10;</a:t>
+            </a:r>
+          </a:p>
+          <a:p>
+            <a:pPr marL="0" indent="0">
+              <a:buNone/>
+            </a:pPr>
+            <a:r>
+              <a:rPr lang="en-CA" dirty="0">
+                <a:solidFill>
+                  <a:schemeClr val="tx1">
+                    <a:lumMod val="95000"/>
+                    <a:lumOff val="5000"/>
+                  </a:schemeClr>
+                </a:solidFill>
+              </a:rPr>
+              <a:t>	        }</a:t>
+            </a:r>
+          </a:p>
+          <a:p>
+            <a:pPr marL="0" indent="0">
+              <a:buNone/>
+            </a:pPr>
+            <a:r>
+              <a:rPr lang="en-CA" dirty="0">
+                <a:solidFill>
+                  <a:schemeClr val="tx1">
+                    <a:lumMod val="95000"/>
+                    <a:lumOff val="5000"/>
+                  </a:schemeClr>
+                </a:solidFill>
+              </a:rPr>
+              <a:t>	    }</a:t>
+            </a:r>
+          </a:p>
+          <a:p>
+            <a:pPr marL="0" indent="0">
+              <a:buNone/>
+            </a:pPr>
+            <a:r>
+              <a:rPr lang="en-CA" dirty="0">
+                <a:solidFill>
+                  <a:schemeClr val="tx1">
+                    <a:lumMod val="95000"/>
+                    <a:lumOff val="5000"/>
+                  </a:schemeClr>
+                </a:solidFill>
+              </a:rPr>
+              <a:t>	return count;</a:t>
+            </a:r>
+          </a:p>
+          <a:p>
+            <a:pPr marL="0" indent="0">
+              <a:buNone/>
+            </a:pPr>
+            <a:r>
+              <a:rPr lang="en-CA" dirty="0">
+                <a:solidFill>
+                  <a:schemeClr val="tx1">
+                    <a:lumMod val="95000"/>
+                    <a:lumOff val="5000"/>
+                  </a:schemeClr>
+                </a:solidFill>
+              </a:rPr>
+              <a:t>	}</a:t>
+            </a:r>
+          </a:p>
+        </p:txBody>
+      </p:sp>
+    </p:spTree>
+    <p:extLst>
+      <p:ext uri="{BB962C8B-B14F-4D97-AF65-F5344CB8AC3E}">
+        <p14:creationId xmlns:p14="http://schemas.microsoft.com/office/powerpoint/2010/main" val="1008973761"/>
+      </p:ext>
+    </p:extLst>
+  </p:cSld>
+  <p:clrMapOvr>
+    <a:masterClrMapping/>
+  </p:clrMapOvr>
+</p:sld>
+</file>
+
+<file path=ppt/slides/slide8.xml><?xml version="1.0" encoding="utf-8"?>
 <p:sld xmlns:a="http://schemas.openxmlformats.org/drawingml/2006/main" xmlns:r="http://schemas.openxmlformats.org/officeDocument/2006/relationships" xmlns:p="http://schemas.openxmlformats.org/presentationml/2006/main">
   <p:cSld>
     <p:spTree>
@@ -13578,7 +16886,7 @@
 </p:sld>
 </file>
 
-<file path=ppt/slides/slide3.xml><?xml version="1.0" encoding="utf-8"?>
+<file path=ppt/slides/slide9.xml><?xml version="1.0" encoding="utf-8"?>
 <p:sld xmlns:a="http://schemas.openxmlformats.org/drawingml/2006/main" xmlns:r="http://schemas.openxmlformats.org/officeDocument/2006/relationships" xmlns:p="http://schemas.openxmlformats.org/presentationml/2006/main">
   <p:cSld>
     <p:spTree>
@@ -13703,969 +17011,6 @@
     <p:extLst>
       <p:ext uri="{BB962C8B-B14F-4D97-AF65-F5344CB8AC3E}">
         <p14:creationId xmlns:p14="http://schemas.microsoft.com/office/powerpoint/2010/main" val="2669896479"/>
-      </p:ext>
-    </p:extLst>
-  </p:cSld>
-  <p:clrMapOvr>
-    <a:masterClrMapping/>
-  </p:clrMapOvr>
-</p:sld>
-</file>
-
-<file path=ppt/slides/slide4.xml><?xml version="1.0" encoding="utf-8"?>
-<p:sld xmlns:a="http://schemas.openxmlformats.org/drawingml/2006/main" xmlns:r="http://schemas.openxmlformats.org/officeDocument/2006/relationships" xmlns:p="http://schemas.openxmlformats.org/presentationml/2006/main">
-  <p:cSld>
-    <p:spTree>
-      <p:nvGrpSpPr>
-        <p:cNvPr id="1" name=""/>
-        <p:cNvGrpSpPr/>
-        <p:nvPr/>
-      </p:nvGrpSpPr>
-      <p:grpSpPr>
-        <a:xfrm>
-          <a:off x="0" y="0"/>
-          <a:ext cx="0" cy="0"/>
-          <a:chOff x="0" y="0"/>
-          <a:chExt cx="0" cy="0"/>
-        </a:xfrm>
-      </p:grpSpPr>
-      <p:sp>
-        <p:nvSpPr>
-          <p:cNvPr id="2" name="标题 1">
-            <a:extLst>
-              <a:ext uri="{FF2B5EF4-FFF2-40B4-BE49-F238E27FC236}">
-                <a16:creationId xmlns:a16="http://schemas.microsoft.com/office/drawing/2014/main" id="{005D994C-7889-4729-93B3-81A64F33073C}"/>
-              </a:ext>
-            </a:extLst>
-          </p:cNvPr>
-          <p:cNvSpPr>
-            <a:spLocks noGrp="1"/>
-          </p:cNvSpPr>
-          <p:nvPr>
-            <p:ph type="title"/>
-          </p:nvPr>
-        </p:nvSpPr>
-        <p:spPr/>
-        <p:txBody>
-          <a:bodyPr/>
-          <a:lstStyle/>
-          <a:p>
-            <a:pPr algn="ctr"/>
-            <a:r>
-              <a:rPr lang="en-US" altLang="zh-CN" dirty="0"/>
-              <a:t>Solution 2</a:t>
-            </a:r>
-            <a:endParaRPr lang="zh-CN" altLang="en-US" dirty="0"/>
-          </a:p>
-        </p:txBody>
-      </p:sp>
-      <p:sp>
-        <p:nvSpPr>
-          <p:cNvPr id="3" name="内容占位符 2">
-            <a:extLst>
-              <a:ext uri="{FF2B5EF4-FFF2-40B4-BE49-F238E27FC236}">
-                <a16:creationId xmlns:a16="http://schemas.microsoft.com/office/drawing/2014/main" id="{79229DC0-61D0-42B7-AA10-67AB29ED690A}"/>
-              </a:ext>
-            </a:extLst>
-          </p:cNvPr>
-          <p:cNvSpPr>
-            <a:spLocks noGrp="1"/>
-          </p:cNvSpPr>
-          <p:nvPr>
-            <p:ph idx="1"/>
-          </p:nvPr>
-        </p:nvSpPr>
-        <p:spPr>
-          <a:xfrm>
-            <a:off x="1154954" y="2603500"/>
-            <a:ext cx="9641383" cy="3416300"/>
-          </a:xfrm>
-        </p:spPr>
-        <p:txBody>
-          <a:bodyPr>
-            <a:normAutofit/>
-          </a:bodyPr>
-          <a:lstStyle/>
-          <a:p>
-            <a:pPr marL="0" indent="0">
-              <a:buNone/>
-            </a:pPr>
-            <a:r>
-              <a:rPr lang="en-US" altLang="zh-CN" sz="2400" dirty="0"/>
-              <a:t>Example:</a:t>
-            </a:r>
-          </a:p>
-          <a:p>
-            <a:pPr marL="0" indent="0">
-              <a:buNone/>
-            </a:pPr>
-            <a:r>
-              <a:rPr lang="en-US" altLang="zh-CN" sz="2400" dirty="0"/>
-              <a:t>23!</a:t>
-            </a:r>
-          </a:p>
-          <a:p>
-            <a:pPr marL="0" indent="0">
-              <a:buNone/>
-            </a:pPr>
-            <a:r>
-              <a:rPr lang="en-US" altLang="zh-CN" sz="2400" dirty="0"/>
-              <a:t>1*2*3*4*5*6*7*8</a:t>
-            </a:r>
-            <a:r>
-              <a:rPr lang="zh-CN" altLang="en-US" sz="2400" dirty="0"/>
-              <a:t>*</a:t>
-            </a:r>
-            <a:r>
-              <a:rPr lang="en-US" altLang="zh-CN" sz="2400" dirty="0"/>
-              <a:t>9</a:t>
-            </a:r>
-            <a:r>
-              <a:rPr lang="zh-CN" altLang="en-US" sz="2400" dirty="0"/>
-              <a:t>*</a:t>
-            </a:r>
-            <a:r>
-              <a:rPr lang="en-US" altLang="zh-CN" sz="2400" dirty="0"/>
-              <a:t>10</a:t>
-            </a:r>
-            <a:r>
-              <a:rPr lang="zh-CN" altLang="en-US" sz="2400" dirty="0"/>
-              <a:t>*</a:t>
-            </a:r>
-            <a:r>
-              <a:rPr lang="en-US" altLang="zh-CN" sz="2400" dirty="0"/>
-              <a:t>11</a:t>
-            </a:r>
-            <a:r>
-              <a:rPr lang="zh-CN" altLang="en-US" sz="2400" dirty="0"/>
-              <a:t>*</a:t>
-            </a:r>
-            <a:r>
-              <a:rPr lang="en-US" altLang="zh-CN" sz="2400" dirty="0"/>
-              <a:t>12</a:t>
-            </a:r>
-            <a:r>
-              <a:rPr lang="zh-CN" altLang="en-US" sz="2400" dirty="0"/>
-              <a:t>*</a:t>
-            </a:r>
-            <a:r>
-              <a:rPr lang="en-US" altLang="zh-CN" sz="2400" dirty="0"/>
-              <a:t>13</a:t>
-            </a:r>
-            <a:r>
-              <a:rPr lang="zh-CN" altLang="en-US" sz="2400" dirty="0"/>
-              <a:t>*</a:t>
-            </a:r>
-            <a:r>
-              <a:rPr lang="en-US" altLang="zh-CN" sz="2400" dirty="0"/>
-              <a:t>14</a:t>
-            </a:r>
-            <a:r>
-              <a:rPr lang="zh-CN" altLang="en-US" sz="2400" dirty="0"/>
-              <a:t>*</a:t>
-            </a:r>
-            <a:r>
-              <a:rPr lang="en-US" altLang="zh-CN" sz="2400" dirty="0"/>
-              <a:t>15</a:t>
-            </a:r>
-            <a:r>
-              <a:rPr lang="zh-CN" altLang="en-US" sz="2400" dirty="0"/>
-              <a:t>*</a:t>
-            </a:r>
-            <a:r>
-              <a:rPr lang="en-US" altLang="zh-CN" sz="2400" dirty="0"/>
-              <a:t>16</a:t>
-            </a:r>
-            <a:r>
-              <a:rPr lang="zh-CN" altLang="en-US" sz="2400" dirty="0"/>
-              <a:t>*</a:t>
-            </a:r>
-            <a:r>
-              <a:rPr lang="en-US" altLang="zh-CN" sz="2400" dirty="0"/>
-              <a:t>17</a:t>
-            </a:r>
-            <a:r>
-              <a:rPr lang="zh-CN" altLang="en-US" sz="2400" dirty="0"/>
-              <a:t>*</a:t>
-            </a:r>
-            <a:r>
-              <a:rPr lang="en-US" altLang="zh-CN" sz="2400" dirty="0"/>
-              <a:t>18</a:t>
-            </a:r>
-            <a:r>
-              <a:rPr lang="zh-CN" altLang="en-US" sz="2400" dirty="0"/>
-              <a:t>*</a:t>
-            </a:r>
-            <a:r>
-              <a:rPr lang="en-US" altLang="zh-CN" sz="2400" dirty="0"/>
-              <a:t>19</a:t>
-            </a:r>
-            <a:r>
-              <a:rPr lang="zh-CN" altLang="en-US" sz="2400" dirty="0"/>
-              <a:t>*</a:t>
-            </a:r>
-            <a:r>
-              <a:rPr lang="en-US" altLang="zh-CN" sz="2400" dirty="0"/>
-              <a:t>20</a:t>
-            </a:r>
-            <a:r>
-              <a:rPr lang="zh-CN" altLang="en-US" sz="2400" dirty="0"/>
-              <a:t>*</a:t>
-            </a:r>
-            <a:r>
-              <a:rPr lang="en-US" altLang="zh-CN" sz="2400" dirty="0"/>
-              <a:t>21</a:t>
-            </a:r>
-            <a:r>
-              <a:rPr lang="zh-CN" altLang="en-US" sz="2400" dirty="0"/>
-              <a:t>*</a:t>
-            </a:r>
-            <a:r>
-              <a:rPr lang="en-US" altLang="zh-CN" sz="2400" dirty="0"/>
-              <a:t>22</a:t>
-            </a:r>
-            <a:r>
-              <a:rPr lang="zh-CN" altLang="en-US" sz="2400" dirty="0"/>
-              <a:t>*</a:t>
-            </a:r>
-            <a:r>
-              <a:rPr lang="en-US" altLang="zh-CN" sz="2400" dirty="0"/>
-              <a:t>23</a:t>
-            </a:r>
-          </a:p>
-          <a:p>
-            <a:pPr marL="0" indent="0">
-              <a:buNone/>
-            </a:pPr>
-            <a:r>
-              <a:rPr lang="en-US" altLang="zh-CN" sz="2400" dirty="0"/>
-              <a:t>1*2*3*4*</a:t>
-            </a:r>
-            <a:r>
-              <a:rPr lang="en-US" altLang="zh-CN" sz="2400" dirty="0">
-                <a:highlight>
-                  <a:srgbClr val="FF0000"/>
-                </a:highlight>
-              </a:rPr>
-              <a:t>5</a:t>
-            </a:r>
-            <a:r>
-              <a:rPr lang="en-US" altLang="zh-CN" sz="2400" dirty="0"/>
-              <a:t>*6*7*8</a:t>
-            </a:r>
-            <a:r>
-              <a:rPr lang="zh-CN" altLang="en-US" sz="2400" dirty="0"/>
-              <a:t>*</a:t>
-            </a:r>
-            <a:r>
-              <a:rPr lang="en-US" altLang="zh-CN" sz="2400" dirty="0"/>
-              <a:t>9</a:t>
-            </a:r>
-            <a:r>
-              <a:rPr lang="zh-CN" altLang="en-US" sz="2400" dirty="0"/>
-              <a:t>*</a:t>
-            </a:r>
-            <a:r>
-              <a:rPr lang="en-US" altLang="zh-CN" sz="2400" dirty="0">
-                <a:highlight>
-                  <a:srgbClr val="FF0000"/>
-                </a:highlight>
-              </a:rPr>
-              <a:t>10</a:t>
-            </a:r>
-            <a:r>
-              <a:rPr lang="zh-CN" altLang="en-US" sz="2400" dirty="0"/>
-              <a:t>*</a:t>
-            </a:r>
-            <a:r>
-              <a:rPr lang="en-US" altLang="zh-CN" sz="2400" dirty="0"/>
-              <a:t>11</a:t>
-            </a:r>
-            <a:r>
-              <a:rPr lang="zh-CN" altLang="en-US" sz="2400" dirty="0"/>
-              <a:t>*</a:t>
-            </a:r>
-            <a:r>
-              <a:rPr lang="en-US" altLang="zh-CN" sz="2400" dirty="0"/>
-              <a:t>12</a:t>
-            </a:r>
-            <a:r>
-              <a:rPr lang="zh-CN" altLang="en-US" sz="2400" dirty="0"/>
-              <a:t>*</a:t>
-            </a:r>
-            <a:r>
-              <a:rPr lang="en-US" altLang="zh-CN" sz="2400" dirty="0"/>
-              <a:t>13</a:t>
-            </a:r>
-            <a:r>
-              <a:rPr lang="zh-CN" altLang="en-US" sz="2400" dirty="0"/>
-              <a:t>*</a:t>
-            </a:r>
-            <a:r>
-              <a:rPr lang="en-US" altLang="zh-CN" sz="2400" dirty="0"/>
-              <a:t>14</a:t>
-            </a:r>
-            <a:r>
-              <a:rPr lang="zh-CN" altLang="en-US" sz="2400" dirty="0"/>
-              <a:t>*</a:t>
-            </a:r>
-            <a:r>
-              <a:rPr lang="en-US" altLang="zh-CN" sz="2400" dirty="0">
-                <a:highlight>
-                  <a:srgbClr val="FF0000"/>
-                </a:highlight>
-              </a:rPr>
-              <a:t>15</a:t>
-            </a:r>
-            <a:r>
-              <a:rPr lang="zh-CN" altLang="en-US" sz="2400" dirty="0"/>
-              <a:t>*</a:t>
-            </a:r>
-            <a:r>
-              <a:rPr lang="en-US" altLang="zh-CN" sz="2400" dirty="0"/>
-              <a:t>16</a:t>
-            </a:r>
-            <a:r>
-              <a:rPr lang="zh-CN" altLang="en-US" sz="2400" dirty="0"/>
-              <a:t>*</a:t>
-            </a:r>
-            <a:r>
-              <a:rPr lang="en-US" altLang="zh-CN" sz="2400" dirty="0"/>
-              <a:t>17</a:t>
-            </a:r>
-            <a:r>
-              <a:rPr lang="zh-CN" altLang="en-US" sz="2400" dirty="0"/>
-              <a:t>*</a:t>
-            </a:r>
-            <a:r>
-              <a:rPr lang="en-US" altLang="zh-CN" sz="2400" dirty="0"/>
-              <a:t>18</a:t>
-            </a:r>
-            <a:r>
-              <a:rPr lang="zh-CN" altLang="en-US" sz="2400" dirty="0"/>
-              <a:t>*</a:t>
-            </a:r>
-            <a:r>
-              <a:rPr lang="en-US" altLang="zh-CN" sz="2400" dirty="0"/>
-              <a:t>19</a:t>
-            </a:r>
-            <a:r>
-              <a:rPr lang="zh-CN" altLang="en-US" sz="2400" dirty="0"/>
-              <a:t>*</a:t>
-            </a:r>
-            <a:r>
-              <a:rPr lang="en-US" altLang="zh-CN" sz="2400" dirty="0">
-                <a:highlight>
-                  <a:srgbClr val="FF0000"/>
-                </a:highlight>
-              </a:rPr>
-              <a:t>20</a:t>
-            </a:r>
-            <a:r>
-              <a:rPr lang="zh-CN" altLang="en-US" sz="2400" dirty="0"/>
-              <a:t>*</a:t>
-            </a:r>
-            <a:r>
-              <a:rPr lang="en-US" altLang="zh-CN" sz="2400" dirty="0"/>
-              <a:t>21</a:t>
-            </a:r>
-            <a:r>
-              <a:rPr lang="zh-CN" altLang="en-US" sz="2400" dirty="0"/>
-              <a:t>*</a:t>
-            </a:r>
-            <a:r>
-              <a:rPr lang="en-US" altLang="zh-CN" sz="2400" dirty="0"/>
-              <a:t>22</a:t>
-            </a:r>
-            <a:r>
-              <a:rPr lang="zh-CN" altLang="en-US" sz="2400" dirty="0"/>
-              <a:t>*</a:t>
-            </a:r>
-            <a:r>
-              <a:rPr lang="en-US" altLang="zh-CN" sz="2400" dirty="0"/>
-              <a:t>23</a:t>
-            </a:r>
-          </a:p>
-          <a:p>
-            <a:pPr marL="0" indent="0">
-              <a:buNone/>
-            </a:pPr>
-            <a:r>
-              <a:rPr lang="en-US" altLang="zh-CN" sz="2400" dirty="0"/>
-              <a:t>              5               2</a:t>
-            </a:r>
-            <a:r>
-              <a:rPr lang="zh-CN" altLang="en-US" sz="2400" dirty="0"/>
-              <a:t>*</a:t>
-            </a:r>
-            <a:r>
-              <a:rPr lang="en-US" altLang="zh-CN" sz="2400" dirty="0"/>
-              <a:t>5                      3</a:t>
-            </a:r>
-            <a:r>
-              <a:rPr lang="zh-CN" altLang="en-US" sz="2400" dirty="0"/>
-              <a:t>*</a:t>
-            </a:r>
-            <a:r>
-              <a:rPr lang="en-US" altLang="zh-CN" sz="2400" dirty="0"/>
-              <a:t>5                     2</a:t>
-            </a:r>
-            <a:r>
-              <a:rPr lang="zh-CN" altLang="en-US" sz="2400" dirty="0"/>
-              <a:t>*</a:t>
-            </a:r>
-            <a:r>
-              <a:rPr lang="en-US" altLang="zh-CN" sz="2400" dirty="0"/>
-              <a:t>2</a:t>
-            </a:r>
-            <a:r>
-              <a:rPr lang="zh-CN" altLang="en-US" sz="2400" dirty="0"/>
-              <a:t>*</a:t>
-            </a:r>
-            <a:r>
-              <a:rPr lang="en-US" altLang="zh-CN" sz="2400" dirty="0"/>
-              <a:t>5</a:t>
-            </a:r>
-          </a:p>
-          <a:p>
-            <a:pPr marL="0" indent="0">
-              <a:buNone/>
-            </a:pPr>
-            <a:endParaRPr lang="en-US" altLang="zh-CN" sz="2400" dirty="0"/>
-          </a:p>
-          <a:p>
-            <a:pPr marL="0" indent="0">
-              <a:buNone/>
-            </a:pPr>
-            <a:r>
-              <a:rPr lang="en-US" altLang="zh-CN" sz="2400" dirty="0"/>
-              <a:t>Simple solution is calculate floor(n/5)</a:t>
-            </a:r>
-          </a:p>
-        </p:txBody>
-      </p:sp>
-    </p:spTree>
-    <p:extLst>
-      <p:ext uri="{BB962C8B-B14F-4D97-AF65-F5344CB8AC3E}">
-        <p14:creationId xmlns:p14="http://schemas.microsoft.com/office/powerpoint/2010/main" val="2365964779"/>
-      </p:ext>
-    </p:extLst>
-  </p:cSld>
-  <p:clrMapOvr>
-    <a:masterClrMapping/>
-  </p:clrMapOvr>
-</p:sld>
-</file>
-
-<file path=ppt/slides/slide5.xml><?xml version="1.0" encoding="utf-8"?>
-<p:sld xmlns:a="http://schemas.openxmlformats.org/drawingml/2006/main" xmlns:r="http://schemas.openxmlformats.org/officeDocument/2006/relationships" xmlns:p="http://schemas.openxmlformats.org/presentationml/2006/main">
-  <p:cSld>
-    <p:spTree>
-      <p:nvGrpSpPr>
-        <p:cNvPr id="1" name=""/>
-        <p:cNvGrpSpPr/>
-        <p:nvPr/>
-      </p:nvGrpSpPr>
-      <p:grpSpPr>
-        <a:xfrm>
-          <a:off x="0" y="0"/>
-          <a:ext cx="0" cy="0"/>
-          <a:chOff x="0" y="0"/>
-          <a:chExt cx="0" cy="0"/>
-        </a:xfrm>
-      </p:grpSpPr>
-      <p:sp>
-        <p:nvSpPr>
-          <p:cNvPr id="2" name="标题 1">
-            <a:extLst>
-              <a:ext uri="{FF2B5EF4-FFF2-40B4-BE49-F238E27FC236}">
-                <a16:creationId xmlns:a16="http://schemas.microsoft.com/office/drawing/2014/main" id="{A09AB635-D708-42CC-BF70-5265AABE3517}"/>
-              </a:ext>
-            </a:extLst>
-          </p:cNvPr>
-          <p:cNvSpPr>
-            <a:spLocks noGrp="1"/>
-          </p:cNvSpPr>
-          <p:nvPr>
-            <p:ph type="title"/>
-          </p:nvPr>
-        </p:nvSpPr>
-        <p:spPr/>
-        <p:txBody>
-          <a:bodyPr/>
-          <a:lstStyle/>
-          <a:p>
-            <a:pPr algn="ctr"/>
-            <a:r>
-              <a:rPr lang="en-US" altLang="zh-CN" dirty="0"/>
-              <a:t>Solution 2</a:t>
-            </a:r>
-            <a:endParaRPr lang="zh-CN" altLang="en-US" dirty="0"/>
-          </a:p>
-        </p:txBody>
-      </p:sp>
-      <p:sp>
-        <p:nvSpPr>
-          <p:cNvPr id="3" name="内容占位符 2">
-            <a:extLst>
-              <a:ext uri="{FF2B5EF4-FFF2-40B4-BE49-F238E27FC236}">
-                <a16:creationId xmlns:a16="http://schemas.microsoft.com/office/drawing/2014/main" id="{E2BC1BCC-0D75-4719-96FA-63D8F48D0CD1}"/>
-              </a:ext>
-            </a:extLst>
-          </p:cNvPr>
-          <p:cNvSpPr>
-            <a:spLocks noGrp="1"/>
-          </p:cNvSpPr>
-          <p:nvPr>
-            <p:ph idx="1"/>
-          </p:nvPr>
-        </p:nvSpPr>
-        <p:spPr>
-          <a:xfrm>
-            <a:off x="866235" y="2787984"/>
-            <a:ext cx="10459530" cy="3416300"/>
-          </a:xfrm>
-        </p:spPr>
-        <p:txBody>
-          <a:bodyPr>
-            <a:normAutofit/>
-          </a:bodyPr>
-          <a:lstStyle/>
-          <a:p>
-            <a:pPr marL="0" indent="0">
-              <a:buNone/>
-            </a:pPr>
-            <a:r>
-              <a:rPr lang="en-US" altLang="zh-CN" sz="2400" dirty="0"/>
-              <a:t>How about numbers that greater than 25!, 125!, 625! ….?</a:t>
-            </a:r>
-          </a:p>
-          <a:p>
-            <a:pPr marL="0" indent="0">
-              <a:buNone/>
-            </a:pPr>
-            <a:r>
-              <a:rPr lang="en-US" altLang="zh-CN" sz="2400" dirty="0"/>
-              <a:t>25!</a:t>
-            </a:r>
-          </a:p>
-          <a:p>
-            <a:pPr marL="0" indent="0">
-              <a:buNone/>
-            </a:pPr>
-            <a:r>
-              <a:rPr lang="en-US" altLang="zh-CN" sz="2400" dirty="0"/>
-              <a:t>1*2*3*4*</a:t>
-            </a:r>
-            <a:r>
-              <a:rPr lang="en-US" altLang="zh-CN" sz="2400" dirty="0">
-                <a:highlight>
-                  <a:srgbClr val="FF0000"/>
-                </a:highlight>
-              </a:rPr>
-              <a:t>5</a:t>
-            </a:r>
-            <a:r>
-              <a:rPr lang="en-US" altLang="zh-CN" sz="2400" dirty="0"/>
-              <a:t>*6*7*8</a:t>
-            </a:r>
-            <a:r>
-              <a:rPr lang="zh-CN" altLang="en-US" sz="2400" dirty="0"/>
-              <a:t>*</a:t>
-            </a:r>
-            <a:r>
-              <a:rPr lang="en-US" altLang="zh-CN" sz="2400" dirty="0"/>
-              <a:t>9</a:t>
-            </a:r>
-            <a:r>
-              <a:rPr lang="zh-CN" altLang="en-US" sz="2400" dirty="0"/>
-              <a:t>*</a:t>
-            </a:r>
-            <a:r>
-              <a:rPr lang="en-US" altLang="zh-CN" sz="2400" dirty="0">
-                <a:highlight>
-                  <a:srgbClr val="FF0000"/>
-                </a:highlight>
-              </a:rPr>
-              <a:t>10</a:t>
-            </a:r>
-            <a:r>
-              <a:rPr lang="zh-CN" altLang="en-US" sz="2400" dirty="0"/>
-              <a:t>*</a:t>
-            </a:r>
-            <a:r>
-              <a:rPr lang="en-US" altLang="zh-CN" sz="2400" dirty="0"/>
-              <a:t>11</a:t>
-            </a:r>
-            <a:r>
-              <a:rPr lang="zh-CN" altLang="en-US" sz="2400" dirty="0"/>
-              <a:t>*</a:t>
-            </a:r>
-            <a:r>
-              <a:rPr lang="en-US" altLang="zh-CN" sz="2400" dirty="0"/>
-              <a:t>12</a:t>
-            </a:r>
-            <a:r>
-              <a:rPr lang="zh-CN" altLang="en-US" sz="2400" dirty="0"/>
-              <a:t>*</a:t>
-            </a:r>
-            <a:r>
-              <a:rPr lang="en-US" altLang="zh-CN" sz="2400" dirty="0"/>
-              <a:t>13</a:t>
-            </a:r>
-            <a:r>
-              <a:rPr lang="zh-CN" altLang="en-US" sz="2400" dirty="0"/>
-              <a:t>*</a:t>
-            </a:r>
-            <a:r>
-              <a:rPr lang="en-US" altLang="zh-CN" sz="2400" dirty="0"/>
-              <a:t>14</a:t>
-            </a:r>
-            <a:r>
-              <a:rPr lang="zh-CN" altLang="en-US" sz="2400" dirty="0"/>
-              <a:t>*</a:t>
-            </a:r>
-            <a:r>
-              <a:rPr lang="en-US" altLang="zh-CN" sz="2400" dirty="0">
-                <a:highlight>
-                  <a:srgbClr val="FF0000"/>
-                </a:highlight>
-              </a:rPr>
-              <a:t>15</a:t>
-            </a:r>
-            <a:r>
-              <a:rPr lang="zh-CN" altLang="en-US" sz="2400" dirty="0"/>
-              <a:t>*</a:t>
-            </a:r>
-            <a:r>
-              <a:rPr lang="en-US" altLang="zh-CN" sz="2400" dirty="0"/>
-              <a:t>16</a:t>
-            </a:r>
-            <a:r>
-              <a:rPr lang="zh-CN" altLang="en-US" sz="2400" dirty="0"/>
-              <a:t>*</a:t>
-            </a:r>
-            <a:r>
-              <a:rPr lang="en-US" altLang="zh-CN" sz="2400" dirty="0"/>
-              <a:t>17</a:t>
-            </a:r>
-            <a:r>
-              <a:rPr lang="zh-CN" altLang="en-US" sz="2400" dirty="0"/>
-              <a:t>*</a:t>
-            </a:r>
-            <a:r>
-              <a:rPr lang="en-US" altLang="zh-CN" sz="2400" dirty="0"/>
-              <a:t>18</a:t>
-            </a:r>
-            <a:r>
-              <a:rPr lang="zh-CN" altLang="en-US" sz="2400" dirty="0"/>
-              <a:t>*</a:t>
-            </a:r>
-            <a:r>
-              <a:rPr lang="en-US" altLang="zh-CN" sz="2400" dirty="0"/>
-              <a:t>19</a:t>
-            </a:r>
-            <a:r>
-              <a:rPr lang="zh-CN" altLang="en-US" sz="2400" dirty="0"/>
-              <a:t>*</a:t>
-            </a:r>
-            <a:r>
-              <a:rPr lang="en-US" altLang="zh-CN" sz="2400" dirty="0">
-                <a:highlight>
-                  <a:srgbClr val="FF0000"/>
-                </a:highlight>
-              </a:rPr>
-              <a:t>20</a:t>
-            </a:r>
-            <a:r>
-              <a:rPr lang="zh-CN" altLang="en-US" sz="2400" dirty="0"/>
-              <a:t>*</a:t>
-            </a:r>
-            <a:r>
-              <a:rPr lang="en-US" altLang="zh-CN" sz="2400" dirty="0"/>
-              <a:t>21</a:t>
-            </a:r>
-            <a:r>
-              <a:rPr lang="zh-CN" altLang="en-US" sz="2400" dirty="0"/>
-              <a:t>*</a:t>
-            </a:r>
-            <a:r>
-              <a:rPr lang="en-US" altLang="zh-CN" sz="2400" dirty="0"/>
-              <a:t>22</a:t>
-            </a:r>
-            <a:r>
-              <a:rPr lang="zh-CN" altLang="en-US" sz="2400" dirty="0"/>
-              <a:t>*</a:t>
-            </a:r>
-            <a:r>
-              <a:rPr lang="en-US" altLang="zh-CN" sz="2400" dirty="0"/>
-              <a:t>23*24*</a:t>
-            </a:r>
-            <a:r>
-              <a:rPr lang="en-US" altLang="zh-CN" sz="2400" dirty="0">
-                <a:highlight>
-                  <a:srgbClr val="FF0000"/>
-                </a:highlight>
-              </a:rPr>
-              <a:t>25</a:t>
-            </a:r>
-          </a:p>
-          <a:p>
-            <a:pPr marL="0" indent="0">
-              <a:buNone/>
-            </a:pPr>
-            <a:r>
-              <a:rPr lang="en-US" altLang="zh-CN" sz="2400" dirty="0"/>
-              <a:t>              5               2</a:t>
-            </a:r>
-            <a:r>
-              <a:rPr lang="zh-CN" altLang="en-US" sz="2400" dirty="0"/>
-              <a:t>*</a:t>
-            </a:r>
-            <a:r>
-              <a:rPr lang="en-US" altLang="zh-CN" sz="2400" dirty="0"/>
-              <a:t>5                      3</a:t>
-            </a:r>
-            <a:r>
-              <a:rPr lang="zh-CN" altLang="en-US" sz="2400" dirty="0"/>
-              <a:t>*</a:t>
-            </a:r>
-            <a:r>
-              <a:rPr lang="en-US" altLang="zh-CN" sz="2400" dirty="0"/>
-              <a:t>5                     2</a:t>
-            </a:r>
-            <a:r>
-              <a:rPr lang="zh-CN" altLang="en-US" sz="2400" dirty="0"/>
-              <a:t>*</a:t>
-            </a:r>
-            <a:r>
-              <a:rPr lang="en-US" altLang="zh-CN" sz="2400" dirty="0"/>
-              <a:t>2</a:t>
-            </a:r>
-            <a:r>
-              <a:rPr lang="zh-CN" altLang="en-US" sz="2400" dirty="0"/>
-              <a:t>*</a:t>
-            </a:r>
-            <a:r>
-              <a:rPr lang="en-US" altLang="zh-CN" sz="2400" dirty="0"/>
-              <a:t>5                    5*5</a:t>
-            </a:r>
-          </a:p>
-          <a:p>
-            <a:pPr marL="0" indent="0">
-              <a:buNone/>
-            </a:pPr>
-            <a:endParaRPr lang="en-US" altLang="zh-CN" sz="2400" dirty="0"/>
-          </a:p>
-          <a:p>
-            <a:pPr marL="0" indent="0">
-              <a:buNone/>
-            </a:pPr>
-            <a:r>
-              <a:rPr lang="en-US" altLang="zh-CN" sz="2400" dirty="0"/>
-              <a:t>Floor(25/5) equals 5, but we have 6 factors of “5”</a:t>
-            </a:r>
-          </a:p>
-          <a:p>
-            <a:pPr marL="0" indent="0">
-              <a:buNone/>
-            </a:pPr>
-            <a:endParaRPr lang="en-US" altLang="zh-CN" sz="2400" dirty="0"/>
-          </a:p>
-        </p:txBody>
-      </p:sp>
-    </p:spTree>
-    <p:extLst>
-      <p:ext uri="{BB962C8B-B14F-4D97-AF65-F5344CB8AC3E}">
-        <p14:creationId xmlns:p14="http://schemas.microsoft.com/office/powerpoint/2010/main" val="3870459286"/>
-      </p:ext>
-    </p:extLst>
-  </p:cSld>
-  <p:clrMapOvr>
-    <a:masterClrMapping/>
-  </p:clrMapOvr>
-</p:sld>
-</file>
-
-<file path=ppt/slides/slide6.xml><?xml version="1.0" encoding="utf-8"?>
-<p:sld xmlns:a="http://schemas.openxmlformats.org/drawingml/2006/main" xmlns:r="http://schemas.openxmlformats.org/officeDocument/2006/relationships" xmlns:p="http://schemas.openxmlformats.org/presentationml/2006/main">
-  <p:cSld>
-    <p:spTree>
-      <p:nvGrpSpPr>
-        <p:cNvPr id="1" name=""/>
-        <p:cNvGrpSpPr/>
-        <p:nvPr/>
-      </p:nvGrpSpPr>
-      <p:grpSpPr>
-        <a:xfrm>
-          <a:off x="0" y="0"/>
-          <a:ext cx="0" cy="0"/>
-          <a:chOff x="0" y="0"/>
-          <a:chExt cx="0" cy="0"/>
-        </a:xfrm>
-      </p:grpSpPr>
-      <p:sp>
-        <p:nvSpPr>
-          <p:cNvPr id="2" name="标题 1">
-            <a:extLst>
-              <a:ext uri="{FF2B5EF4-FFF2-40B4-BE49-F238E27FC236}">
-                <a16:creationId xmlns:a16="http://schemas.microsoft.com/office/drawing/2014/main" id="{EA7BD9A9-A5C4-48FD-8D07-BEACE0FBD8C4}"/>
-              </a:ext>
-            </a:extLst>
-          </p:cNvPr>
-          <p:cNvSpPr>
-            <a:spLocks noGrp="1"/>
-          </p:cNvSpPr>
-          <p:nvPr>
-            <p:ph type="title"/>
-          </p:nvPr>
-        </p:nvSpPr>
-        <p:spPr/>
-        <p:txBody>
-          <a:bodyPr/>
-          <a:lstStyle/>
-          <a:p>
-            <a:pPr algn="ctr"/>
-            <a:r>
-              <a:rPr lang="en-US" altLang="zh-CN" dirty="0"/>
-              <a:t>Solution 2</a:t>
-            </a:r>
-            <a:endParaRPr lang="zh-CN" altLang="en-US" dirty="0"/>
-          </a:p>
-        </p:txBody>
-      </p:sp>
-      <p:sp>
-        <p:nvSpPr>
-          <p:cNvPr id="3" name="内容占位符 2">
-            <a:extLst>
-              <a:ext uri="{FF2B5EF4-FFF2-40B4-BE49-F238E27FC236}">
-                <a16:creationId xmlns:a16="http://schemas.microsoft.com/office/drawing/2014/main" id="{1CDEF632-0B04-4724-B81B-F4B06745B97A}"/>
-              </a:ext>
-            </a:extLst>
-          </p:cNvPr>
-          <p:cNvSpPr>
-            <a:spLocks noGrp="1"/>
-          </p:cNvSpPr>
-          <p:nvPr>
-            <p:ph idx="1"/>
-          </p:nvPr>
-        </p:nvSpPr>
-        <p:spPr>
-          <a:xfrm>
-            <a:off x="1154953" y="2603500"/>
-            <a:ext cx="9890035" cy="3416300"/>
-          </a:xfrm>
-        </p:spPr>
-        <p:txBody>
-          <a:bodyPr>
-            <a:normAutofit/>
-          </a:bodyPr>
-          <a:lstStyle/>
-          <a:p>
-            <a:pPr marL="0" indent="0">
-              <a:buNone/>
-            </a:pPr>
-            <a:r>
-              <a:rPr lang="en-US" altLang="zh-CN" sz="2400" dirty="0" err="1"/>
-              <a:t>int</a:t>
-            </a:r>
-            <a:r>
-              <a:rPr lang="en-US" altLang="zh-CN" sz="2400" dirty="0"/>
-              <a:t> count = 0;</a:t>
-            </a:r>
-          </a:p>
-          <a:p>
-            <a:pPr marL="0" indent="0">
-              <a:buNone/>
-            </a:pPr>
-            <a:endParaRPr lang="en-US" altLang="zh-CN" dirty="0"/>
-          </a:p>
-          <a:p>
-            <a:pPr marL="0" indent="0">
-              <a:buNone/>
-            </a:pPr>
-            <a:r>
-              <a:rPr lang="en-US" altLang="zh-CN" sz="2400" dirty="0"/>
-              <a:t>for (</a:t>
-            </a:r>
-            <a:r>
-              <a:rPr lang="en-US" altLang="zh-CN" sz="2400" dirty="0" err="1"/>
-              <a:t>int</a:t>
-            </a:r>
-            <a:r>
-              <a:rPr lang="en-US" altLang="zh-CN" sz="2400" dirty="0"/>
-              <a:t> </a:t>
-            </a:r>
-            <a:r>
-              <a:rPr lang="en-US" altLang="zh-CN" sz="2400" dirty="0" err="1"/>
-              <a:t>i</a:t>
-            </a:r>
-            <a:r>
-              <a:rPr lang="en-US" altLang="zh-CN" sz="2400" dirty="0"/>
-              <a:t> = 5; n/</a:t>
-            </a:r>
-            <a:r>
-              <a:rPr lang="en-US" altLang="zh-CN" sz="2400" dirty="0" err="1"/>
-              <a:t>i</a:t>
-            </a:r>
-            <a:r>
-              <a:rPr lang="en-US" altLang="zh-CN" sz="2400" dirty="0"/>
-              <a:t> &gt;= 1; </a:t>
-            </a:r>
-            <a:r>
-              <a:rPr lang="en-US" altLang="zh-CN" sz="2400" dirty="0" err="1"/>
-              <a:t>i</a:t>
-            </a:r>
-            <a:r>
-              <a:rPr lang="en-US" altLang="zh-CN" sz="2400" dirty="0"/>
-              <a:t> *=5){</a:t>
-            </a:r>
-          </a:p>
-          <a:p>
-            <a:pPr marL="0" indent="0">
-              <a:buNone/>
-            </a:pPr>
-            <a:r>
-              <a:rPr lang="en-US" altLang="zh-CN" sz="2400" dirty="0"/>
-              <a:t>     count += n/</a:t>
-            </a:r>
-            <a:r>
-              <a:rPr lang="en-US" altLang="zh-CN" sz="2400" dirty="0" err="1"/>
-              <a:t>i</a:t>
-            </a:r>
-            <a:endParaRPr lang="en-US" altLang="zh-CN" sz="2400" dirty="0"/>
-          </a:p>
-          <a:p>
-            <a:pPr marL="0" indent="0">
-              <a:buNone/>
-            </a:pPr>
-            <a:r>
-              <a:rPr lang="en-US" altLang="zh-CN" sz="2400" dirty="0"/>
-              <a:t>}</a:t>
-            </a:r>
-          </a:p>
-          <a:p>
-            <a:pPr marL="0" indent="0">
-              <a:buNone/>
-            </a:pPr>
-            <a:endParaRPr lang="en-US" altLang="zh-CN" sz="2400" dirty="0"/>
-          </a:p>
-          <a:p>
-            <a:pPr marL="0" indent="0">
-              <a:buNone/>
-            </a:pPr>
-            <a:r>
-              <a:rPr lang="en-US" altLang="zh-CN" sz="2400" dirty="0"/>
-              <a:t>First divided by 5, then remove all single 5, then divided by 25…..</a:t>
-            </a:r>
-            <a:endParaRPr lang="zh-CN" altLang="en-US" sz="2400" dirty="0"/>
-          </a:p>
-        </p:txBody>
-      </p:sp>
-    </p:spTree>
-    <p:extLst>
-      <p:ext uri="{BB962C8B-B14F-4D97-AF65-F5344CB8AC3E}">
-        <p14:creationId xmlns:p14="http://schemas.microsoft.com/office/powerpoint/2010/main" val="238392153"/>
       </p:ext>
     </p:extLst>
   </p:cSld>

--- a/Docs/Advance programming PPT.pptx
+++ b/Docs/Advance programming PPT.pptx
@@ -14415,14 +14415,24 @@
             <p:ph type="title"/>
           </p:nvPr>
         </p:nvSpPr>
-        <p:spPr/>
+        <p:spPr>
+          <a:xfrm>
+            <a:off x="1154954" y="973668"/>
+            <a:ext cx="8761413" cy="706964"/>
+          </a:xfrm>
+        </p:spPr>
         <p:txBody>
           <a:bodyPr/>
           <a:lstStyle/>
           <a:p>
+            <a:pPr algn="ctr"/>
+            <a:r>
+              <a:rPr lang="en-US" altLang="zh-CN" dirty="0"/>
+              <a:t>Solution</a:t>
+            </a:r>
             <a:r>
               <a:rPr lang="en-CA" dirty="0"/>
-              <a:t>Method 1</a:t>
+              <a:t> 1</a:t>
             </a:r>
           </a:p>
         </p:txBody>
@@ -14516,7 +14526,7 @@
             </a:pPr>
             <a:r>
               <a:rPr lang="en-CA" dirty="0"/>
-              <a:t>	      5! = 5 * 4 * 3 * 2 * 1.</a:t>
+              <a:t>	     5! = 5 * 4 * 3 * 2 * 1</a:t>
             </a:r>
           </a:p>
           <a:p>
@@ -14525,7 +14535,7 @@
             </a:pPr>
             <a:r>
               <a:rPr lang="en-CA" dirty="0"/>
-              <a:t>	      2000! = 2000 * 1999 * 1998 *……4 * 3 * 2 * 1.</a:t>
+              <a:t>	     2000! = 2000 * 1999 * 1998 *……4 * 3 * 2 * 1</a:t>
             </a:r>
           </a:p>
           <a:p>
@@ -14590,7 +14600,7 @@
         </p:spPr>
         <p:txBody>
           <a:bodyPr>
-            <a:normAutofit fontScale="85000" lnSpcReduction="20000"/>
+            <a:normAutofit fontScale="92500" lnSpcReduction="20000"/>
           </a:bodyPr>
           <a:lstStyle/>
           <a:p>
@@ -14725,108 +14735,13 @@
                   </a:schemeClr>
                 </a:solidFill>
               </a:rPr>
-              <a:t>                </a:t>
+              <a:t>               Simple and Fast way is using recursion.</a:t>
             </a:r>
           </a:p>
           <a:p>
             <a:pPr marL="0" indent="0">
               <a:buNone/>
             </a:pPr>
-            <a:r>
-              <a:rPr lang="en-CA" dirty="0">
-                <a:solidFill>
-                  <a:schemeClr val="tx1">
-                    <a:lumMod val="95000"/>
-                    <a:lumOff val="5000"/>
-                  </a:schemeClr>
-                </a:solidFill>
-              </a:rPr>
-              <a:t>   	     Simple and Fast way is using recursion.</a:t>
-            </a:r>
-          </a:p>
-          <a:p>
-            <a:pPr marL="0" indent="0">
-              <a:buNone/>
-            </a:pPr>
-            <a:r>
-              <a:rPr lang="en-CA" dirty="0">
-                <a:solidFill>
-                  <a:schemeClr val="tx1">
-                    <a:lumMod val="95000"/>
-                    <a:lumOff val="5000"/>
-                  </a:schemeClr>
-                </a:solidFill>
-              </a:rPr>
-              <a:t>	 </a:t>
-            </a:r>
-            <a:r>
-              <a:rPr lang="en-CA" dirty="0" err="1">
-                <a:solidFill>
-                  <a:schemeClr val="tx1">
-                    <a:lumMod val="95000"/>
-                    <a:lumOff val="5000"/>
-                  </a:schemeClr>
-                </a:solidFill>
-              </a:rPr>
-              <a:t>int</a:t>
-            </a:r>
-            <a:r>
-              <a:rPr lang="en-CA" dirty="0">
-                <a:solidFill>
-                  <a:schemeClr val="tx1">
-                    <a:lumMod val="95000"/>
-                    <a:lumOff val="5000"/>
-                  </a:schemeClr>
-                </a:solidFill>
-              </a:rPr>
-              <a:t> factorial(</a:t>
-            </a:r>
-            <a:r>
-              <a:rPr lang="en-CA" dirty="0" err="1">
-                <a:solidFill>
-                  <a:schemeClr val="tx1">
-                    <a:lumMod val="95000"/>
-                    <a:lumOff val="5000"/>
-                  </a:schemeClr>
-                </a:solidFill>
-              </a:rPr>
-              <a:t>int</a:t>
-            </a:r>
-            <a:r>
-              <a:rPr lang="en-CA" dirty="0">
-                <a:solidFill>
-                  <a:schemeClr val="tx1">
-                    <a:lumMod val="95000"/>
-                    <a:lumOff val="5000"/>
-                  </a:schemeClr>
-                </a:solidFill>
-              </a:rPr>
-              <a:t> </a:t>
-            </a:r>
-            <a:r>
-              <a:rPr lang="en-CA" dirty="0" err="1">
-                <a:solidFill>
-                  <a:schemeClr val="tx1">
-                    <a:lumMod val="95000"/>
-                    <a:lumOff val="5000"/>
-                  </a:schemeClr>
-                </a:solidFill>
-              </a:rPr>
-              <a:t>num</a:t>
-            </a:r>
-            <a:r>
-              <a:rPr lang="en-CA" dirty="0">
-                <a:solidFill>
-                  <a:schemeClr val="tx1">
-                    <a:lumMod val="95000"/>
-                    <a:lumOff val="5000"/>
-                  </a:schemeClr>
-                </a:solidFill>
-              </a:rPr>
-              <a:t>) {</a:t>
-            </a:r>
-          </a:p>
-          <a:p>
             <a:endParaRPr lang="en-CA" dirty="0">
               <a:solidFill>
                 <a:schemeClr val="tx1">
@@ -14849,7 +14764,7 @@
                   </a:schemeClr>
                 </a:solidFill>
               </a:rPr>
-              <a:t>              if (</a:t>
+              <a:t>	 </a:t>
             </a:r>
             <a:r>
               <a:rPr lang="en-CA" dirty="0" err="1">
@@ -14860,7 +14775,7 @@
                   </a:schemeClr>
                 </a:solidFill>
               </a:rPr>
-              <a:t>num</a:t>
+              <a:t>int</a:t>
             </a:r>
             <a:r>
               <a:rPr lang="en-CA" dirty="0">
@@ -14871,15 +14786,10 @@
                   </a:schemeClr>
                 </a:solidFill>
               </a:rPr>
-              <a:t> == 1)</a:t>
-            </a:r>
-          </a:p>
-          <a:p>
-            <a:pPr marL="0" indent="0">
-              <a:buNone/>
-            </a:pPr>
-            <a:r>
-              <a:rPr lang="en-CA" dirty="0">
+              <a:t> factorial(</a:t>
+            </a:r>
+            <a:r>
+              <a:rPr lang="en-CA" dirty="0" err="1">
                 <a:solidFill>
                   <a:schemeClr val="tx1">
                     <a:lumMod val="95000"/>
@@ -14887,13 +14797,8 @@
                   </a:schemeClr>
                 </a:solidFill>
               </a:rPr>
-              <a:t>             {</a:t>
-            </a:r>
-          </a:p>
-          <a:p>
-            <a:pPr marL="0" indent="0">
-              <a:buNone/>
-            </a:pPr>
+              <a:t>int</a:t>
+            </a:r>
             <a:r>
               <a:rPr lang="en-CA" dirty="0">
                 <a:solidFill>
@@ -14903,15 +14808,10 @@
                   </a:schemeClr>
                 </a:solidFill>
               </a:rPr>
-              <a:t>                     return 1;</a:t>
-            </a:r>
-          </a:p>
-          <a:p>
-            <a:pPr marL="0" indent="0">
-              <a:buNone/>
-            </a:pPr>
-            <a:r>
-              <a:rPr lang="en-CA" dirty="0">
+              <a:t> </a:t>
+            </a:r>
+            <a:r>
+              <a:rPr lang="en-CA" dirty="0" err="1">
                 <a:solidFill>
                   <a:schemeClr val="tx1">
                     <a:lumMod val="95000"/>
@@ -14919,23 +14819,8 @@
                   </a:schemeClr>
                 </a:solidFill>
               </a:rPr>
-              <a:t>              }</a:t>
-            </a:r>
-          </a:p>
-          <a:p>
-            <a:endParaRPr lang="en-CA" dirty="0">
-              <a:solidFill>
-                <a:schemeClr val="tx1">
-                  <a:lumMod val="95000"/>
-                  <a:lumOff val="5000"/>
-                </a:schemeClr>
-              </a:solidFill>
-            </a:endParaRPr>
-          </a:p>
-          <a:p>
-            <a:pPr marL="0" indent="0">
-              <a:buNone/>
-            </a:pPr>
+              <a:t>num</a:t>
+            </a:r>
             <a:r>
               <a:rPr lang="en-CA" dirty="0">
                 <a:solidFill>
@@ -14945,10 +14830,15 @@
                   </a:schemeClr>
                 </a:solidFill>
               </a:rPr>
-              <a:t>               return </a:t>
-            </a:r>
-            <a:r>
-              <a:rPr lang="en-CA" dirty="0" err="1">
+              <a:t>) {</a:t>
+            </a:r>
+          </a:p>
+          <a:p>
+            <a:pPr marL="0" indent="0">
+              <a:buNone/>
+            </a:pPr>
+            <a:r>
+              <a:rPr lang="en-CA" dirty="0">
                 <a:solidFill>
                   <a:schemeClr val="tx1">
                     <a:lumMod val="95000"/>
@@ -14956,10 +14846,10 @@
                   </a:schemeClr>
                 </a:solidFill>
               </a:rPr>
-              <a:t>num</a:t>
-            </a:r>
-            <a:r>
-              <a:rPr lang="en-CA" dirty="0">
+              <a:t>                if (</a:t>
+            </a:r>
+            <a:r>
+              <a:rPr lang="en-CA" dirty="0" err="1">
                 <a:solidFill>
                   <a:schemeClr val="tx1">
                     <a:lumMod val="95000"/>
@@ -14967,13 +14857,8 @@
                   </a:schemeClr>
                 </a:solidFill>
               </a:rPr>
-              <a:t> * factorial(num-1);</a:t>
-            </a:r>
-          </a:p>
-          <a:p>
-            <a:pPr marL="0" indent="0">
-              <a:buNone/>
-            </a:pPr>
+              <a:t>num</a:t>
+            </a:r>
             <a:r>
               <a:rPr lang="en-CA" dirty="0">
                 <a:solidFill>
@@ -14983,7 +14868,109 @@
                   </a:schemeClr>
                 </a:solidFill>
               </a:rPr>
-              <a:t>             } </a:t>
+              <a:t> == 1)</a:t>
+            </a:r>
+          </a:p>
+          <a:p>
+            <a:pPr marL="0" indent="0">
+              <a:buNone/>
+            </a:pPr>
+            <a:r>
+              <a:rPr lang="en-CA" dirty="0">
+                <a:solidFill>
+                  <a:schemeClr val="tx1">
+                    <a:lumMod val="95000"/>
+                    <a:lumOff val="5000"/>
+                  </a:schemeClr>
+                </a:solidFill>
+              </a:rPr>
+              <a:t>                {</a:t>
+            </a:r>
+          </a:p>
+          <a:p>
+            <a:pPr marL="0" indent="0">
+              <a:buNone/>
+            </a:pPr>
+            <a:r>
+              <a:rPr lang="en-CA" dirty="0">
+                <a:solidFill>
+                  <a:schemeClr val="tx1">
+                    <a:lumMod val="95000"/>
+                    <a:lumOff val="5000"/>
+                  </a:schemeClr>
+                </a:solidFill>
+              </a:rPr>
+              <a:t>                     return 1;</a:t>
+            </a:r>
+          </a:p>
+          <a:p>
+            <a:pPr marL="0" indent="0">
+              <a:buNone/>
+            </a:pPr>
+            <a:r>
+              <a:rPr lang="en-CA" dirty="0">
+                <a:solidFill>
+                  <a:schemeClr val="tx1">
+                    <a:lumMod val="95000"/>
+                    <a:lumOff val="5000"/>
+                  </a:schemeClr>
+                </a:solidFill>
+              </a:rPr>
+              <a:t>                }</a:t>
+            </a:r>
+          </a:p>
+          <a:p>
+            <a:pPr marL="0" indent="0">
+              <a:buNone/>
+            </a:pPr>
+            <a:r>
+              <a:rPr lang="en-CA" dirty="0">
+                <a:solidFill>
+                  <a:schemeClr val="tx1">
+                    <a:lumMod val="95000"/>
+                    <a:lumOff val="5000"/>
+                  </a:schemeClr>
+                </a:solidFill>
+              </a:rPr>
+              <a:t>                return </a:t>
+            </a:r>
+            <a:r>
+              <a:rPr lang="en-CA" dirty="0" err="1">
+                <a:solidFill>
+                  <a:schemeClr val="tx1">
+                    <a:lumMod val="95000"/>
+                    <a:lumOff val="5000"/>
+                  </a:schemeClr>
+                </a:solidFill>
+              </a:rPr>
+              <a:t>num</a:t>
+            </a:r>
+            <a:r>
+              <a:rPr lang="en-CA" dirty="0">
+                <a:solidFill>
+                  <a:schemeClr val="tx1">
+                    <a:lumMod val="95000"/>
+                    <a:lumOff val="5000"/>
+                  </a:schemeClr>
+                </a:solidFill>
+              </a:rPr>
+              <a:t> * factorial(num-1);</a:t>
+            </a:r>
+          </a:p>
+          <a:p>
+            <a:pPr marL="0" indent="0">
+              <a:buNone/>
+            </a:pPr>
+            <a:r>
+              <a:rPr lang="en-CA" dirty="0">
+                <a:solidFill>
+                  <a:schemeClr val="tx1">
+                    <a:lumMod val="95000"/>
+                    <a:lumOff val="5000"/>
+                  </a:schemeClr>
+                </a:solidFill>
+              </a:rPr>
+              <a:t>           } </a:t>
             </a:r>
           </a:p>
         </p:txBody>
@@ -15036,13 +15023,13 @@
         </p:nvSpPr>
         <p:spPr>
           <a:xfrm>
-            <a:off x="838200" y="719091"/>
-            <a:ext cx="10515600" cy="5457872"/>
+            <a:off x="838199" y="2318084"/>
+            <a:ext cx="10495547" cy="4186990"/>
           </a:xfrm>
         </p:spPr>
         <p:txBody>
           <a:bodyPr>
-            <a:normAutofit fontScale="92500" lnSpcReduction="10000"/>
+            <a:normAutofit fontScale="85000" lnSpcReduction="20000"/>
           </a:bodyPr>
           <a:lstStyle/>
           <a:p>
@@ -15054,6 +15041,8 @@
                     <a:lumOff val="5000"/>
                   </a:schemeClr>
                 </a:solidFill>
+                <a:latin typeface="+mj-ea"/>
+                <a:ea typeface="+mj-ea"/>
               </a:rPr>
               <a:t>Step 2: </a:t>
             </a:r>
@@ -15065,6 +15054,8 @@
                     <a:lumOff val="5000"/>
                   </a:schemeClr>
                 </a:solidFill>
+                <a:latin typeface="+mj-ea"/>
+                <a:ea typeface="+mj-ea"/>
               </a:rPr>
               <a:t>Calculate the number of trailing zeros in </a:t>
             </a:r>
@@ -15076,6 +15067,8 @@
                     <a:lumOff val="5000"/>
                   </a:schemeClr>
                 </a:solidFill>
+                <a:latin typeface="+mj-ea"/>
+                <a:ea typeface="+mj-ea"/>
               </a:rPr>
               <a:t>n!</a:t>
             </a:r>
@@ -15087,6 +15080,8 @@
                     <a:lumOff val="5000"/>
                   </a:schemeClr>
                 </a:solidFill>
+                <a:latin typeface="+mj-ea"/>
+                <a:ea typeface="+mj-ea"/>
               </a:rPr>
               <a:t> </a:t>
             </a:r>
@@ -15098,6 +15093,8 @@
                     <a:lumOff val="5000"/>
                   </a:schemeClr>
                 </a:solidFill>
+                <a:latin typeface="+mj-ea"/>
+                <a:ea typeface="+mj-ea"/>
               </a:rPr>
               <a:t> </a:t>
             </a:r>
@@ -15114,6 +15111,8 @@
                     <a:lumOff val="5000"/>
                   </a:schemeClr>
                 </a:solidFill>
+                <a:latin typeface="+mj-ea"/>
+                <a:ea typeface="+mj-ea"/>
               </a:rPr>
               <a:t>    	(1)We need to find the rule</a:t>
             </a:r>
@@ -15130,6 +15129,8 @@
                     <a:lumOff val="5000"/>
                   </a:schemeClr>
                 </a:solidFill>
+                <a:latin typeface="+mj-ea"/>
+                <a:ea typeface="+mj-ea"/>
               </a:rPr>
               <a:t>		For example:</a:t>
             </a:r>
@@ -15146,6 +15147,8 @@
                     <a:lumOff val="5000"/>
                   </a:schemeClr>
                 </a:solidFill>
+                <a:latin typeface="+mj-ea"/>
+                <a:ea typeface="+mj-ea"/>
               </a:rPr>
               <a:t>		        1 / 10 = 0……1</a:t>
             </a:r>
@@ -15162,6 +15165,8 @@
                     <a:lumOff val="5000"/>
                   </a:schemeClr>
                 </a:solidFill>
+                <a:latin typeface="+mj-ea"/>
+                <a:ea typeface="+mj-ea"/>
               </a:rPr>
               <a:t>		        10 / 10 = 1……0</a:t>
             </a:r>
@@ -15178,6 +15183,8 @@
                     <a:lumOff val="5000"/>
                   </a:schemeClr>
                 </a:solidFill>
+                <a:latin typeface="+mj-ea"/>
+                <a:ea typeface="+mj-ea"/>
               </a:rPr>
               <a:t>		        12 / 10 = 1……2</a:t>
             </a:r>
@@ -15194,6 +15201,8 @@
                     <a:lumOff val="5000"/>
                   </a:schemeClr>
                 </a:solidFill>
+                <a:latin typeface="+mj-ea"/>
+                <a:ea typeface="+mj-ea"/>
               </a:rPr>
               <a:t>		        20 / 10 = 2……0</a:t>
             </a:r>
@@ -15210,8 +15219,10 @@
                     <a:lumOff val="5000"/>
                   </a:schemeClr>
                 </a:solidFill>
+                <a:latin typeface="+mj-ea"/>
+                <a:ea typeface="+mj-ea"/>
               </a:rPr>
-              <a:t>		        50 / 10 = 5……0</a:t>
+              <a:t>		        99 / 10 = 9……9</a:t>
             </a:r>
           </a:p>
           <a:p>
@@ -15226,8 +15237,10 @@
                     <a:lumOff val="5000"/>
                   </a:schemeClr>
                 </a:solidFill>
+                <a:latin typeface="+mj-ea"/>
+                <a:ea typeface="+mj-ea"/>
               </a:rPr>
-              <a:t>		        35 / 10 = 3……5</a:t>
+              <a:t>			….</a:t>
             </a:r>
           </a:p>
           <a:p>
@@ -15242,8 +15255,10 @@
                     <a:lumOff val="5000"/>
                   </a:schemeClr>
                 </a:solidFill>
+                <a:latin typeface="+mj-ea"/>
+                <a:ea typeface="+mj-ea"/>
               </a:rPr>
-              <a:t>		        99 / 10 = 9……9</a:t>
+              <a:t>		How about 100?</a:t>
             </a:r>
           </a:p>
           <a:p>
@@ -15258,8 +15273,10 @@
                     <a:lumOff val="5000"/>
                   </a:schemeClr>
                 </a:solidFill>
+                <a:latin typeface="+mj-ea"/>
+                <a:ea typeface="+mj-ea"/>
               </a:rPr>
-              <a:t>			….</a:t>
+              <a:t>		        100 / 10 = 10……0,    10 / 10 = 1……0, </a:t>
             </a:r>
           </a:p>
           <a:p>
@@ -15274,8 +15291,10 @@
                     <a:lumOff val="5000"/>
                   </a:schemeClr>
                 </a:solidFill>
+                <a:latin typeface="+mj-ea"/>
+                <a:ea typeface="+mj-ea"/>
               </a:rPr>
-              <a:t>		How about 100?</a:t>
+              <a:t>		        1 /  10 = 0……1</a:t>
             </a:r>
           </a:p>
           <a:p>
@@ -15290,30 +15309,24 @@
                     <a:lumOff val="5000"/>
                   </a:schemeClr>
                 </a:solidFill>
+                <a:latin typeface="+mj-ea"/>
+                <a:ea typeface="+mj-ea"/>
               </a:rPr>
-              <a:t>		        100 / 10 = 10……0,    10 / 10 = 1……0, </a:t>
-            </a:r>
-          </a:p>
-          <a:p>
-            <a:pPr marL="0" indent="0">
-              <a:buNone/>
-            </a:pPr>
-            <a:r>
-              <a:rPr lang="en-CA" dirty="0">
+              <a:t>	         </a:t>
+            </a:r>
+            <a:r>
+              <a:rPr lang="en-US" dirty="0">
                 <a:solidFill>
                   <a:schemeClr val="tx1">
                     <a:lumMod val="95000"/>
                     <a:lumOff val="5000"/>
                   </a:schemeClr>
                 </a:solidFill>
+                <a:latin typeface="+mj-ea"/>
+                <a:ea typeface="+mj-ea"/>
               </a:rPr>
-              <a:t>		        1 /  10 = 0……1</a:t>
-            </a:r>
-          </a:p>
-          <a:p>
-            <a:pPr marL="0" indent="0">
-              <a:buNone/>
-            </a:pPr>
+              <a:t>So</a:t>
+            </a:r>
             <a:r>
               <a:rPr lang="en-CA" dirty="0">
                 <a:solidFill>
@@ -15322,8 +15335,10 @@
                     <a:lumOff val="5000"/>
                   </a:schemeClr>
                 </a:solidFill>
+                <a:latin typeface="+mj-ea"/>
+                <a:ea typeface="+mj-ea"/>
               </a:rPr>
-              <a:t>		        so the number of trailing zeros in 100 is 2.</a:t>
+              <a:t> the number of trailing zeros in 100 is 2.</a:t>
             </a:r>
           </a:p>
         </p:txBody>
@@ -15376,13 +15391,13 @@
         </p:nvSpPr>
         <p:spPr>
           <a:xfrm>
-            <a:off x="838200" y="429491"/>
-            <a:ext cx="10515600" cy="5747472"/>
+            <a:off x="838200" y="2237873"/>
+            <a:ext cx="10515600" cy="4178969"/>
           </a:xfrm>
         </p:spPr>
         <p:txBody>
           <a:bodyPr>
-            <a:normAutofit/>
+            <a:normAutofit fontScale="92500" lnSpcReduction="20000"/>
           </a:bodyPr>
           <a:lstStyle/>
           <a:p>
@@ -15390,7 +15405,10 @@
               <a:buNone/>
             </a:pPr>
             <a:r>
-              <a:rPr lang="en-CA" dirty="0"/>
+              <a:rPr lang="en-CA" dirty="0">
+                <a:latin typeface="+mj-ea"/>
+                <a:ea typeface="+mj-ea"/>
+              </a:rPr>
               <a:t>	</a:t>
             </a:r>
             <a:r>
@@ -15401,6 +15419,8 @@
                     <a:lumOff val="5000"/>
                   </a:schemeClr>
                 </a:solidFill>
+                <a:latin typeface="+mj-ea"/>
+                <a:ea typeface="+mj-ea"/>
               </a:rPr>
               <a:t>      (2)Now lets go to </a:t>
             </a:r>
@@ -15412,6 +15432,8 @@
                     <a:lumOff val="5000"/>
                   </a:schemeClr>
                 </a:solidFill>
+                <a:latin typeface="+mj-ea"/>
+                <a:ea typeface="+mj-ea"/>
               </a:rPr>
               <a:t>n</a:t>
             </a:r>
@@ -15423,6 +15445,8 @@
                     <a:lumOff val="5000"/>
                   </a:schemeClr>
                 </a:solidFill>
+                <a:latin typeface="+mj-ea"/>
+                <a:ea typeface="+mj-ea"/>
               </a:rPr>
               <a:t>!</a:t>
             </a:r>
@@ -15439,6 +15463,8 @@
                     <a:lumOff val="5000"/>
                   </a:schemeClr>
                 </a:solidFill>
+                <a:latin typeface="+mj-ea"/>
+                <a:ea typeface="+mj-ea"/>
               </a:rPr>
               <a:t>		For Example: </a:t>
             </a:r>
@@ -15455,6 +15481,8 @@
                     <a:lumOff val="5000"/>
                   </a:schemeClr>
                 </a:solidFill>
+                <a:latin typeface="+mj-ea"/>
+                <a:ea typeface="+mj-ea"/>
               </a:rPr>
               <a:t>			5! = 120</a:t>
             </a:r>
@@ -15471,6 +15499,8 @@
                     <a:lumOff val="5000"/>
                   </a:schemeClr>
                 </a:solidFill>
+                <a:latin typeface="+mj-ea"/>
+                <a:ea typeface="+mj-ea"/>
               </a:rPr>
               <a:t>			120 / 10 = 12……0</a:t>
             </a:r>
@@ -15487,6 +15517,8 @@
                     <a:lumOff val="5000"/>
                   </a:schemeClr>
                 </a:solidFill>
+                <a:latin typeface="+mj-ea"/>
+                <a:ea typeface="+mj-ea"/>
               </a:rPr>
               <a:t>			12 / 10 =  1……2</a:t>
             </a:r>
@@ -15503,6 +15535,8 @@
                     <a:lumOff val="5000"/>
                   </a:schemeClr>
                 </a:solidFill>
+                <a:latin typeface="+mj-ea"/>
+                <a:ea typeface="+mj-ea"/>
               </a:rPr>
               <a:t>			so the number of trailing zeros in </a:t>
             </a:r>
@@ -15514,6 +15548,8 @@
                     <a:lumOff val="5000"/>
                   </a:schemeClr>
                 </a:solidFill>
+                <a:latin typeface="+mj-ea"/>
+                <a:ea typeface="+mj-ea"/>
               </a:rPr>
               <a:t>n</a:t>
             </a:r>
@@ -15525,6 +15561,8 @@
                     <a:lumOff val="5000"/>
                   </a:schemeClr>
                 </a:solidFill>
+                <a:latin typeface="+mj-ea"/>
+                <a:ea typeface="+mj-ea"/>
               </a:rPr>
               <a:t>! is 1.</a:t>
             </a:r>
@@ -15541,6 +15579,8 @@
                     <a:lumOff val="5000"/>
                   </a:schemeClr>
                 </a:solidFill>
+                <a:latin typeface="+mj-ea"/>
+                <a:ea typeface="+mj-ea"/>
               </a:rPr>
               <a:t>			</a:t>
             </a:r>
@@ -15557,6 +15597,8 @@
                     <a:lumOff val="5000"/>
                   </a:schemeClr>
                 </a:solidFill>
+                <a:latin typeface="+mj-ea"/>
+                <a:ea typeface="+mj-ea"/>
               </a:rPr>
               <a:t>			10! = 3628800</a:t>
             </a:r>
@@ -15573,6 +15615,8 @@
                     <a:lumOff val="5000"/>
                   </a:schemeClr>
                 </a:solidFill>
+                <a:latin typeface="+mj-ea"/>
+                <a:ea typeface="+mj-ea"/>
               </a:rPr>
               <a:t>			3628800 / 10 = 362880……0</a:t>
             </a:r>
@@ -15589,6 +15633,8 @@
                     <a:lumOff val="5000"/>
                   </a:schemeClr>
                 </a:solidFill>
+                <a:latin typeface="+mj-ea"/>
+                <a:ea typeface="+mj-ea"/>
               </a:rPr>
               <a:t>			362880 / 10 = 36288……0</a:t>
             </a:r>
@@ -15605,6 +15651,8 @@
                     <a:lumOff val="5000"/>
                   </a:schemeClr>
                 </a:solidFill>
+                <a:latin typeface="+mj-ea"/>
+                <a:ea typeface="+mj-ea"/>
               </a:rPr>
               <a:t>			36288 / 10 = 3628……8</a:t>
             </a:r>
@@ -15621,6 +15669,8 @@
                     <a:lumOff val="5000"/>
                   </a:schemeClr>
                 </a:solidFill>
+                <a:latin typeface="+mj-ea"/>
+                <a:ea typeface="+mj-ea"/>
               </a:rPr>
               <a:t>			so the number of trailing zeros in </a:t>
             </a:r>
@@ -15632,6 +15682,8 @@
                     <a:lumOff val="5000"/>
                   </a:schemeClr>
                 </a:solidFill>
+                <a:latin typeface="+mj-ea"/>
+                <a:ea typeface="+mj-ea"/>
               </a:rPr>
               <a:t>n</a:t>
             </a:r>
@@ -15643,6 +15695,8 @@
                     <a:lumOff val="5000"/>
                   </a:schemeClr>
                 </a:solidFill>
+                <a:latin typeface="+mj-ea"/>
+                <a:ea typeface="+mj-ea"/>
               </a:rPr>
               <a:t>! is 2.</a:t>
             </a:r>
@@ -15651,7 +15705,10 @@
             <a:pPr marL="0" indent="0">
               <a:buNone/>
             </a:pPr>
-            <a:endParaRPr lang="en-CA" dirty="0"/>
+            <a:endParaRPr lang="en-CA" dirty="0">
+              <a:latin typeface="+mj-ea"/>
+              <a:ea typeface="+mj-ea"/>
+            </a:endParaRPr>
           </a:p>
         </p:txBody>
       </p:sp>
@@ -15703,13 +15760,13 @@
         </p:nvSpPr>
         <p:spPr>
           <a:xfrm>
-            <a:off x="838200" y="470517"/>
-            <a:ext cx="10515600" cy="5706446"/>
+            <a:off x="838200" y="2261937"/>
+            <a:ext cx="10515600" cy="4251158"/>
           </a:xfrm>
         </p:spPr>
         <p:txBody>
           <a:bodyPr>
-            <a:normAutofit/>
+            <a:normAutofit fontScale="85000" lnSpcReduction="20000"/>
           </a:bodyPr>
           <a:lstStyle/>
           <a:p>
@@ -15717,7 +15774,10 @@
               <a:buNone/>
             </a:pPr>
             <a:r>
-              <a:rPr lang="en-CA" dirty="0"/>
+              <a:rPr lang="en-CA" dirty="0">
+                <a:latin typeface="+mj-ea"/>
+                <a:ea typeface="+mj-ea"/>
+              </a:rPr>
               <a:t>	</a:t>
             </a:r>
             <a:r>
@@ -15728,6 +15788,8 @@
                     <a:lumOff val="5000"/>
                   </a:schemeClr>
                 </a:solidFill>
+                <a:latin typeface="+mj-ea"/>
+                <a:ea typeface="+mj-ea"/>
               </a:rPr>
               <a:t>(3) How to </a:t>
             </a:r>
@@ -15739,6 +15801,8 @@
                     <a:lumOff val="5000"/>
                   </a:schemeClr>
                 </a:solidFill>
+                <a:latin typeface="+mj-ea"/>
+                <a:ea typeface="+mj-ea"/>
               </a:rPr>
               <a:t>calculate the number of trailing zeros in </a:t>
             </a:r>
@@ -15750,6 +15814,8 @@
                     <a:lumOff val="5000"/>
                   </a:schemeClr>
                 </a:solidFill>
+                <a:latin typeface="+mj-ea"/>
+                <a:ea typeface="+mj-ea"/>
               </a:rPr>
               <a:t>n!</a:t>
             </a:r>
@@ -15761,6 +15827,8 @@
                     <a:lumOff val="5000"/>
                   </a:schemeClr>
                 </a:solidFill>
+                <a:latin typeface="+mj-ea"/>
+                <a:ea typeface="+mj-ea"/>
               </a:rPr>
               <a:t> </a:t>
             </a:r>
@@ -15772,6 +15840,8 @@
                     <a:lumOff val="5000"/>
                   </a:schemeClr>
                 </a:solidFill>
+                <a:latin typeface="+mj-ea"/>
+                <a:ea typeface="+mj-ea"/>
               </a:rPr>
               <a:t>by code?</a:t>
             </a:r>
@@ -15788,6 +15858,8 @@
                     <a:lumOff val="5000"/>
                   </a:schemeClr>
                 </a:solidFill>
+                <a:latin typeface="+mj-ea"/>
+                <a:ea typeface="+mj-ea"/>
               </a:rPr>
               <a:t>	</a:t>
             </a:r>
@@ -15804,6 +15876,8 @@
                     <a:lumOff val="5000"/>
                   </a:schemeClr>
                 </a:solidFill>
+                <a:latin typeface="+mj-ea"/>
+                <a:ea typeface="+mj-ea"/>
               </a:rPr>
               <a:t>	We can use loop or recursion.</a:t>
             </a:r>
@@ -15820,6 +15894,8 @@
                     <a:lumOff val="5000"/>
                   </a:schemeClr>
                 </a:solidFill>
+                <a:latin typeface="+mj-ea"/>
+                <a:ea typeface="+mj-ea"/>
               </a:rPr>
               <a:t>		 set </a:t>
             </a:r>
@@ -15831,6 +15907,8 @@
                     <a:lumOff val="5000"/>
                   </a:schemeClr>
                 </a:solidFill>
+                <a:latin typeface="+mj-ea"/>
+                <a:ea typeface="+mj-ea"/>
               </a:rPr>
               <a:t>thefactorialNum</a:t>
             </a:r>
@@ -15842,6 +15920,8 @@
                     <a:lumOff val="5000"/>
                   </a:schemeClr>
                 </a:solidFill>
+                <a:latin typeface="+mj-ea"/>
+                <a:ea typeface="+mj-ea"/>
               </a:rPr>
               <a:t> to factorial(n)</a:t>
             </a:r>
@@ -15858,6 +15938,8 @@
                     <a:lumOff val="5000"/>
                   </a:schemeClr>
                 </a:solidFill>
+                <a:latin typeface="+mj-ea"/>
+                <a:ea typeface="+mj-ea"/>
               </a:rPr>
               <a:t>		 set count to 0</a:t>
             </a:r>
@@ -15874,6 +15956,8 @@
                     <a:lumOff val="5000"/>
                   </a:schemeClr>
                 </a:solidFill>
+                <a:latin typeface="+mj-ea"/>
+                <a:ea typeface="+mj-ea"/>
               </a:rPr>
               <a:t>		 set Reminder to 0</a:t>
             </a:r>
@@ -15890,6 +15974,8 @@
                     <a:lumOff val="5000"/>
                   </a:schemeClr>
                 </a:solidFill>
+                <a:latin typeface="+mj-ea"/>
+                <a:ea typeface="+mj-ea"/>
               </a:rPr>
               <a:t>		 while Reminder is equal to 0</a:t>
             </a:r>
@@ -15906,6 +15992,8 @@
                     <a:lumOff val="5000"/>
                   </a:schemeClr>
                 </a:solidFill>
+                <a:latin typeface="+mj-ea"/>
+                <a:ea typeface="+mj-ea"/>
               </a:rPr>
               <a:t>		    set Reminder equal to the reminder of </a:t>
             </a:r>
@@ -15917,6 +16005,8 @@
                     <a:lumOff val="5000"/>
                   </a:schemeClr>
                 </a:solidFill>
+                <a:latin typeface="+mj-ea"/>
+                <a:ea typeface="+mj-ea"/>
               </a:rPr>
               <a:t>thefactorialNum</a:t>
             </a:r>
@@ -15928,6 +16018,8 @@
                     <a:lumOff val="5000"/>
                   </a:schemeClr>
                 </a:solidFill>
+                <a:latin typeface="+mj-ea"/>
+                <a:ea typeface="+mj-ea"/>
               </a:rPr>
               <a:t> divided by 10</a:t>
             </a:r>
@@ -15944,6 +16036,8 @@
                     <a:lumOff val="5000"/>
                   </a:schemeClr>
                 </a:solidFill>
+                <a:latin typeface="+mj-ea"/>
+                <a:ea typeface="+mj-ea"/>
               </a:rPr>
               <a:t>		    if  Reminder is equal to 0</a:t>
             </a:r>
@@ -15960,6 +16054,8 @@
                     <a:lumOff val="5000"/>
                   </a:schemeClr>
                 </a:solidFill>
+                <a:latin typeface="+mj-ea"/>
+                <a:ea typeface="+mj-ea"/>
               </a:rPr>
               <a:t>		        add one to the count 	</a:t>
             </a:r>
@@ -15976,6 +16072,8 @@
                     <a:lumOff val="5000"/>
                   </a:schemeClr>
                 </a:solidFill>
+                <a:latin typeface="+mj-ea"/>
+                <a:ea typeface="+mj-ea"/>
               </a:rPr>
               <a:t>		        set </a:t>
             </a:r>
@@ -15987,6 +16085,8 @@
                     <a:lumOff val="5000"/>
                   </a:schemeClr>
                 </a:solidFill>
+                <a:latin typeface="+mj-ea"/>
+                <a:ea typeface="+mj-ea"/>
               </a:rPr>
               <a:t>thefactorialNum</a:t>
             </a:r>
@@ -15998,6 +16098,8 @@
                     <a:lumOff val="5000"/>
                   </a:schemeClr>
                 </a:solidFill>
+                <a:latin typeface="+mj-ea"/>
+                <a:ea typeface="+mj-ea"/>
               </a:rPr>
               <a:t> to </a:t>
             </a:r>
@@ -16009,6 +16111,8 @@
                     <a:lumOff val="5000"/>
                   </a:schemeClr>
                 </a:solidFill>
+                <a:latin typeface="+mj-ea"/>
+                <a:ea typeface="+mj-ea"/>
               </a:rPr>
               <a:t>thefactorialNum</a:t>
             </a:r>
@@ -16020,6 +16124,8 @@
                     <a:lumOff val="5000"/>
                   </a:schemeClr>
                 </a:solidFill>
+                <a:latin typeface="+mj-ea"/>
+                <a:ea typeface="+mj-ea"/>
               </a:rPr>
               <a:t> divided by 10</a:t>
             </a:r>
@@ -16036,6 +16142,8 @@
                     <a:lumOff val="5000"/>
                   </a:schemeClr>
                 </a:solidFill>
+                <a:latin typeface="+mj-ea"/>
+                <a:ea typeface="+mj-ea"/>
               </a:rPr>
               <a:t>		return count</a:t>
             </a:r>
@@ -16052,6 +16160,8 @@
                     <a:lumOff val="5000"/>
                   </a:schemeClr>
                 </a:solidFill>
+                <a:latin typeface="+mj-ea"/>
+                <a:ea typeface="+mj-ea"/>
               </a:rPr>
               <a:t>		</a:t>
             </a:r>
@@ -16106,13 +16216,13 @@
         </p:nvSpPr>
         <p:spPr>
           <a:xfrm>
-            <a:off x="838200" y="559293"/>
-            <a:ext cx="10515600" cy="5617670"/>
+            <a:off x="838200" y="2285999"/>
+            <a:ext cx="10515600" cy="4403559"/>
           </a:xfrm>
         </p:spPr>
         <p:txBody>
           <a:bodyPr>
-            <a:normAutofit fontScale="85000" lnSpcReduction="20000"/>
+            <a:normAutofit fontScale="62500" lnSpcReduction="20000"/>
           </a:bodyPr>
           <a:lstStyle/>
           <a:p>
@@ -16120,7 +16230,10 @@
               <a:buNone/>
             </a:pPr>
             <a:r>
-              <a:rPr lang="en-CA" dirty="0"/>
+              <a:rPr lang="en-CA" dirty="0">
+                <a:latin typeface="+mj-ea"/>
+                <a:ea typeface="+mj-ea"/>
+              </a:rPr>
               <a:t>	</a:t>
             </a:r>
             <a:r>
@@ -16131,6 +16244,8 @@
                     <a:lumOff val="5000"/>
                   </a:schemeClr>
                 </a:solidFill>
+                <a:latin typeface="+mj-ea"/>
+                <a:ea typeface="+mj-ea"/>
               </a:rPr>
               <a:t>int</a:t>
             </a:r>
@@ -16142,6 +16257,8 @@
                     <a:lumOff val="5000"/>
                   </a:schemeClr>
                 </a:solidFill>
+                <a:latin typeface="+mj-ea"/>
+                <a:ea typeface="+mj-ea"/>
               </a:rPr>
               <a:t> </a:t>
             </a:r>
@@ -16153,6 +16270,8 @@
                     <a:lumOff val="5000"/>
                   </a:schemeClr>
                 </a:solidFill>
+                <a:latin typeface="+mj-ea"/>
+                <a:ea typeface="+mj-ea"/>
               </a:rPr>
               <a:t>NumOfTrailngZero</a:t>
             </a:r>
@@ -16164,6 +16283,8 @@
                     <a:lumOff val="5000"/>
                   </a:schemeClr>
                 </a:solidFill>
+                <a:latin typeface="+mj-ea"/>
+                <a:ea typeface="+mj-ea"/>
               </a:rPr>
               <a:t>(</a:t>
             </a:r>
@@ -16175,6 +16296,8 @@
                     <a:lumOff val="5000"/>
                   </a:schemeClr>
                 </a:solidFill>
+                <a:latin typeface="+mj-ea"/>
+                <a:ea typeface="+mj-ea"/>
               </a:rPr>
               <a:t>int</a:t>
             </a:r>
@@ -16186,6 +16309,8 @@
                     <a:lumOff val="5000"/>
                   </a:schemeClr>
                 </a:solidFill>
+                <a:latin typeface="+mj-ea"/>
+                <a:ea typeface="+mj-ea"/>
               </a:rPr>
               <a:t> </a:t>
             </a:r>
@@ -16197,6 +16322,8 @@
                     <a:lumOff val="5000"/>
                   </a:schemeClr>
                 </a:solidFill>
+                <a:latin typeface="+mj-ea"/>
+                <a:ea typeface="+mj-ea"/>
               </a:rPr>
               <a:t>thefactorial</a:t>
             </a:r>
@@ -16208,6 +16335,8 @@
                     <a:lumOff val="5000"/>
                   </a:schemeClr>
                 </a:solidFill>
+                <a:latin typeface="+mj-ea"/>
+                <a:ea typeface="+mj-ea"/>
               </a:rPr>
               <a:t>) {</a:t>
             </a:r>
@@ -16224,6 +16353,8 @@
                     <a:lumOff val="5000"/>
                   </a:schemeClr>
                 </a:solidFill>
+                <a:latin typeface="+mj-ea"/>
+                <a:ea typeface="+mj-ea"/>
               </a:rPr>
               <a:t>	    </a:t>
             </a:r>
@@ -16235,6 +16366,8 @@
                     <a:lumOff val="5000"/>
                   </a:schemeClr>
                 </a:solidFill>
+                <a:latin typeface="+mj-ea"/>
+                <a:ea typeface="+mj-ea"/>
               </a:rPr>
               <a:t>int</a:t>
             </a:r>
@@ -16246,6 +16379,8 @@
                     <a:lumOff val="5000"/>
                   </a:schemeClr>
                 </a:solidFill>
+                <a:latin typeface="+mj-ea"/>
+                <a:ea typeface="+mj-ea"/>
               </a:rPr>
               <a:t> </a:t>
             </a:r>
@@ -16257,6 +16392,8 @@
                     <a:lumOff val="5000"/>
                   </a:schemeClr>
                 </a:solidFill>
+                <a:latin typeface="+mj-ea"/>
+                <a:ea typeface="+mj-ea"/>
               </a:rPr>
               <a:t>thefactorialNum</a:t>
             </a:r>
@@ -16268,6 +16405,8 @@
                     <a:lumOff val="5000"/>
                   </a:schemeClr>
                 </a:solidFill>
+                <a:latin typeface="+mj-ea"/>
+                <a:ea typeface="+mj-ea"/>
               </a:rPr>
               <a:t> = factorial(</a:t>
             </a:r>
@@ -16279,6 +16418,8 @@
                     <a:lumOff val="5000"/>
                   </a:schemeClr>
                 </a:solidFill>
+                <a:latin typeface="+mj-ea"/>
+                <a:ea typeface="+mj-ea"/>
               </a:rPr>
               <a:t>thefactorial</a:t>
             </a:r>
@@ -16290,6 +16431,8 @@
                     <a:lumOff val="5000"/>
                   </a:schemeClr>
                 </a:solidFill>
+                <a:latin typeface="+mj-ea"/>
+                <a:ea typeface="+mj-ea"/>
               </a:rPr>
               <a:t>);</a:t>
             </a:r>
@@ -16302,6 +16445,8 @@
                   <a:lumOff val="5000"/>
                 </a:schemeClr>
               </a:solidFill>
+              <a:latin typeface="+mj-ea"/>
+              <a:ea typeface="+mj-ea"/>
             </a:endParaRPr>
           </a:p>
           <a:p>
@@ -16316,6 +16461,8 @@
                     <a:lumOff val="5000"/>
                   </a:schemeClr>
                 </a:solidFill>
+                <a:latin typeface="+mj-ea"/>
+                <a:ea typeface="+mj-ea"/>
               </a:rPr>
               <a:t>	    </a:t>
             </a:r>
@@ -16327,6 +16474,8 @@
                     <a:lumOff val="5000"/>
                   </a:schemeClr>
                 </a:solidFill>
+                <a:latin typeface="+mj-ea"/>
+                <a:ea typeface="+mj-ea"/>
               </a:rPr>
               <a:t>int</a:t>
             </a:r>
@@ -16338,6 +16487,8 @@
                     <a:lumOff val="5000"/>
                   </a:schemeClr>
                 </a:solidFill>
+                <a:latin typeface="+mj-ea"/>
+                <a:ea typeface="+mj-ea"/>
               </a:rPr>
               <a:t> count = 0;</a:t>
             </a:r>
@@ -16354,6 +16505,8 @@
                     <a:lumOff val="5000"/>
                   </a:schemeClr>
                 </a:solidFill>
+                <a:latin typeface="+mj-ea"/>
+                <a:ea typeface="+mj-ea"/>
               </a:rPr>
               <a:t>	    </a:t>
             </a:r>
@@ -16365,6 +16518,8 @@
                     <a:lumOff val="5000"/>
                   </a:schemeClr>
                 </a:solidFill>
+                <a:latin typeface="+mj-ea"/>
+                <a:ea typeface="+mj-ea"/>
               </a:rPr>
               <a:t>int</a:t>
             </a:r>
@@ -16376,6 +16531,8 @@
                     <a:lumOff val="5000"/>
                   </a:schemeClr>
                 </a:solidFill>
+                <a:latin typeface="+mj-ea"/>
+                <a:ea typeface="+mj-ea"/>
               </a:rPr>
               <a:t> </a:t>
             </a:r>
@@ -16387,6 +16544,8 @@
                     <a:lumOff val="5000"/>
                   </a:schemeClr>
                 </a:solidFill>
+                <a:latin typeface="+mj-ea"/>
+                <a:ea typeface="+mj-ea"/>
               </a:rPr>
               <a:t>TheReminder</a:t>
             </a:r>
@@ -16398,6 +16557,8 @@
                     <a:lumOff val="5000"/>
                   </a:schemeClr>
                 </a:solidFill>
+                <a:latin typeface="+mj-ea"/>
+                <a:ea typeface="+mj-ea"/>
               </a:rPr>
               <a:t> = 0;</a:t>
             </a:r>
@@ -16414,6 +16575,8 @@
                     <a:lumOff val="5000"/>
                   </a:schemeClr>
                 </a:solidFill>
+                <a:latin typeface="+mj-ea"/>
+                <a:ea typeface="+mj-ea"/>
               </a:rPr>
               <a:t>	    while (</a:t>
             </a:r>
@@ -16425,6 +16588,8 @@
                     <a:lumOff val="5000"/>
                   </a:schemeClr>
                 </a:solidFill>
+                <a:latin typeface="+mj-ea"/>
+                <a:ea typeface="+mj-ea"/>
               </a:rPr>
               <a:t>TheReminder</a:t>
             </a:r>
@@ -16436,6 +16601,8 @@
                     <a:lumOff val="5000"/>
                   </a:schemeClr>
                 </a:solidFill>
+                <a:latin typeface="+mj-ea"/>
+                <a:ea typeface="+mj-ea"/>
               </a:rPr>
               <a:t> == 0)</a:t>
             </a:r>
@@ -16452,6 +16619,8 @@
                     <a:lumOff val="5000"/>
                   </a:schemeClr>
                 </a:solidFill>
+                <a:latin typeface="+mj-ea"/>
+                <a:ea typeface="+mj-ea"/>
               </a:rPr>
               <a:t>	    {</a:t>
             </a:r>
@@ -16468,6 +16637,8 @@
                     <a:lumOff val="5000"/>
                   </a:schemeClr>
                 </a:solidFill>
+                <a:latin typeface="+mj-ea"/>
+                <a:ea typeface="+mj-ea"/>
               </a:rPr>
               <a:t>	    </a:t>
             </a:r>
@@ -16479,6 +16650,8 @@
                     <a:lumOff val="5000"/>
                   </a:schemeClr>
                 </a:solidFill>
+                <a:latin typeface="+mj-ea"/>
+                <a:ea typeface="+mj-ea"/>
               </a:rPr>
               <a:t>TheReminder</a:t>
             </a:r>
@@ -16490,6 +16663,8 @@
                     <a:lumOff val="5000"/>
                   </a:schemeClr>
                 </a:solidFill>
+                <a:latin typeface="+mj-ea"/>
+                <a:ea typeface="+mj-ea"/>
               </a:rPr>
               <a:t> = </a:t>
             </a:r>
@@ -16501,6 +16676,8 @@
                     <a:lumOff val="5000"/>
                   </a:schemeClr>
                 </a:solidFill>
+                <a:latin typeface="+mj-ea"/>
+                <a:ea typeface="+mj-ea"/>
               </a:rPr>
               <a:t>thefactorialNum</a:t>
             </a:r>
@@ -16512,6 +16689,8 @@
                     <a:lumOff val="5000"/>
                   </a:schemeClr>
                 </a:solidFill>
+                <a:latin typeface="+mj-ea"/>
+                <a:ea typeface="+mj-ea"/>
               </a:rPr>
               <a:t> % 10;</a:t>
             </a:r>
@@ -16527,6 +16706,8 @@
                   <a:lumOff val="5000"/>
                 </a:schemeClr>
               </a:solidFill>
+              <a:latin typeface="+mj-ea"/>
+              <a:ea typeface="+mj-ea"/>
             </a:endParaRPr>
           </a:p>
           <a:p>
@@ -16541,6 +16722,8 @@
                     <a:lumOff val="5000"/>
                   </a:schemeClr>
                 </a:solidFill>
+                <a:latin typeface="+mj-ea"/>
+                <a:ea typeface="+mj-ea"/>
               </a:rPr>
               <a:t>	        if (</a:t>
             </a:r>
@@ -16552,6 +16735,8 @@
                     <a:lumOff val="5000"/>
                   </a:schemeClr>
                 </a:solidFill>
+                <a:latin typeface="+mj-ea"/>
+                <a:ea typeface="+mj-ea"/>
               </a:rPr>
               <a:t>TheReminder</a:t>
             </a:r>
@@ -16563,6 +16748,8 @@
                     <a:lumOff val="5000"/>
                   </a:schemeClr>
                 </a:solidFill>
+                <a:latin typeface="+mj-ea"/>
+                <a:ea typeface="+mj-ea"/>
               </a:rPr>
               <a:t> == 0)</a:t>
             </a:r>
@@ -16579,6 +16766,8 @@
                     <a:lumOff val="5000"/>
                   </a:schemeClr>
                 </a:solidFill>
+                <a:latin typeface="+mj-ea"/>
+                <a:ea typeface="+mj-ea"/>
               </a:rPr>
               <a:t>	        {</a:t>
             </a:r>
@@ -16595,6 +16784,8 @@
                     <a:lumOff val="5000"/>
                   </a:schemeClr>
                 </a:solidFill>
+                <a:latin typeface="+mj-ea"/>
+                <a:ea typeface="+mj-ea"/>
               </a:rPr>
               <a:t>	        count++;</a:t>
             </a:r>
@@ -16611,6 +16802,8 @@
                     <a:lumOff val="5000"/>
                   </a:schemeClr>
                 </a:solidFill>
+                <a:latin typeface="+mj-ea"/>
+                <a:ea typeface="+mj-ea"/>
               </a:rPr>
               <a:t>	        </a:t>
             </a:r>
@@ -16622,6 +16815,8 @@
                     <a:lumOff val="5000"/>
                   </a:schemeClr>
                 </a:solidFill>
+                <a:latin typeface="+mj-ea"/>
+                <a:ea typeface="+mj-ea"/>
               </a:rPr>
               <a:t>thefactorialNum</a:t>
             </a:r>
@@ -16633,6 +16828,8 @@
                     <a:lumOff val="5000"/>
                   </a:schemeClr>
                 </a:solidFill>
+                <a:latin typeface="+mj-ea"/>
+                <a:ea typeface="+mj-ea"/>
               </a:rPr>
               <a:t> /= 10;</a:t>
             </a:r>
@@ -16649,6 +16846,8 @@
                     <a:lumOff val="5000"/>
                   </a:schemeClr>
                 </a:solidFill>
+                <a:latin typeface="+mj-ea"/>
+                <a:ea typeface="+mj-ea"/>
               </a:rPr>
               <a:t>	        }</a:t>
             </a:r>
@@ -16665,6 +16864,8 @@
                     <a:lumOff val="5000"/>
                   </a:schemeClr>
                 </a:solidFill>
+                <a:latin typeface="+mj-ea"/>
+                <a:ea typeface="+mj-ea"/>
               </a:rPr>
               <a:t>	    }</a:t>
             </a:r>
@@ -16681,6 +16882,8 @@
                     <a:lumOff val="5000"/>
                   </a:schemeClr>
                 </a:solidFill>
+                <a:latin typeface="+mj-ea"/>
+                <a:ea typeface="+mj-ea"/>
               </a:rPr>
               <a:t>	return count;</a:t>
             </a:r>
@@ -16697,6 +16900,8 @@
                     <a:lumOff val="5000"/>
                   </a:schemeClr>
                 </a:solidFill>
+                <a:latin typeface="+mj-ea"/>
+                <a:ea typeface="+mj-ea"/>
               </a:rPr>
               <a:t>	}</a:t>
             </a:r>
